--- a/doc/zada-final.pptx
+++ b/doc/zada-final.pptx
@@ -219,14 +219,14 @@
             <a:noFill/>
           </a:ln>
           <a:extLst>
-            <a:ext uri="{909E8E84-426E-40DD-AFC4-6F175D3DCCD1}">
+            <a:ext uri="{909E8E84-426E-40dd-AFC4-6F175D3DCCD1}">
               <a14:hiddenFill xmlns:a14="http://schemas.microsoft.com/office/drawing/2010/main">
                 <a:solidFill>
                   <a:srgbClr val="FFFFFF"/>
                 </a:solidFill>
               </a14:hiddenFill>
             </a:ext>
-            <a:ext uri="{91240B29-F687-4F45-9708-019B960494DF}">
+            <a:ext uri="{91240B29-F687-4f45-9708-019B960494DF}">
               <a14:hiddenLine xmlns:a14="http://schemas.microsoft.com/office/drawing/2010/main" w="9525">
                 <a:solidFill>
                   <a:srgbClr val="000000"/>
@@ -280,14 +280,14 @@
             <a:noFill/>
           </a:ln>
           <a:extLst>
-            <a:ext uri="{909E8E84-426E-40DD-AFC4-6F175D3DCCD1}">
+            <a:ext uri="{909E8E84-426E-40dd-AFC4-6F175D3DCCD1}">
               <a14:hiddenFill xmlns:a14="http://schemas.microsoft.com/office/drawing/2010/main">
                 <a:solidFill>
                   <a:srgbClr val="FFFFFF"/>
                 </a:solidFill>
               </a14:hiddenFill>
             </a:ext>
-            <a:ext uri="{91240B29-F687-4F45-9708-019B960494DF}">
+            <a:ext uri="{91240B29-F687-4f45-9708-019B960494DF}">
               <a14:hiddenLine xmlns:a14="http://schemas.microsoft.com/office/drawing/2010/main" w="9525">
                 <a:solidFill>
                   <a:srgbClr val="000000"/>
@@ -341,14 +341,14 @@
             <a:noFill/>
           </a:ln>
           <a:extLst>
-            <a:ext uri="{909E8E84-426E-40DD-AFC4-6F175D3DCCD1}">
+            <a:ext uri="{909E8E84-426E-40dd-AFC4-6F175D3DCCD1}">
               <a14:hiddenFill xmlns:a14="http://schemas.microsoft.com/office/drawing/2010/main">
                 <a:solidFill>
                   <a:srgbClr val="FFFFFF"/>
                 </a:solidFill>
               </a14:hiddenFill>
             </a:ext>
-            <a:ext uri="{91240B29-F687-4F45-9708-019B960494DF}">
+            <a:ext uri="{91240B29-F687-4f45-9708-019B960494DF}">
               <a14:hiddenLine xmlns:a14="http://schemas.microsoft.com/office/drawing/2010/main" w="9525">
                 <a:solidFill>
                   <a:srgbClr val="000000"/>
@@ -384,14 +384,14 @@
             <a:noFill/>
           </a:ln>
           <a:extLst>
-            <a:ext uri="{909E8E84-426E-40DD-AFC4-6F175D3DCCD1}">
+            <a:ext uri="{909E8E84-426E-40dd-AFC4-6F175D3DCCD1}">
               <a14:hiddenFill xmlns:a14="http://schemas.microsoft.com/office/drawing/2010/main">
                 <a:solidFill>
                   <a:srgbClr val="FFFFFF"/>
                 </a:solidFill>
               </a14:hiddenFill>
             </a:ext>
-            <a:ext uri="{91240B29-F687-4F45-9708-019B960494DF}">
+            <a:ext uri="{91240B29-F687-4f45-9708-019B960494DF}">
               <a14:hiddenLine xmlns:a14="http://schemas.microsoft.com/office/drawing/2010/main" w="9525">
                 <a:solidFill>
                   <a:srgbClr val="000000"/>
@@ -470,14 +470,14 @@
             <a:noFill/>
           </a:ln>
           <a:extLst>
-            <a:ext uri="{909E8E84-426E-40DD-AFC4-6F175D3DCCD1}">
+            <a:ext uri="{909E8E84-426E-40dd-AFC4-6F175D3DCCD1}">
               <a14:hiddenFill xmlns:a14="http://schemas.microsoft.com/office/drawing/2010/main">
                 <a:solidFill>
                   <a:srgbClr val="FFFFFF"/>
                 </a:solidFill>
               </a14:hiddenFill>
             </a:ext>
-            <a:ext uri="{91240B29-F687-4F45-9708-019B960494DF}">
+            <a:ext uri="{91240B29-F687-4f45-9708-019B960494DF}">
               <a14:hiddenLine xmlns:a14="http://schemas.microsoft.com/office/drawing/2010/main" w="9525">
                 <a:solidFill>
                   <a:srgbClr val="000000"/>
@@ -531,14 +531,14 @@
             <a:noFill/>
           </a:ln>
           <a:extLst>
-            <a:ext uri="{909E8E84-426E-40DD-AFC4-6F175D3DCCD1}">
+            <a:ext uri="{909E8E84-426E-40dd-AFC4-6F175D3DCCD1}">
               <a14:hiddenFill xmlns:a14="http://schemas.microsoft.com/office/drawing/2010/main">
                 <a:solidFill>
                   <a:srgbClr val="FFFFFF"/>
                 </a:solidFill>
               </a14:hiddenFill>
             </a:ext>
-            <a:ext uri="{91240B29-F687-4F45-9708-019B960494DF}">
+            <a:ext uri="{91240B29-F687-4f45-9708-019B960494DF}">
               <a14:hiddenLine xmlns:a14="http://schemas.microsoft.com/office/drawing/2010/main" w="9525">
                 <a:solidFill>
                   <a:srgbClr val="000000"/>
@@ -848,7 +848,7 @@
               <a:pPr>
                 <a:defRPr/>
               </a:pPr>
-              <a:t>2015/10/30</a:t>
+              <a:t>15-10-31</a:t>
             </a:fld>
             <a:endParaRPr lang="zh-CN" altLang="en-US"/>
           </a:p>
@@ -1058,7 +1058,7 @@
               <a:pPr>
                 <a:defRPr/>
               </a:pPr>
-              <a:t>2015/10/30</a:t>
+              <a:t>15-10-31</a:t>
             </a:fld>
             <a:endParaRPr lang="zh-CN" altLang="en-US"/>
           </a:p>
@@ -1278,7 +1278,7 @@
               <a:pPr>
                 <a:defRPr/>
               </a:pPr>
-              <a:t>2015/10/30</a:t>
+              <a:t>15-10-31</a:t>
             </a:fld>
             <a:endParaRPr lang="zh-CN" altLang="en-US"/>
           </a:p>
@@ -1488,7 +1488,7 @@
               <a:pPr>
                 <a:defRPr/>
               </a:pPr>
-              <a:t>2015/10/30</a:t>
+              <a:t>15-10-31</a:t>
             </a:fld>
             <a:endParaRPr lang="zh-CN" altLang="en-US"/>
           </a:p>
@@ -1720,7 +1720,7 @@
               <a:pPr>
                 <a:defRPr/>
               </a:pPr>
-              <a:t>2015/10/30</a:t>
+              <a:t>15-10-31</a:t>
             </a:fld>
             <a:endParaRPr lang="zh-CN" altLang="en-US"/>
           </a:p>
@@ -2048,7 +2048,7 @@
               <a:pPr>
                 <a:defRPr/>
               </a:pPr>
-              <a:t>2015/10/30</a:t>
+              <a:t>15-10-31</a:t>
             </a:fld>
             <a:endParaRPr lang="zh-CN" altLang="en-US"/>
           </a:p>
@@ -2510,7 +2510,7 @@
               <a:pPr>
                 <a:defRPr/>
               </a:pPr>
-              <a:t>2015/10/30</a:t>
+              <a:t>15-10-31</a:t>
             </a:fld>
             <a:endParaRPr lang="zh-CN" altLang="en-US"/>
           </a:p>
@@ -2668,7 +2668,7 @@
               <a:pPr>
                 <a:defRPr/>
               </a:pPr>
-              <a:t>2015/10/30</a:t>
+              <a:t>15-10-31</a:t>
             </a:fld>
             <a:endParaRPr lang="zh-CN" altLang="en-US"/>
           </a:p>
@@ -2803,7 +2803,7 @@
               <a:pPr>
                 <a:defRPr/>
               </a:pPr>
-              <a:t>2015/10/30</a:t>
+              <a:t>15-10-31</a:t>
             </a:fld>
             <a:endParaRPr lang="zh-CN" altLang="en-US"/>
           </a:p>
@@ -3120,7 +3120,7 @@
               <a:pPr>
                 <a:defRPr/>
               </a:pPr>
-              <a:t>2015/10/30</a:t>
+              <a:t>15-10-31</a:t>
             </a:fld>
             <a:endParaRPr lang="zh-CN" altLang="en-US"/>
           </a:p>
@@ -3414,7 +3414,7 @@
               <a:pPr>
                 <a:defRPr/>
               </a:pPr>
-              <a:t>2015/10/30</a:t>
+              <a:t>15-10-31</a:t>
             </a:fld>
             <a:endParaRPr lang="zh-CN" altLang="en-US"/>
           </a:p>
@@ -3551,14 +3551,14 @@
             <a:noFill/>
           </a:ln>
           <a:extLst>
-            <a:ext uri="{909E8E84-426E-40DD-AFC4-6F175D3DCCD1}">
+            <a:ext uri="{909E8E84-426E-40dd-AFC4-6F175D3DCCD1}">
               <a14:hiddenFill xmlns:a14="http://schemas.microsoft.com/office/drawing/2010/main">
                 <a:solidFill>
                   <a:srgbClr val="FFFFFF"/>
                 </a:solidFill>
               </a14:hiddenFill>
             </a:ext>
-            <a:ext uri="{91240B29-F687-4F45-9708-019B960494DF}">
+            <a:ext uri="{91240B29-F687-4f45-9708-019B960494DF}">
               <a14:hiddenLine xmlns:a14="http://schemas.microsoft.com/office/drawing/2010/main" w="9525">
                 <a:solidFill>
                   <a:srgbClr val="000000"/>
@@ -3609,14 +3609,14 @@
             <a:noFill/>
           </a:ln>
           <a:extLst>
-            <a:ext uri="{909E8E84-426E-40DD-AFC4-6F175D3DCCD1}">
+            <a:ext uri="{909E8E84-426E-40dd-AFC4-6F175D3DCCD1}">
               <a14:hiddenFill xmlns:a14="http://schemas.microsoft.com/office/drawing/2010/main">
                 <a:solidFill>
                   <a:srgbClr val="FFFFFF"/>
                 </a:solidFill>
               </a14:hiddenFill>
             </a:ext>
-            <a:ext uri="{91240B29-F687-4F45-9708-019B960494DF}">
+            <a:ext uri="{91240B29-F687-4f45-9708-019B960494DF}">
               <a14:hiddenLine xmlns:a14="http://schemas.microsoft.com/office/drawing/2010/main" w="9525">
                 <a:solidFill>
                   <a:srgbClr val="000000"/>
@@ -3695,14 +3695,14 @@
             <a:noFill/>
           </a:ln>
           <a:extLst>
-            <a:ext uri="{909E8E84-426E-40DD-AFC4-6F175D3DCCD1}">
+            <a:ext uri="{909E8E84-426E-40dd-AFC4-6F175D3DCCD1}">
               <a14:hiddenFill xmlns:a14="http://schemas.microsoft.com/office/drawing/2010/main">
                 <a:solidFill>
                   <a:srgbClr val="FFFFFF"/>
                 </a:solidFill>
               </a14:hiddenFill>
             </a:ext>
-            <a:ext uri="{91240B29-F687-4F45-9708-019B960494DF}">
+            <a:ext uri="{91240B29-F687-4f45-9708-019B960494DF}">
               <a14:hiddenLine xmlns:a14="http://schemas.microsoft.com/office/drawing/2010/main" w="9525">
                 <a:solidFill>
                   <a:srgbClr val="000000"/>
@@ -3738,7 +3738,7 @@
               <a:pPr>
                 <a:defRPr/>
               </a:pPr>
-              <a:t>2015/10/30</a:t>
+              <a:t>15-10-31</a:t>
             </a:fld>
             <a:endParaRPr lang="zh-CN" altLang="en-US"/>
           </a:p>
@@ -3767,14 +3767,14 @@
             <a:noFill/>
           </a:ln>
           <a:extLst>
-            <a:ext uri="{909E8E84-426E-40DD-AFC4-6F175D3DCCD1}">
+            <a:ext uri="{909E8E84-426E-40dd-AFC4-6F175D3DCCD1}">
               <a14:hiddenFill xmlns:a14="http://schemas.microsoft.com/office/drawing/2010/main">
                 <a:solidFill>
                   <a:srgbClr val="FFFFFF"/>
                 </a:solidFill>
               </a14:hiddenFill>
             </a:ext>
-            <a:ext uri="{91240B29-F687-4F45-9708-019B960494DF}">
+            <a:ext uri="{91240B29-F687-4f45-9708-019B960494DF}">
               <a14:hiddenLine xmlns:a14="http://schemas.microsoft.com/office/drawing/2010/main" w="9525">
                 <a:solidFill>
                   <a:srgbClr val="000000"/>
@@ -3839,14 +3839,14 @@
             <a:noFill/>
           </a:ln>
           <a:extLst>
-            <a:ext uri="{909E8E84-426E-40DD-AFC4-6F175D3DCCD1}">
+            <a:ext uri="{909E8E84-426E-40dd-AFC4-6F175D3DCCD1}">
               <a14:hiddenFill xmlns:a14="http://schemas.microsoft.com/office/drawing/2010/main">
                 <a:solidFill>
                   <a:srgbClr val="FFFFFF"/>
                 </a:solidFill>
               </a14:hiddenFill>
             </a:ext>
-            <a:ext uri="{91240B29-F687-4F45-9708-019B960494DF}">
+            <a:ext uri="{91240B29-F687-4f45-9708-019B960494DF}">
               <a14:hiddenLine xmlns:a14="http://schemas.microsoft.com/office/drawing/2010/main" w="9525">
                 <a:solidFill>
                   <a:srgbClr val="000000"/>
@@ -4336,14 +4336,14 @@
             <a:noFill/>
           </a:ln>
           <a:extLst>
-            <a:ext uri="{909E8E84-426E-40DD-AFC4-6F175D3DCCD1}">
+            <a:ext uri="{909E8E84-426E-40dd-AFC4-6F175D3DCCD1}">
               <a14:hiddenFill xmlns:a14="http://schemas.microsoft.com/office/drawing/2010/main">
                 <a:solidFill>
                   <a:srgbClr val="FFFFFF"/>
                 </a:solidFill>
               </a14:hiddenFill>
             </a:ext>
-            <a:ext uri="{91240B29-F687-4F45-9708-019B960494DF}">
+            <a:ext uri="{91240B29-F687-4f45-9708-019B960494DF}">
               <a14:hiddenLine xmlns:a14="http://schemas.microsoft.com/office/drawing/2010/main" w="9525">
                 <a:solidFill>
                   <a:srgbClr val="000000"/>
@@ -4544,14 +4544,14 @@
             <a:noFill/>
           </a:ln>
           <a:extLst>
-            <a:ext uri="{909E8E84-426E-40DD-AFC4-6F175D3DCCD1}">
+            <a:ext uri="{909E8E84-426E-40dd-AFC4-6F175D3DCCD1}">
               <a14:hiddenFill xmlns:a14="http://schemas.microsoft.com/office/drawing/2010/main">
                 <a:solidFill>
                   <a:srgbClr val="FFFFFF"/>
                 </a:solidFill>
               </a14:hiddenFill>
             </a:ext>
-            <a:ext uri="{91240B29-F687-4F45-9708-019B960494DF}">
+            <a:ext uri="{91240B29-F687-4f45-9708-019B960494DF}">
               <a14:hiddenLine xmlns:a14="http://schemas.microsoft.com/office/drawing/2010/main" w="9525">
                 <a:solidFill>
                   <a:srgbClr val="000000"/>
@@ -4776,7 +4776,7 @@
             <a:noFill/>
           </a:ln>
           <a:extLst>
-            <a:ext uri="{91240B29-F687-4F45-9708-019B960494DF}">
+            <a:ext uri="{91240B29-F687-4f45-9708-019B960494DF}">
               <a14:hiddenLine xmlns:a14="http://schemas.microsoft.com/office/drawing/2010/main" w="9525">
                 <a:solidFill>
                   <a:srgbClr val="000000"/>
@@ -4803,11 +4803,11 @@
   <p:clrMapOvr>
     <a:masterClrMapping/>
   </p:clrMapOvr>
-  <p:transition spd="slow"/>
+  <p:transition xmlns:p14="http://schemas.microsoft.com/office/powerpoint/2010/main" spd="slow"/>
   <p:timing>
     <p:tnLst>
       <p:par>
-        <p:cTn id="1" dur="indefinite" restart="never" nodeType="tmRoot"/>
+        <p:cTn xmlns:p14="http://schemas.microsoft.com/office/powerpoint/2010/main" id="1" dur="indefinite" restart="never" nodeType="tmRoot"/>
       </p:par>
     </p:tnLst>
   </p:timing>
@@ -4852,14 +4852,14 @@
             <a:noFill/>
           </a:ln>
           <a:extLst>
-            <a:ext uri="{909E8E84-426E-40DD-AFC4-6F175D3DCCD1}">
+            <a:ext uri="{909E8E84-426E-40dd-AFC4-6F175D3DCCD1}">
               <a14:hiddenFill xmlns:a14="http://schemas.microsoft.com/office/drawing/2010/main">
                 <a:solidFill>
                   <a:srgbClr val="FFFFFF"/>
                 </a:solidFill>
               </a14:hiddenFill>
             </a:ext>
-            <a:ext uri="{91240B29-F687-4F45-9708-019B960494DF}">
+            <a:ext uri="{91240B29-F687-4f45-9708-019B960494DF}">
               <a14:hiddenLine xmlns:a14="http://schemas.microsoft.com/office/drawing/2010/main" w="9525">
                 <a:solidFill>
                   <a:srgbClr val="000000"/>
@@ -5024,14 +5024,14 @@
             <a:noFill/>
           </a:ln>
           <a:extLst>
-            <a:ext uri="{909E8E84-426E-40DD-AFC4-6F175D3DCCD1}">
+            <a:ext uri="{909E8E84-426E-40dd-AFC4-6F175D3DCCD1}">
               <a14:hiddenFill xmlns:a14="http://schemas.microsoft.com/office/drawing/2010/main">
                 <a:solidFill>
                   <a:srgbClr val="FFFFFF"/>
                 </a:solidFill>
               </a14:hiddenFill>
             </a:ext>
-            <a:ext uri="{91240B29-F687-4F45-9708-019B960494DF}">
+            <a:ext uri="{91240B29-F687-4f45-9708-019B960494DF}">
               <a14:hiddenLine xmlns:a14="http://schemas.microsoft.com/office/drawing/2010/main" w="9525">
                 <a:solidFill>
                   <a:srgbClr val="000000"/>
@@ -5217,7 +5217,7 @@
             <a:noFill/>
           </a:ln>
           <a:extLst>
-            <a:ext uri="{91240B29-F687-4F45-9708-019B960494DF}">
+            <a:ext uri="{91240B29-F687-4f45-9708-019B960494DF}">
               <a14:hiddenLine xmlns:a14="http://schemas.microsoft.com/office/drawing/2010/main" w="9525">
                 <a:solidFill>
                   <a:srgbClr val="000000"/>
@@ -5252,7 +5252,7 @@
         <p:spPr>
           <a:xfrm>
             <a:off x="720725" y="1773238"/>
-            <a:ext cx="7019925" cy="4320058"/>
+            <a:ext cx="7019925" cy="4752106"/>
           </a:xfrm>
         </p:spPr>
         <p:txBody>
@@ -5392,7 +5392,7 @@
                 </a:solidFill>
                 <a:cs typeface="Times New Roman" pitchFamily="18" charset="0"/>
               </a:rPr>
-              <a:t>Tomcat: </a:t>
+              <a:t>Tomcat: tomcat7.</a:t>
             </a:r>
             <a:r>
               <a:rPr lang="en-US" altLang="zh-CN" sz="1800" dirty="0" smtClean="0">
@@ -5401,8 +5401,77 @@
                 </a:solidFill>
                 <a:cs typeface="Times New Roman" pitchFamily="18" charset="0"/>
               </a:rPr>
-              <a:t>tomcat7.x</a:t>
+              <a:t>x</a:t>
             </a:r>
+          </a:p>
+          <a:p>
+            <a:pPr lvl="1" eaLnBrk="1" hangingPunct="1">
+              <a:spcBef>
+                <a:spcPts val="1200"/>
+              </a:spcBef>
+              <a:buFont typeface="Calibri" pitchFamily="34" charset="0"/>
+              <a:buChar char="—"/>
+            </a:pPr>
+            <a:r>
+              <a:rPr lang="en-US" altLang="zh-CN" sz="1800" dirty="0" err="1" smtClean="0">
+                <a:solidFill>
+                  <a:srgbClr val="262626"/>
+                </a:solidFill>
+                <a:cs typeface="Times New Roman" pitchFamily="18" charset="0"/>
+              </a:rPr>
+              <a:t>Github</a:t>
+            </a:r>
+            <a:r>
+              <a:rPr lang="en-US" altLang="zh-CN" sz="1800" dirty="0" smtClean="0">
+                <a:solidFill>
+                  <a:srgbClr val="262626"/>
+                </a:solidFill>
+                <a:cs typeface="Times New Roman" pitchFamily="18" charset="0"/>
+              </a:rPr>
+              <a:t>:</a:t>
+            </a:r>
+            <a:r>
+              <a:rPr lang="zh-CN" altLang="en-US" sz="1800" dirty="0" smtClean="0">
+                <a:solidFill>
+                  <a:srgbClr val="262626"/>
+                </a:solidFill>
+                <a:cs typeface="Times New Roman" pitchFamily="18" charset="0"/>
+              </a:rPr>
+              <a:t> </a:t>
+            </a:r>
+            <a:r>
+              <a:rPr lang="en-US" altLang="zh-CN" sz="1800" dirty="0" err="1" smtClean="0">
+                <a:solidFill>
+                  <a:srgbClr val="262626"/>
+                </a:solidFill>
+                <a:cs typeface="Times New Roman" pitchFamily="18" charset="0"/>
+              </a:rPr>
+              <a:t>git</a:t>
+            </a:r>
+            <a:r>
+              <a:rPr lang="zh-CN" altLang="en-US" sz="1800" dirty="0" smtClean="0">
+                <a:solidFill>
+                  <a:srgbClr val="262626"/>
+                </a:solidFill>
+                <a:cs typeface="Times New Roman" pitchFamily="18" charset="0"/>
+              </a:rPr>
+              <a:t> </a:t>
+            </a:r>
+            <a:r>
+              <a:rPr lang="en-US" altLang="zh-CN" sz="1800" dirty="0" smtClean="0">
+                <a:solidFill>
+                  <a:srgbClr val="262626"/>
+                </a:solidFill>
+                <a:cs typeface="Times New Roman" pitchFamily="18" charset="0"/>
+              </a:rPr>
+              <a:t>1.9.3+</a:t>
+            </a:r>
+            <a:endParaRPr lang="en-US" altLang="zh-CN" sz="1800" dirty="0" smtClean="0">
+              <a:solidFill>
+                <a:srgbClr val="262626"/>
+              </a:solidFill>
+              <a:cs typeface="Times New Roman" pitchFamily="18" charset="0"/>
+            </a:endParaRPr>
           </a:p>
           <a:p>
             <a:pPr marL="342900" lvl="1" indent="-342900" eaLnBrk="1" hangingPunct="1">
@@ -5489,7 +5558,7 @@
   <p:timing>
     <p:tnLst>
       <p:par>
-        <p:cTn id="1" dur="indefinite" restart="never" nodeType="tmRoot"/>
+        <p:cTn xmlns:p14="http://schemas.microsoft.com/office/powerpoint/2010/main" id="1" dur="indefinite" restart="never" nodeType="tmRoot"/>
       </p:par>
     </p:tnLst>
   </p:timing>
@@ -5534,14 +5603,14 @@
             <a:noFill/>
           </a:ln>
           <a:extLst>
-            <a:ext uri="{909E8E84-426E-40DD-AFC4-6F175D3DCCD1}">
+            <a:ext uri="{909E8E84-426E-40dd-AFC4-6F175D3DCCD1}">
               <a14:hiddenFill xmlns:a14="http://schemas.microsoft.com/office/drawing/2010/main">
                 <a:solidFill>
                   <a:srgbClr val="FFFFFF"/>
                 </a:solidFill>
               </a14:hiddenFill>
             </a:ext>
-            <a:ext uri="{91240B29-F687-4F45-9708-019B960494DF}">
+            <a:ext uri="{91240B29-F687-4f45-9708-019B960494DF}">
               <a14:hiddenLine xmlns:a14="http://schemas.microsoft.com/office/drawing/2010/main" w="9525">
                 <a:solidFill>
                   <a:srgbClr val="000000"/>
@@ -5706,14 +5775,14 @@
             <a:noFill/>
           </a:ln>
           <a:extLst>
-            <a:ext uri="{909E8E84-426E-40DD-AFC4-6F175D3DCCD1}">
+            <a:ext uri="{909E8E84-426E-40dd-AFC4-6F175D3DCCD1}">
               <a14:hiddenFill xmlns:a14="http://schemas.microsoft.com/office/drawing/2010/main">
                 <a:solidFill>
                   <a:srgbClr val="FFFFFF"/>
                 </a:solidFill>
               </a14:hiddenFill>
             </a:ext>
-            <a:ext uri="{91240B29-F687-4F45-9708-019B960494DF}">
+            <a:ext uri="{91240B29-F687-4f45-9708-019B960494DF}">
               <a14:hiddenLine xmlns:a14="http://schemas.microsoft.com/office/drawing/2010/main" w="9525">
                 <a:solidFill>
                   <a:srgbClr val="000000"/>
@@ -5919,7 +5988,7 @@
             <a:noFill/>
           </a:ln>
           <a:extLst>
-            <a:ext uri="{91240B29-F687-4F45-9708-019B960494DF}">
+            <a:ext uri="{91240B29-F687-4f45-9708-019B960494DF}">
               <a14:hiddenLine xmlns:a14="http://schemas.microsoft.com/office/drawing/2010/main" w="9525">
                 <a:solidFill>
                   <a:srgbClr val="000000"/>
@@ -5963,14 +6032,14 @@
           </a:ln>
           <a:effectLst/>
           <a:extLst>
-            <a:ext uri="{909E8E84-426E-40DD-AFC4-6F175D3DCCD1}">
+            <a:ext uri="{909E8E84-426E-40dd-AFC4-6F175D3DCCD1}">
               <a14:hiddenFill xmlns:a14="http://schemas.microsoft.com/office/drawing/2010/main">
                 <a:solidFill>
                   <a:srgbClr val="FFFFFF"/>
                 </a:solidFill>
               </a14:hiddenFill>
             </a:ext>
-            <a:ext uri="{91240B29-F687-4F45-9708-019B960494DF}">
+            <a:ext uri="{91240B29-F687-4f45-9708-019B960494DF}">
               <a14:hiddenLine xmlns:a14="http://schemas.microsoft.com/office/drawing/2010/main" w="9525">
                 <a:solidFill>
                   <a:srgbClr val="000000"/>
@@ -5980,7 +6049,7 @@
                 <a:tailEnd/>
               </a14:hiddenLine>
             </a:ext>
-            <a:ext uri="{AF507438-7753-43E0-B8FC-AC1667EBCBE1}">
+            <a:ext uri="{AF507438-7753-43e0-B8FC-AC1667EBCBE1}">
               <a14:hiddenEffects xmlns:a14="http://schemas.microsoft.com/office/drawing/2010/main">
                 <a:effectLst>
                   <a:outerShdw blurRad="63500" dist="38099" dir="2700000" algn="ctr" rotWithShape="0">
@@ -6059,14 +6128,14 @@
           </a:ln>
           <a:effectLst/>
           <a:extLst>
-            <a:ext uri="{909E8E84-426E-40DD-AFC4-6F175D3DCCD1}">
+            <a:ext uri="{909E8E84-426E-40dd-AFC4-6F175D3DCCD1}">
               <a14:hiddenFill xmlns:a14="http://schemas.microsoft.com/office/drawing/2010/main">
                 <a:solidFill>
                   <a:srgbClr val="FFFFFF"/>
                 </a:solidFill>
               </a14:hiddenFill>
             </a:ext>
-            <a:ext uri="{91240B29-F687-4F45-9708-019B960494DF}">
+            <a:ext uri="{91240B29-F687-4f45-9708-019B960494DF}">
               <a14:hiddenLine xmlns:a14="http://schemas.microsoft.com/office/drawing/2010/main" w="9525">
                 <a:solidFill>
                   <a:srgbClr val="000000"/>
@@ -6076,7 +6145,7 @@
                 <a:tailEnd/>
               </a14:hiddenLine>
             </a:ext>
-            <a:ext uri="{AF507438-7753-43E0-B8FC-AC1667EBCBE1}">
+            <a:ext uri="{AF507438-7753-43e0-B8FC-AC1667EBCBE1}">
               <a14:hiddenEffects xmlns:a14="http://schemas.microsoft.com/office/drawing/2010/main">
                 <a:effectLst>
                   <a:outerShdw blurRad="63500" dist="38099" dir="2700000" algn="ctr" rotWithShape="0">
@@ -6165,14 +6234,14 @@
             <a:noFill/>
           </a:ln>
           <a:extLst>
-            <a:ext uri="{909E8E84-426E-40DD-AFC4-6F175D3DCCD1}">
+            <a:ext uri="{909E8E84-426E-40dd-AFC4-6F175D3DCCD1}">
               <a14:hiddenFill xmlns:a14="http://schemas.microsoft.com/office/drawing/2010/main">
                 <a:solidFill>
                   <a:srgbClr val="FFFFFF"/>
                 </a:solidFill>
               </a14:hiddenFill>
             </a:ext>
-            <a:ext uri="{91240B29-F687-4F45-9708-019B960494DF}">
+            <a:ext uri="{91240B29-F687-4f45-9708-019B960494DF}">
               <a14:hiddenLine xmlns:a14="http://schemas.microsoft.com/office/drawing/2010/main" w="9525">
                 <a:solidFill>
                   <a:srgbClr val="000000"/>
@@ -6198,7 +6267,7 @@
   <p:timing>
     <p:tnLst>
       <p:par>
-        <p:cTn id="1" dur="indefinite" restart="never" nodeType="tmRoot"/>
+        <p:cTn xmlns:p14="http://schemas.microsoft.com/office/powerpoint/2010/main" id="1" dur="indefinite" restart="never" nodeType="tmRoot"/>
       </p:par>
     </p:tnLst>
   </p:timing>
@@ -6243,14 +6312,14 @@
             <a:noFill/>
           </a:ln>
           <a:extLst>
-            <a:ext uri="{909E8E84-426E-40DD-AFC4-6F175D3DCCD1}">
+            <a:ext uri="{909E8E84-426E-40dd-AFC4-6F175D3DCCD1}">
               <a14:hiddenFill xmlns:a14="http://schemas.microsoft.com/office/drawing/2010/main">
                 <a:solidFill>
                   <a:srgbClr val="FFFFFF"/>
                 </a:solidFill>
               </a14:hiddenFill>
             </a:ext>
-            <a:ext uri="{91240B29-F687-4F45-9708-019B960494DF}">
+            <a:ext uri="{91240B29-F687-4f45-9708-019B960494DF}">
               <a14:hiddenLine xmlns:a14="http://schemas.microsoft.com/office/drawing/2010/main" w="9525">
                 <a:solidFill>
                   <a:srgbClr val="000000"/>
@@ -6415,14 +6484,14 @@
             <a:noFill/>
           </a:ln>
           <a:extLst>
-            <a:ext uri="{909E8E84-426E-40DD-AFC4-6F175D3DCCD1}">
+            <a:ext uri="{909E8E84-426E-40dd-AFC4-6F175D3DCCD1}">
               <a14:hiddenFill xmlns:a14="http://schemas.microsoft.com/office/drawing/2010/main">
                 <a:solidFill>
                   <a:srgbClr val="FFFFFF"/>
                 </a:solidFill>
               </a14:hiddenFill>
             </a:ext>
-            <a:ext uri="{91240B29-F687-4F45-9708-019B960494DF}">
+            <a:ext uri="{91240B29-F687-4f45-9708-019B960494DF}">
               <a14:hiddenLine xmlns:a14="http://schemas.microsoft.com/office/drawing/2010/main" w="9525">
                 <a:solidFill>
                   <a:srgbClr val="000000"/>
@@ -6608,7 +6677,7 @@
             <a:noFill/>
           </a:ln>
           <a:extLst>
-            <a:ext uri="{91240B29-F687-4F45-9708-019B960494DF}">
+            <a:ext uri="{91240B29-F687-4f45-9708-019B960494DF}">
               <a14:hiddenLine xmlns:a14="http://schemas.microsoft.com/office/drawing/2010/main" w="9525">
                 <a:solidFill>
                   <a:srgbClr val="000000"/>
@@ -6652,14 +6721,14 @@
           </a:ln>
           <a:effectLst/>
           <a:extLst>
-            <a:ext uri="{909E8E84-426E-40DD-AFC4-6F175D3DCCD1}">
+            <a:ext uri="{909E8E84-426E-40dd-AFC4-6F175D3DCCD1}">
               <a14:hiddenFill xmlns:a14="http://schemas.microsoft.com/office/drawing/2010/main">
                 <a:solidFill>
                   <a:srgbClr val="FFFFFF"/>
                 </a:solidFill>
               </a14:hiddenFill>
             </a:ext>
-            <a:ext uri="{91240B29-F687-4F45-9708-019B960494DF}">
+            <a:ext uri="{91240B29-F687-4f45-9708-019B960494DF}">
               <a14:hiddenLine xmlns:a14="http://schemas.microsoft.com/office/drawing/2010/main" w="9525">
                 <a:solidFill>
                   <a:srgbClr val="000000"/>
@@ -6669,7 +6738,7 @@
                 <a:tailEnd/>
               </a14:hiddenLine>
             </a:ext>
-            <a:ext uri="{AF507438-7753-43E0-B8FC-AC1667EBCBE1}">
+            <a:ext uri="{AF507438-7753-43e0-B8FC-AC1667EBCBE1}">
               <a14:hiddenEffects xmlns:a14="http://schemas.microsoft.com/office/drawing/2010/main">
                 <a:effectLst>
                   <a:outerShdw blurRad="63500" dist="38099" dir="2700000" algn="ctr" rotWithShape="0">
@@ -6778,14 +6847,14 @@
             <a:noFill/>
           </a:ln>
           <a:extLst>
-            <a:ext uri="{909E8E84-426E-40DD-AFC4-6F175D3DCCD1}">
+            <a:ext uri="{909E8E84-426E-40dd-AFC4-6F175D3DCCD1}">
               <a14:hiddenFill xmlns:a14="http://schemas.microsoft.com/office/drawing/2010/main">
                 <a:solidFill>
                   <a:srgbClr val="FFFFFF"/>
                 </a:solidFill>
               </a14:hiddenFill>
             </a:ext>
-            <a:ext uri="{91240B29-F687-4F45-9708-019B960494DF}">
+            <a:ext uri="{91240B29-F687-4f45-9708-019B960494DF}">
               <a14:hiddenLine xmlns:a14="http://schemas.microsoft.com/office/drawing/2010/main" w="9525">
                 <a:solidFill>
                   <a:srgbClr val="000000"/>
@@ -6811,7 +6880,7 @@
   <p:timing>
     <p:tnLst>
       <p:par>
-        <p:cTn id="1" dur="indefinite" restart="never" nodeType="tmRoot"/>
+        <p:cTn xmlns:p14="http://schemas.microsoft.com/office/powerpoint/2010/main" id="1" dur="indefinite" restart="never" nodeType="tmRoot"/>
       </p:par>
     </p:tnLst>
   </p:timing>
@@ -6856,14 +6925,14 @@
             <a:noFill/>
           </a:ln>
           <a:extLst>
-            <a:ext uri="{909E8E84-426E-40DD-AFC4-6F175D3DCCD1}">
+            <a:ext uri="{909E8E84-426E-40dd-AFC4-6F175D3DCCD1}">
               <a14:hiddenFill xmlns:a14="http://schemas.microsoft.com/office/drawing/2010/main">
                 <a:solidFill>
                   <a:srgbClr val="FFFFFF"/>
                 </a:solidFill>
               </a14:hiddenFill>
             </a:ext>
-            <a:ext uri="{91240B29-F687-4F45-9708-019B960494DF}">
+            <a:ext uri="{91240B29-F687-4f45-9708-019B960494DF}">
               <a14:hiddenLine xmlns:a14="http://schemas.microsoft.com/office/drawing/2010/main" w="9525">
                 <a:solidFill>
                   <a:srgbClr val="000000"/>
@@ -7028,14 +7097,14 @@
             <a:noFill/>
           </a:ln>
           <a:extLst>
-            <a:ext uri="{909E8E84-426E-40DD-AFC4-6F175D3DCCD1}">
+            <a:ext uri="{909E8E84-426E-40dd-AFC4-6F175D3DCCD1}">
               <a14:hiddenFill xmlns:a14="http://schemas.microsoft.com/office/drawing/2010/main">
                 <a:solidFill>
                   <a:srgbClr val="FFFFFF"/>
                 </a:solidFill>
               </a14:hiddenFill>
             </a:ext>
-            <a:ext uri="{91240B29-F687-4F45-9708-019B960494DF}">
+            <a:ext uri="{91240B29-F687-4f45-9708-019B960494DF}">
               <a14:hiddenLine xmlns:a14="http://schemas.microsoft.com/office/drawing/2010/main" w="9525">
                 <a:solidFill>
                   <a:srgbClr val="000000"/>
@@ -7231,7 +7300,7 @@
             <a:noFill/>
           </a:ln>
           <a:extLst>
-            <a:ext uri="{91240B29-F687-4F45-9708-019B960494DF}">
+            <a:ext uri="{91240B29-F687-4f45-9708-019B960494DF}">
               <a14:hiddenLine xmlns:a14="http://schemas.microsoft.com/office/drawing/2010/main" w="9525">
                 <a:solidFill>
                   <a:srgbClr val="000000"/>
@@ -7275,14 +7344,14 @@
           </a:ln>
           <a:effectLst/>
           <a:extLst>
-            <a:ext uri="{909E8E84-426E-40DD-AFC4-6F175D3DCCD1}">
+            <a:ext uri="{909E8E84-426E-40dd-AFC4-6F175D3DCCD1}">
               <a14:hiddenFill xmlns:a14="http://schemas.microsoft.com/office/drawing/2010/main">
                 <a:solidFill>
                   <a:srgbClr val="FFFFFF"/>
                 </a:solidFill>
               </a14:hiddenFill>
             </a:ext>
-            <a:ext uri="{91240B29-F687-4F45-9708-019B960494DF}">
+            <a:ext uri="{91240B29-F687-4f45-9708-019B960494DF}">
               <a14:hiddenLine xmlns:a14="http://schemas.microsoft.com/office/drawing/2010/main" w="9525">
                 <a:solidFill>
                   <a:srgbClr val="000000"/>
@@ -7292,7 +7361,7 @@
                 <a:tailEnd/>
               </a14:hiddenLine>
             </a:ext>
-            <a:ext uri="{AF507438-7753-43E0-B8FC-AC1667EBCBE1}">
+            <a:ext uri="{AF507438-7753-43e0-B8FC-AC1667EBCBE1}">
               <a14:hiddenEffects xmlns:a14="http://schemas.microsoft.com/office/drawing/2010/main">
                 <a:effectLst>
                   <a:outerShdw blurRad="63500" dist="38099" dir="2700000" algn="ctr" rotWithShape="0">
@@ -7381,14 +7450,14 @@
             <a:noFill/>
           </a:ln>
           <a:extLst>
-            <a:ext uri="{909E8E84-426E-40DD-AFC4-6F175D3DCCD1}">
+            <a:ext uri="{909E8E84-426E-40dd-AFC4-6F175D3DCCD1}">
               <a14:hiddenFill xmlns:a14="http://schemas.microsoft.com/office/drawing/2010/main">
                 <a:solidFill>
                   <a:srgbClr val="FFFFFF"/>
                 </a:solidFill>
               </a14:hiddenFill>
             </a:ext>
-            <a:ext uri="{91240B29-F687-4F45-9708-019B960494DF}">
+            <a:ext uri="{91240B29-F687-4f45-9708-019B960494DF}">
               <a14:hiddenLine xmlns:a14="http://schemas.microsoft.com/office/drawing/2010/main" w="9525">
                 <a:solidFill>
                   <a:srgbClr val="000000"/>
@@ -7444,7 +7513,7 @@
   <p:timing>
     <p:tnLst>
       <p:par>
-        <p:cTn id="1" dur="indefinite" restart="never" nodeType="tmRoot">
+        <p:cTn xmlns:p14="http://schemas.microsoft.com/office/powerpoint/2010/main" id="1" dur="indefinite" restart="never" nodeType="tmRoot">
           <p:childTnLst>
             <p:seq concurrent="1" nextAc="seek">
               <p:cTn id="2" dur="indefinite" nodeType="mainSeq">
@@ -7694,14 +7763,14 @@
             <a:noFill/>
           </a:ln>
           <a:extLst>
-            <a:ext uri="{909E8E84-426E-40DD-AFC4-6F175D3DCCD1}">
+            <a:ext uri="{909E8E84-426E-40dd-AFC4-6F175D3DCCD1}">
               <a14:hiddenFill xmlns:a14="http://schemas.microsoft.com/office/drawing/2010/main">
                 <a:solidFill>
                   <a:srgbClr val="FFFFFF"/>
                 </a:solidFill>
               </a14:hiddenFill>
             </a:ext>
-            <a:ext uri="{91240B29-F687-4F45-9708-019B960494DF}">
+            <a:ext uri="{91240B29-F687-4f45-9708-019B960494DF}">
               <a14:hiddenLine xmlns:a14="http://schemas.microsoft.com/office/drawing/2010/main" w="9525">
                 <a:solidFill>
                   <a:srgbClr val="000000"/>
@@ -8494,14 +8563,14 @@
             <a:noFill/>
           </a:ln>
           <a:extLst>
-            <a:ext uri="{909E8E84-426E-40DD-AFC4-6F175D3DCCD1}">
+            <a:ext uri="{909E8E84-426E-40dd-AFC4-6F175D3DCCD1}">
               <a14:hiddenFill xmlns:a14="http://schemas.microsoft.com/office/drawing/2010/main">
                 <a:solidFill>
                   <a:srgbClr val="FFFFFF"/>
                 </a:solidFill>
               </a14:hiddenFill>
             </a:ext>
-            <a:ext uri="{91240B29-F687-4F45-9708-019B960494DF}">
+            <a:ext uri="{91240B29-F687-4f45-9708-019B960494DF}">
               <a14:hiddenLine xmlns:a14="http://schemas.microsoft.com/office/drawing/2010/main" w="9525">
                 <a:solidFill>
                   <a:srgbClr val="000000"/>
@@ -8561,14 +8630,14 @@
             <a:noFill/>
           </a:ln>
           <a:extLst>
-            <a:ext uri="{909E8E84-426E-40DD-AFC4-6F175D3DCCD1}">
+            <a:ext uri="{909E8E84-426E-40dd-AFC4-6F175D3DCCD1}">
               <a14:hiddenFill xmlns:a14="http://schemas.microsoft.com/office/drawing/2010/main">
                 <a:solidFill>
                   <a:srgbClr val="FFFFFF"/>
                 </a:solidFill>
               </a14:hiddenFill>
             </a:ext>
-            <a:ext uri="{91240B29-F687-4F45-9708-019B960494DF}">
+            <a:ext uri="{91240B29-F687-4f45-9708-019B960494DF}">
               <a14:hiddenLine xmlns:a14="http://schemas.microsoft.com/office/drawing/2010/main" w="9525">
                 <a:solidFill>
                   <a:srgbClr val="000000"/>
@@ -8628,14 +8697,14 @@
             <a:noFill/>
           </a:ln>
           <a:extLst>
-            <a:ext uri="{909E8E84-426E-40DD-AFC4-6F175D3DCCD1}">
+            <a:ext uri="{909E8E84-426E-40dd-AFC4-6F175D3DCCD1}">
               <a14:hiddenFill xmlns:a14="http://schemas.microsoft.com/office/drawing/2010/main">
                 <a:solidFill>
                   <a:srgbClr val="FFFFFF"/>
                 </a:solidFill>
               </a14:hiddenFill>
             </a:ext>
-            <a:ext uri="{91240B29-F687-4F45-9708-019B960494DF}">
+            <a:ext uri="{91240B29-F687-4f45-9708-019B960494DF}">
               <a14:hiddenLine xmlns:a14="http://schemas.microsoft.com/office/drawing/2010/main" w="9525">
                 <a:solidFill>
                   <a:srgbClr val="000000"/>
@@ -8695,14 +8764,14 @@
             <a:noFill/>
           </a:ln>
           <a:extLst>
-            <a:ext uri="{909E8E84-426E-40DD-AFC4-6F175D3DCCD1}">
+            <a:ext uri="{909E8E84-426E-40dd-AFC4-6F175D3DCCD1}">
               <a14:hiddenFill xmlns:a14="http://schemas.microsoft.com/office/drawing/2010/main">
                 <a:solidFill>
                   <a:srgbClr val="FFFFFF"/>
                 </a:solidFill>
               </a14:hiddenFill>
             </a:ext>
-            <a:ext uri="{91240B29-F687-4F45-9708-019B960494DF}">
+            <a:ext uri="{91240B29-F687-4f45-9708-019B960494DF}">
               <a14:hiddenLine xmlns:a14="http://schemas.microsoft.com/office/drawing/2010/main" w="9525">
                 <a:solidFill>
                   <a:srgbClr val="000000"/>
@@ -8746,11 +8815,11 @@
   <p:clrMapOvr>
     <a:masterClrMapping/>
   </p:clrMapOvr>
-  <p:transition spd="slow"/>
+  <p:transition xmlns:p14="http://schemas.microsoft.com/office/powerpoint/2010/main" spd="slow"/>
   <p:timing>
     <p:tnLst>
       <p:par>
-        <p:cTn id="1" dur="indefinite" restart="never" nodeType="tmRoot">
+        <p:cTn xmlns:p14="http://schemas.microsoft.com/office/powerpoint/2010/main" id="1" dur="indefinite" restart="never" nodeType="tmRoot">
           <p:childTnLst>
             <p:seq concurrent="1" nextAc="seek">
               <p:cTn id="2" dur="indefinite" nodeType="mainSeq">
@@ -8878,14 +8947,14 @@
             <a:noFill/>
           </a:ln>
           <a:extLst>
-            <a:ext uri="{909E8E84-426E-40DD-AFC4-6F175D3DCCD1}">
+            <a:ext uri="{909E8E84-426E-40dd-AFC4-6F175D3DCCD1}">
               <a14:hiddenFill xmlns:a14="http://schemas.microsoft.com/office/drawing/2010/main">
                 <a:solidFill>
                   <a:srgbClr val="FFFFFF"/>
                 </a:solidFill>
               </a14:hiddenFill>
             </a:ext>
-            <a:ext uri="{91240B29-F687-4F45-9708-019B960494DF}">
+            <a:ext uri="{91240B29-F687-4f45-9708-019B960494DF}">
               <a14:hiddenLine xmlns:a14="http://schemas.microsoft.com/office/drawing/2010/main" w="9525">
                 <a:solidFill>
                   <a:srgbClr val="000000"/>
@@ -8919,14 +8988,14 @@
             <a:noFill/>
           </a:ln>
           <a:extLst>
-            <a:ext uri="{909E8E84-426E-40DD-AFC4-6F175D3DCCD1}">
+            <a:ext uri="{909E8E84-426E-40dd-AFC4-6F175D3DCCD1}">
               <a14:hiddenFill xmlns:a14="http://schemas.microsoft.com/office/drawing/2010/main">
                 <a:solidFill>
                   <a:srgbClr val="FFFFFF"/>
                 </a:solidFill>
               </a14:hiddenFill>
             </a:ext>
-            <a:ext uri="{91240B29-F687-4F45-9708-019B960494DF}">
+            <a:ext uri="{91240B29-F687-4f45-9708-019B960494DF}">
               <a14:hiddenLine xmlns:a14="http://schemas.microsoft.com/office/drawing/2010/main" w="9525">
                 <a:solidFill>
                   <a:srgbClr val="000000"/>
@@ -9091,14 +9160,14 @@
             <a:noFill/>
           </a:ln>
           <a:extLst>
-            <a:ext uri="{909E8E84-426E-40DD-AFC4-6F175D3DCCD1}">
+            <a:ext uri="{909E8E84-426E-40dd-AFC4-6F175D3DCCD1}">
               <a14:hiddenFill xmlns:a14="http://schemas.microsoft.com/office/drawing/2010/main">
                 <a:solidFill>
                   <a:srgbClr val="FFFFFF"/>
                 </a:solidFill>
               </a14:hiddenFill>
             </a:ext>
-            <a:ext uri="{91240B29-F687-4F45-9708-019B960494DF}">
+            <a:ext uri="{91240B29-F687-4f45-9708-019B960494DF}">
               <a14:hiddenLine xmlns:a14="http://schemas.microsoft.com/office/drawing/2010/main" w="9525">
                 <a:solidFill>
                   <a:srgbClr val="000000"/>
@@ -9284,7 +9353,7 @@
             <a:noFill/>
           </a:ln>
           <a:extLst>
-            <a:ext uri="{91240B29-F687-4F45-9708-019B960494DF}">
+            <a:ext uri="{91240B29-F687-4f45-9708-019B960494DF}">
               <a14:hiddenLine xmlns:a14="http://schemas.microsoft.com/office/drawing/2010/main" w="9525">
                 <a:solidFill>
                   <a:srgbClr val="000000"/>
@@ -9403,14 +9472,14 @@
           </a:ln>
           <a:effectLst/>
           <a:extLst>
-            <a:ext uri="{909E8E84-426E-40DD-AFC4-6F175D3DCCD1}">
+            <a:ext uri="{909E8E84-426E-40dd-AFC4-6F175D3DCCD1}">
               <a14:hiddenFill xmlns:a14="http://schemas.microsoft.com/office/drawing/2010/main">
                 <a:solidFill>
                   <a:srgbClr val="FFFFFF"/>
                 </a:solidFill>
               </a14:hiddenFill>
             </a:ext>
-            <a:ext uri="{91240B29-F687-4F45-9708-019B960494DF}">
+            <a:ext uri="{91240B29-F687-4f45-9708-019B960494DF}">
               <a14:hiddenLine xmlns:a14="http://schemas.microsoft.com/office/drawing/2010/main" w="9525">
                 <a:solidFill>
                   <a:srgbClr val="000000"/>
@@ -9420,7 +9489,7 @@
                 <a:tailEnd/>
               </a14:hiddenLine>
             </a:ext>
-            <a:ext uri="{AF507438-7753-43E0-B8FC-AC1667EBCBE1}">
+            <a:ext uri="{AF507438-7753-43e0-B8FC-AC1667EBCBE1}">
               <a14:hiddenEffects xmlns:a14="http://schemas.microsoft.com/office/drawing/2010/main">
                 <a:effectLst>
                   <a:outerShdw dist="35921" dir="2700000" algn="ctr" rotWithShape="0">
@@ -9517,14 +9586,14 @@
           </a:ln>
           <a:effectLst/>
           <a:extLst>
-            <a:ext uri="{909E8E84-426E-40DD-AFC4-6F175D3DCCD1}">
+            <a:ext uri="{909E8E84-426E-40dd-AFC4-6F175D3DCCD1}">
               <a14:hiddenFill xmlns:a14="http://schemas.microsoft.com/office/drawing/2010/main">
                 <a:solidFill>
                   <a:srgbClr val="FFFFFF"/>
                 </a:solidFill>
               </a14:hiddenFill>
             </a:ext>
-            <a:ext uri="{91240B29-F687-4F45-9708-019B960494DF}">
+            <a:ext uri="{91240B29-F687-4f45-9708-019B960494DF}">
               <a14:hiddenLine xmlns:a14="http://schemas.microsoft.com/office/drawing/2010/main" w="9525">
                 <a:solidFill>
                   <a:srgbClr val="000000"/>
@@ -9534,7 +9603,7 @@
                 <a:tailEnd/>
               </a14:hiddenLine>
             </a:ext>
-            <a:ext uri="{AF507438-7753-43E0-B8FC-AC1667EBCBE1}">
+            <a:ext uri="{AF507438-7753-43e0-B8FC-AC1667EBCBE1}">
               <a14:hiddenEffects xmlns:a14="http://schemas.microsoft.com/office/drawing/2010/main">
                 <a:effectLst>
                   <a:outerShdw dist="35921" dir="2700000" algn="ctr" rotWithShape="0">
@@ -9598,7 +9667,7 @@
   <p:timing>
     <p:tnLst>
       <p:par>
-        <p:cTn id="1" dur="indefinite" restart="never" nodeType="tmRoot">
+        <p:cTn xmlns:p14="http://schemas.microsoft.com/office/powerpoint/2010/main" id="1" dur="indefinite" restart="never" nodeType="tmRoot">
           <p:childTnLst>
             <p:seq concurrent="1" nextAc="seek">
               <p:cTn id="2" dur="indefinite" nodeType="mainSeq">
@@ -9969,14 +10038,14 @@
             <a:noFill/>
           </a:ln>
           <a:extLst>
-            <a:ext uri="{909E8E84-426E-40DD-AFC4-6F175D3DCCD1}">
+            <a:ext uri="{909E8E84-426E-40dd-AFC4-6F175D3DCCD1}">
               <a14:hiddenFill xmlns:a14="http://schemas.microsoft.com/office/drawing/2010/main">
                 <a:solidFill>
                   <a:srgbClr val="FFFFFF"/>
                 </a:solidFill>
               </a14:hiddenFill>
             </a:ext>
-            <a:ext uri="{91240B29-F687-4F45-9708-019B960494DF}">
+            <a:ext uri="{91240B29-F687-4f45-9708-019B960494DF}">
               <a14:hiddenLine xmlns:a14="http://schemas.microsoft.com/office/drawing/2010/main" w="9525">
                 <a:solidFill>
                   <a:srgbClr val="000000"/>
@@ -10141,14 +10210,14 @@
             <a:noFill/>
           </a:ln>
           <a:extLst>
-            <a:ext uri="{909E8E84-426E-40DD-AFC4-6F175D3DCCD1}">
+            <a:ext uri="{909E8E84-426E-40dd-AFC4-6F175D3DCCD1}">
               <a14:hiddenFill xmlns:a14="http://schemas.microsoft.com/office/drawing/2010/main">
                 <a:solidFill>
                   <a:srgbClr val="FFFFFF"/>
                 </a:solidFill>
               </a14:hiddenFill>
             </a:ext>
-            <a:ext uri="{91240B29-F687-4F45-9708-019B960494DF}">
+            <a:ext uri="{91240B29-F687-4f45-9708-019B960494DF}">
               <a14:hiddenLine xmlns:a14="http://schemas.microsoft.com/office/drawing/2010/main" w="9525">
                 <a:solidFill>
                   <a:srgbClr val="000000"/>
@@ -10334,7 +10403,7 @@
             <a:noFill/>
           </a:ln>
           <a:extLst>
-            <a:ext uri="{91240B29-F687-4F45-9708-019B960494DF}">
+            <a:ext uri="{91240B29-F687-4f45-9708-019B960494DF}">
               <a14:hiddenLine xmlns:a14="http://schemas.microsoft.com/office/drawing/2010/main" w="9525">
                 <a:solidFill>
                   <a:srgbClr val="000000"/>
@@ -10901,14 +10970,14 @@
             <a:noFill/>
           </a:ln>
           <a:extLst>
-            <a:ext uri="{909E8E84-426E-40DD-AFC4-6F175D3DCCD1}">
+            <a:ext uri="{909E8E84-426E-40dd-AFC4-6F175D3DCCD1}">
               <a14:hiddenFill xmlns:a14="http://schemas.microsoft.com/office/drawing/2010/main">
                 <a:solidFill>
                   <a:srgbClr val="FFFFFF"/>
                 </a:solidFill>
               </a14:hiddenFill>
             </a:ext>
-            <a:ext uri="{91240B29-F687-4F45-9708-019B960494DF}">
+            <a:ext uri="{91240B29-F687-4f45-9708-019B960494DF}">
               <a14:hiddenLine xmlns:a14="http://schemas.microsoft.com/office/drawing/2010/main" w="9525">
                 <a:solidFill>
                   <a:srgbClr val="000000"/>
@@ -11065,14 +11134,14 @@
             <a:noFill/>
           </a:ln>
           <a:extLst>
-            <a:ext uri="{909E8E84-426E-40DD-AFC4-6F175D3DCCD1}">
+            <a:ext uri="{909E8E84-426E-40dd-AFC4-6F175D3DCCD1}">
               <a14:hiddenFill xmlns:a14="http://schemas.microsoft.com/office/drawing/2010/main">
                 <a:solidFill>
                   <a:srgbClr val="FFFFFF"/>
                 </a:solidFill>
               </a14:hiddenFill>
             </a:ext>
-            <a:ext uri="{91240B29-F687-4F45-9708-019B960494DF}">
+            <a:ext uri="{91240B29-F687-4f45-9708-019B960494DF}">
               <a14:hiddenLine xmlns:a14="http://schemas.microsoft.com/office/drawing/2010/main" w="9525">
                 <a:solidFill>
                   <a:srgbClr val="000000"/>
@@ -11229,14 +11298,14 @@
             <a:noFill/>
           </a:ln>
           <a:extLst>
-            <a:ext uri="{909E8E84-426E-40DD-AFC4-6F175D3DCCD1}">
+            <a:ext uri="{909E8E84-426E-40dd-AFC4-6F175D3DCCD1}">
               <a14:hiddenFill xmlns:a14="http://schemas.microsoft.com/office/drawing/2010/main">
                 <a:solidFill>
                   <a:srgbClr val="FFFFFF"/>
                 </a:solidFill>
               </a14:hiddenFill>
             </a:ext>
-            <a:ext uri="{91240B29-F687-4F45-9708-019B960494DF}">
+            <a:ext uri="{91240B29-F687-4f45-9708-019B960494DF}">
               <a14:hiddenLine xmlns:a14="http://schemas.microsoft.com/office/drawing/2010/main" w="9525">
                 <a:solidFill>
                   <a:srgbClr val="000000"/>
@@ -11392,14 +11461,14 @@
             <a:noFill/>
           </a:ln>
           <a:extLst>
-            <a:ext uri="{909E8E84-426E-40DD-AFC4-6F175D3DCCD1}">
+            <a:ext uri="{909E8E84-426E-40dd-AFC4-6F175D3DCCD1}">
               <a14:hiddenFill xmlns:a14="http://schemas.microsoft.com/office/drawing/2010/main">
                 <a:solidFill>
                   <a:srgbClr val="FFFFFF"/>
                 </a:solidFill>
               </a14:hiddenFill>
             </a:ext>
-            <a:ext uri="{91240B29-F687-4F45-9708-019B960494DF}">
+            <a:ext uri="{91240B29-F687-4f45-9708-019B960494DF}">
               <a14:hiddenLine xmlns:a14="http://schemas.microsoft.com/office/drawing/2010/main" w="9525">
                 <a:solidFill>
                   <a:srgbClr val="000000"/>
@@ -11550,7 +11619,7 @@
   <p:timing>
     <p:tnLst>
       <p:par>
-        <p:cTn id="1" dur="indefinite" restart="never" nodeType="tmRoot"/>
+        <p:cTn xmlns:p14="http://schemas.microsoft.com/office/powerpoint/2010/main" id="1" dur="indefinite" restart="never" nodeType="tmRoot"/>
       </p:par>
     </p:tnLst>
   </p:timing>
@@ -11595,14 +11664,14 @@
             <a:noFill/>
           </a:ln>
           <a:extLst>
-            <a:ext uri="{909E8E84-426E-40DD-AFC4-6F175D3DCCD1}">
+            <a:ext uri="{909E8E84-426E-40dd-AFC4-6F175D3DCCD1}">
               <a14:hiddenFill xmlns:a14="http://schemas.microsoft.com/office/drawing/2010/main">
                 <a:solidFill>
                   <a:srgbClr val="FFFFFF"/>
                 </a:solidFill>
               </a14:hiddenFill>
             </a:ext>
-            <a:ext uri="{91240B29-F687-4F45-9708-019B960494DF}">
+            <a:ext uri="{91240B29-F687-4f45-9708-019B960494DF}">
               <a14:hiddenLine xmlns:a14="http://schemas.microsoft.com/office/drawing/2010/main" w="9525">
                 <a:solidFill>
                   <a:srgbClr val="000000"/>
@@ -11767,14 +11836,14 @@
             <a:noFill/>
           </a:ln>
           <a:extLst>
-            <a:ext uri="{909E8E84-426E-40DD-AFC4-6F175D3DCCD1}">
+            <a:ext uri="{909E8E84-426E-40dd-AFC4-6F175D3DCCD1}">
               <a14:hiddenFill xmlns:a14="http://schemas.microsoft.com/office/drawing/2010/main">
                 <a:solidFill>
                   <a:srgbClr val="FFFFFF"/>
                 </a:solidFill>
               </a14:hiddenFill>
             </a:ext>
-            <a:ext uri="{91240B29-F687-4F45-9708-019B960494DF}">
+            <a:ext uri="{91240B29-F687-4f45-9708-019B960494DF}">
               <a14:hiddenLine xmlns:a14="http://schemas.microsoft.com/office/drawing/2010/main" w="9525">
                 <a:solidFill>
                   <a:srgbClr val="000000"/>
@@ -11960,7 +12029,7 @@
             <a:noFill/>
           </a:ln>
           <a:extLst>
-            <a:ext uri="{91240B29-F687-4F45-9708-019B960494DF}">
+            <a:ext uri="{91240B29-F687-4f45-9708-019B960494DF}">
               <a14:hiddenLine xmlns:a14="http://schemas.microsoft.com/office/drawing/2010/main" w="9525">
                 <a:solidFill>
                   <a:srgbClr val="000000"/>
@@ -12217,7 +12286,7 @@
   <p:timing>
     <p:tnLst>
       <p:par>
-        <p:cTn id="1" dur="indefinite" restart="never" nodeType="tmRoot">
+        <p:cTn xmlns:p14="http://schemas.microsoft.com/office/powerpoint/2010/main" id="1" dur="indefinite" restart="never" nodeType="tmRoot">
           <p:childTnLst>
             <p:seq concurrent="1" nextAc="seek">
               <p:cTn id="2" dur="indefinite" nodeType="mainSeq">
@@ -13031,14 +13100,14 @@
             <a:noFill/>
           </a:ln>
           <a:extLst>
-            <a:ext uri="{909E8E84-426E-40DD-AFC4-6F175D3DCCD1}">
+            <a:ext uri="{909E8E84-426E-40dd-AFC4-6F175D3DCCD1}">
               <a14:hiddenFill xmlns:a14="http://schemas.microsoft.com/office/drawing/2010/main">
                 <a:solidFill>
                   <a:srgbClr val="FFFFFF"/>
                 </a:solidFill>
               </a14:hiddenFill>
             </a:ext>
-            <a:ext uri="{91240B29-F687-4F45-9708-019B960494DF}">
+            <a:ext uri="{91240B29-F687-4f45-9708-019B960494DF}">
               <a14:hiddenLine xmlns:a14="http://schemas.microsoft.com/office/drawing/2010/main" w="9525">
                 <a:solidFill>
                   <a:srgbClr val="000000"/>
@@ -13829,14 +13898,14 @@
             <a:noFill/>
           </a:ln>
           <a:extLst>
-            <a:ext uri="{909E8E84-426E-40DD-AFC4-6F175D3DCCD1}">
+            <a:ext uri="{909E8E84-426E-40dd-AFC4-6F175D3DCCD1}">
               <a14:hiddenFill xmlns:a14="http://schemas.microsoft.com/office/drawing/2010/main">
                 <a:solidFill>
                   <a:srgbClr val="FFFFFF"/>
                 </a:solidFill>
               </a14:hiddenFill>
             </a:ext>
-            <a:ext uri="{91240B29-F687-4F45-9708-019B960494DF}">
+            <a:ext uri="{91240B29-F687-4f45-9708-019B960494DF}">
               <a14:hiddenLine xmlns:a14="http://schemas.microsoft.com/office/drawing/2010/main" w="9525">
                 <a:solidFill>
                   <a:srgbClr val="000000"/>
@@ -13896,14 +13965,14 @@
             <a:noFill/>
           </a:ln>
           <a:extLst>
-            <a:ext uri="{909E8E84-426E-40DD-AFC4-6F175D3DCCD1}">
+            <a:ext uri="{909E8E84-426E-40dd-AFC4-6F175D3DCCD1}">
               <a14:hiddenFill xmlns:a14="http://schemas.microsoft.com/office/drawing/2010/main">
                 <a:solidFill>
                   <a:srgbClr val="FFFFFF"/>
                 </a:solidFill>
               </a14:hiddenFill>
             </a:ext>
-            <a:ext uri="{91240B29-F687-4F45-9708-019B960494DF}">
+            <a:ext uri="{91240B29-F687-4f45-9708-019B960494DF}">
               <a14:hiddenLine xmlns:a14="http://schemas.microsoft.com/office/drawing/2010/main" w="9525">
                 <a:solidFill>
                   <a:srgbClr val="000000"/>
@@ -13963,14 +14032,14 @@
             <a:noFill/>
           </a:ln>
           <a:extLst>
-            <a:ext uri="{909E8E84-426E-40DD-AFC4-6F175D3DCCD1}">
+            <a:ext uri="{909E8E84-426E-40dd-AFC4-6F175D3DCCD1}">
               <a14:hiddenFill xmlns:a14="http://schemas.microsoft.com/office/drawing/2010/main">
                 <a:solidFill>
                   <a:srgbClr val="FFFFFF"/>
                 </a:solidFill>
               </a14:hiddenFill>
             </a:ext>
-            <a:ext uri="{91240B29-F687-4F45-9708-019B960494DF}">
+            <a:ext uri="{91240B29-F687-4f45-9708-019B960494DF}">
               <a14:hiddenLine xmlns:a14="http://schemas.microsoft.com/office/drawing/2010/main" w="9525">
                 <a:solidFill>
                   <a:srgbClr val="000000"/>
@@ -14030,14 +14099,14 @@
             <a:noFill/>
           </a:ln>
           <a:extLst>
-            <a:ext uri="{909E8E84-426E-40DD-AFC4-6F175D3DCCD1}">
+            <a:ext uri="{909E8E84-426E-40dd-AFC4-6F175D3DCCD1}">
               <a14:hiddenFill xmlns:a14="http://schemas.microsoft.com/office/drawing/2010/main">
                 <a:solidFill>
                   <a:srgbClr val="FFFFFF"/>
                 </a:solidFill>
               </a14:hiddenFill>
             </a:ext>
-            <a:ext uri="{91240B29-F687-4F45-9708-019B960494DF}">
+            <a:ext uri="{91240B29-F687-4f45-9708-019B960494DF}">
               <a14:hiddenLine xmlns:a14="http://schemas.microsoft.com/office/drawing/2010/main" w="9525">
                 <a:solidFill>
                   <a:srgbClr val="000000"/>
@@ -14081,11 +14150,11 @@
   <p:clrMapOvr>
     <a:masterClrMapping/>
   </p:clrMapOvr>
-  <p:transition spd="slow"/>
+  <p:transition xmlns:p14="http://schemas.microsoft.com/office/powerpoint/2010/main" spd="slow"/>
   <p:timing>
     <p:tnLst>
       <p:par>
-        <p:cTn id="1" dur="indefinite" restart="never" nodeType="tmRoot">
+        <p:cTn xmlns:p14="http://schemas.microsoft.com/office/powerpoint/2010/main" id="1" dur="indefinite" restart="never" nodeType="tmRoot">
           <p:childTnLst>
             <p:seq concurrent="1" nextAc="seek">
               <p:cTn id="2" dur="indefinite" nodeType="mainSeq">
@@ -14200,14 +14269,14 @@
             <a:noFill/>
           </a:ln>
           <a:extLst>
-            <a:ext uri="{909E8E84-426E-40DD-AFC4-6F175D3DCCD1}">
+            <a:ext uri="{909E8E84-426E-40dd-AFC4-6F175D3DCCD1}">
               <a14:hiddenFill xmlns:a14="http://schemas.microsoft.com/office/drawing/2010/main">
                 <a:solidFill>
                   <a:srgbClr val="FFFFFF"/>
                 </a:solidFill>
               </a14:hiddenFill>
             </a:ext>
-            <a:ext uri="{91240B29-F687-4F45-9708-019B960494DF}">
+            <a:ext uri="{91240B29-F687-4f45-9708-019B960494DF}">
               <a14:hiddenLine xmlns:a14="http://schemas.microsoft.com/office/drawing/2010/main" w="9525">
                 <a:solidFill>
                   <a:srgbClr val="000000"/>
@@ -14372,14 +14441,14 @@
             <a:noFill/>
           </a:ln>
           <a:extLst>
-            <a:ext uri="{909E8E84-426E-40DD-AFC4-6F175D3DCCD1}">
+            <a:ext uri="{909E8E84-426E-40dd-AFC4-6F175D3DCCD1}">
               <a14:hiddenFill xmlns:a14="http://schemas.microsoft.com/office/drawing/2010/main">
                 <a:solidFill>
                   <a:srgbClr val="FFFFFF"/>
                 </a:solidFill>
               </a14:hiddenFill>
             </a:ext>
-            <a:ext uri="{91240B29-F687-4F45-9708-019B960494DF}">
+            <a:ext uri="{91240B29-F687-4f45-9708-019B960494DF}">
               <a14:hiddenLine xmlns:a14="http://schemas.microsoft.com/office/drawing/2010/main" w="9525">
                 <a:solidFill>
                   <a:srgbClr val="000000"/>
@@ -14565,7 +14634,7 @@
             <a:noFill/>
           </a:ln>
           <a:extLst>
-            <a:ext uri="{91240B29-F687-4F45-9708-019B960494DF}">
+            <a:ext uri="{91240B29-F687-4f45-9708-019B960494DF}">
               <a14:hiddenLine xmlns:a14="http://schemas.microsoft.com/office/drawing/2010/main" w="9525">
                 <a:solidFill>
                   <a:srgbClr val="000000"/>
@@ -14608,14 +14677,14 @@
             <a:noFill/>
           </a:ln>
           <a:extLst>
-            <a:ext uri="{909E8E84-426E-40DD-AFC4-6F175D3DCCD1}">
+            <a:ext uri="{909E8E84-426E-40dd-AFC4-6F175D3DCCD1}">
               <a14:hiddenFill xmlns:a14="http://schemas.microsoft.com/office/drawing/2010/main">
                 <a:solidFill>
                   <a:srgbClr val="FFFFFF"/>
                 </a:solidFill>
               </a14:hiddenFill>
             </a:ext>
-            <a:ext uri="{91240B29-F687-4F45-9708-019B960494DF}">
+            <a:ext uri="{91240B29-F687-4f45-9708-019B960494DF}">
               <a14:hiddenLine xmlns:a14="http://schemas.microsoft.com/office/drawing/2010/main" w="9525">
                 <a:solidFill>
                   <a:srgbClr val="000000"/>
@@ -14839,7 +14908,7 @@
   <p:timing>
     <p:tnLst>
       <p:par>
-        <p:cTn id="1" dur="indefinite" restart="never" nodeType="tmRoot"/>
+        <p:cTn xmlns:p14="http://schemas.microsoft.com/office/powerpoint/2010/main" id="1" dur="indefinite" restart="never" nodeType="tmRoot"/>
       </p:par>
     </p:tnLst>
   </p:timing>
@@ -14884,14 +14953,14 @@
             <a:noFill/>
           </a:ln>
           <a:extLst>
-            <a:ext uri="{909E8E84-426E-40DD-AFC4-6F175D3DCCD1}">
+            <a:ext uri="{909E8E84-426E-40dd-AFC4-6F175D3DCCD1}">
               <a14:hiddenFill xmlns:a14="http://schemas.microsoft.com/office/drawing/2010/main">
                 <a:solidFill>
                   <a:srgbClr val="FFFFFF"/>
                 </a:solidFill>
               </a14:hiddenFill>
             </a:ext>
-            <a:ext uri="{91240B29-F687-4F45-9708-019B960494DF}">
+            <a:ext uri="{91240B29-F687-4f45-9708-019B960494DF}">
               <a14:hiddenLine xmlns:a14="http://schemas.microsoft.com/office/drawing/2010/main" w="9525">
                 <a:solidFill>
                   <a:srgbClr val="000000"/>
@@ -15301,14 +15370,14 @@
             <a:noFill/>
           </a:ln>
           <a:extLst>
-            <a:ext uri="{909E8E84-426E-40DD-AFC4-6F175D3DCCD1}">
+            <a:ext uri="{909E8E84-426E-40dd-AFC4-6F175D3DCCD1}">
               <a14:hiddenFill xmlns:a14="http://schemas.microsoft.com/office/drawing/2010/main">
                 <a:solidFill>
                   <a:srgbClr val="FFFFFF"/>
                 </a:solidFill>
               </a14:hiddenFill>
             </a:ext>
-            <a:ext uri="{91240B29-F687-4F45-9708-019B960494DF}">
+            <a:ext uri="{91240B29-F687-4f45-9708-019B960494DF}">
               <a14:hiddenLine xmlns:a14="http://schemas.microsoft.com/office/drawing/2010/main" w="9525">
                 <a:solidFill>
                   <a:srgbClr val="000000"/>
@@ -15494,7 +15563,7 @@
             <a:noFill/>
           </a:ln>
           <a:extLst>
-            <a:ext uri="{91240B29-F687-4F45-9708-019B960494DF}">
+            <a:ext uri="{91240B29-F687-4f45-9708-019B960494DF}">
               <a14:hiddenLine xmlns:a14="http://schemas.microsoft.com/office/drawing/2010/main" w="9525">
                 <a:solidFill>
                   <a:srgbClr val="000000"/>
@@ -15524,7 +15593,7 @@
   <p:timing>
     <p:tnLst>
       <p:par>
-        <p:cTn id="1" dur="indefinite" restart="never" nodeType="tmRoot"/>
+        <p:cTn xmlns:p14="http://schemas.microsoft.com/office/powerpoint/2010/main" id="1" dur="indefinite" restart="never" nodeType="tmRoot"/>
       </p:par>
     </p:tnLst>
   </p:timing>
@@ -15569,14 +15638,14 @@
             <a:noFill/>
           </a:ln>
           <a:extLst>
-            <a:ext uri="{909E8E84-426E-40DD-AFC4-6F175D3DCCD1}">
+            <a:ext uri="{909E8E84-426E-40dd-AFC4-6F175D3DCCD1}">
               <a14:hiddenFill xmlns:a14="http://schemas.microsoft.com/office/drawing/2010/main">
                 <a:solidFill>
                   <a:srgbClr val="FFFFFF"/>
                 </a:solidFill>
               </a14:hiddenFill>
             </a:ext>
-            <a:ext uri="{91240B29-F687-4F45-9708-019B960494DF}">
+            <a:ext uri="{91240B29-F687-4f45-9708-019B960494DF}">
               <a14:hiddenLine xmlns:a14="http://schemas.microsoft.com/office/drawing/2010/main" w="9525">
                 <a:solidFill>
                   <a:srgbClr val="000000"/>
@@ -15741,14 +15810,14 @@
             <a:noFill/>
           </a:ln>
           <a:extLst>
-            <a:ext uri="{909E8E84-426E-40DD-AFC4-6F175D3DCCD1}">
+            <a:ext uri="{909E8E84-426E-40dd-AFC4-6F175D3DCCD1}">
               <a14:hiddenFill xmlns:a14="http://schemas.microsoft.com/office/drawing/2010/main">
                 <a:solidFill>
                   <a:srgbClr val="FFFFFF"/>
                 </a:solidFill>
               </a14:hiddenFill>
             </a:ext>
-            <a:ext uri="{91240B29-F687-4F45-9708-019B960494DF}">
+            <a:ext uri="{91240B29-F687-4f45-9708-019B960494DF}">
               <a14:hiddenLine xmlns:a14="http://schemas.microsoft.com/office/drawing/2010/main" w="9525">
                 <a:solidFill>
                   <a:srgbClr val="000000"/>
@@ -15934,7 +16003,7 @@
             <a:noFill/>
           </a:ln>
           <a:extLst>
-            <a:ext uri="{91240B29-F687-4F45-9708-019B960494DF}">
+            <a:ext uri="{91240B29-F687-4f45-9708-019B960494DF}">
               <a14:hiddenLine xmlns:a14="http://schemas.microsoft.com/office/drawing/2010/main" w="9525">
                 <a:solidFill>
                   <a:srgbClr val="000000"/>
@@ -15977,14 +16046,14 @@
             <a:noFill/>
           </a:ln>
           <a:extLst>
-            <a:ext uri="{909E8E84-426E-40DD-AFC4-6F175D3DCCD1}">
+            <a:ext uri="{909E8E84-426E-40dd-AFC4-6F175D3DCCD1}">
               <a14:hiddenFill xmlns:a14="http://schemas.microsoft.com/office/drawing/2010/main">
                 <a:solidFill>
                   <a:srgbClr val="FFFFFF"/>
                 </a:solidFill>
               </a14:hiddenFill>
             </a:ext>
-            <a:ext uri="{91240B29-F687-4F45-9708-019B960494DF}">
+            <a:ext uri="{91240B29-F687-4f45-9708-019B960494DF}">
               <a14:hiddenLine xmlns:a14="http://schemas.microsoft.com/office/drawing/2010/main" w="9525">
                 <a:solidFill>
                   <a:srgbClr val="000000"/>
@@ -16220,7 +16289,7 @@
   <p:timing>
     <p:tnLst>
       <p:par>
-        <p:cTn id="1" dur="indefinite" restart="never" nodeType="tmRoot"/>
+        <p:cTn xmlns:p14="http://schemas.microsoft.com/office/powerpoint/2010/main" id="1" dur="indefinite" restart="never" nodeType="tmRoot"/>
       </p:par>
     </p:tnLst>
   </p:timing>
@@ -16265,14 +16334,14 @@
             <a:noFill/>
           </a:ln>
           <a:extLst>
-            <a:ext uri="{909E8E84-426E-40DD-AFC4-6F175D3DCCD1}">
+            <a:ext uri="{909E8E84-426E-40dd-AFC4-6F175D3DCCD1}">
               <a14:hiddenFill xmlns:a14="http://schemas.microsoft.com/office/drawing/2010/main">
                 <a:solidFill>
                   <a:srgbClr val="FFFFFF"/>
                 </a:solidFill>
               </a14:hiddenFill>
             </a:ext>
-            <a:ext uri="{91240B29-F687-4F45-9708-019B960494DF}">
+            <a:ext uri="{91240B29-F687-4f45-9708-019B960494DF}">
               <a14:hiddenLine xmlns:a14="http://schemas.microsoft.com/office/drawing/2010/main" w="9525">
                 <a:solidFill>
                   <a:srgbClr val="000000"/>
@@ -16437,14 +16506,14 @@
             <a:noFill/>
           </a:ln>
           <a:extLst>
-            <a:ext uri="{909E8E84-426E-40DD-AFC4-6F175D3DCCD1}">
+            <a:ext uri="{909E8E84-426E-40dd-AFC4-6F175D3DCCD1}">
               <a14:hiddenFill xmlns:a14="http://schemas.microsoft.com/office/drawing/2010/main">
                 <a:solidFill>
                   <a:srgbClr val="FFFFFF"/>
                 </a:solidFill>
               </a14:hiddenFill>
             </a:ext>
-            <a:ext uri="{91240B29-F687-4F45-9708-019B960494DF}">
+            <a:ext uri="{91240B29-F687-4f45-9708-019B960494DF}">
               <a14:hiddenLine xmlns:a14="http://schemas.microsoft.com/office/drawing/2010/main" w="9525">
                 <a:solidFill>
                   <a:srgbClr val="000000"/>
@@ -16630,7 +16699,7 @@
             <a:noFill/>
           </a:ln>
           <a:extLst>
-            <a:ext uri="{91240B29-F687-4F45-9708-019B960494DF}">
+            <a:ext uri="{91240B29-F687-4f45-9708-019B960494DF}">
               <a14:hiddenLine xmlns:a14="http://schemas.microsoft.com/office/drawing/2010/main" w="9525">
                 <a:solidFill>
                   <a:srgbClr val="000000"/>
@@ -16673,14 +16742,14 @@
             <a:noFill/>
           </a:ln>
           <a:extLst>
-            <a:ext uri="{909E8E84-426E-40DD-AFC4-6F175D3DCCD1}">
+            <a:ext uri="{909E8E84-426E-40dd-AFC4-6F175D3DCCD1}">
               <a14:hiddenFill xmlns:a14="http://schemas.microsoft.com/office/drawing/2010/main">
                 <a:solidFill>
                   <a:srgbClr val="FFFFFF"/>
                 </a:solidFill>
               </a14:hiddenFill>
             </a:ext>
-            <a:ext uri="{91240B29-F687-4F45-9708-019B960494DF}">
+            <a:ext uri="{91240B29-F687-4f45-9708-019B960494DF}">
               <a14:hiddenLine xmlns:a14="http://schemas.microsoft.com/office/drawing/2010/main" w="9525">
                 <a:solidFill>
                   <a:srgbClr val="000000"/>
@@ -16766,13 +16835,13 @@
               <a:buNone/>
             </a:pPr>
             <a:r>
-              <a:rPr lang="en-US" altLang="zh-CN" sz="2000" smtClean="0">
+              <a:rPr lang="en-US" altLang="zh-CN" sz="2000" dirty="0" smtClean="0">
                 <a:latin typeface="Times New Roman" pitchFamily="18" charset="0"/>
                 <a:cs typeface="Times New Roman" pitchFamily="18" charset="0"/>
               </a:rPr>
               <a:t>class Node {</a:t>
             </a:r>
-            <a:endParaRPr lang="zh-CN" altLang="en-US" sz="2000" smtClean="0">
+            <a:endParaRPr lang="zh-CN" altLang="en-US" sz="2000" dirty="0" smtClean="0">
               <a:latin typeface="Times New Roman" pitchFamily="18" charset="0"/>
               <a:cs typeface="Times New Roman" pitchFamily="18" charset="0"/>
             </a:endParaRPr>
@@ -16783,14 +16852,42 @@
               <a:buNone/>
             </a:pPr>
             <a:r>
-              <a:rPr lang="en-US" altLang="zh-CN" sz="2000" smtClean="0">
+              <a:rPr lang="en-US" altLang="zh-CN" sz="2000" dirty="0" smtClean="0">
                 <a:latin typeface="Times New Roman" pitchFamily="18" charset="0"/>
                 <a:cs typeface="Times New Roman" pitchFamily="18" charset="0"/>
               </a:rPr>
-              <a:t>Map&lt;String, Node&gt;  son</a:t>
+              <a:t>Map</a:t>
             </a:r>
             <a:r>
-              <a:rPr lang="zh-CN" altLang="en-US" sz="2000" smtClean="0">
+              <a:rPr lang="en-US" altLang="zh-CN" sz="2000" dirty="0" smtClean="0">
+                <a:latin typeface="Times New Roman" pitchFamily="18" charset="0"/>
+                <a:cs typeface="Times New Roman" pitchFamily="18" charset="0"/>
+              </a:rPr>
+              <a:t>&lt;</a:t>
+            </a:r>
+            <a:r>
+              <a:rPr lang="en-US" altLang="zh-CN" sz="2000" dirty="0" smtClean="0">
+                <a:latin typeface="Times New Roman" pitchFamily="18" charset="0"/>
+                <a:cs typeface="Times New Roman" pitchFamily="18" charset="0"/>
+              </a:rPr>
+              <a:t>Character</a:t>
+            </a:r>
+            <a:r>
+              <a:rPr lang="en-US" altLang="zh-CN" sz="2000" dirty="0" smtClean="0">
+                <a:latin typeface="Times New Roman" pitchFamily="18" charset="0"/>
+                <a:cs typeface="Times New Roman" pitchFamily="18" charset="0"/>
+              </a:rPr>
+              <a:t>, </a:t>
+            </a:r>
+            <a:r>
+              <a:rPr lang="en-US" altLang="zh-CN" sz="2000" dirty="0" smtClean="0">
+                <a:latin typeface="Times New Roman" pitchFamily="18" charset="0"/>
+                <a:cs typeface="Times New Roman" pitchFamily="18" charset="0"/>
+              </a:rPr>
+              <a:t>Node&gt;  son</a:t>
+            </a:r>
+            <a:r>
+              <a:rPr lang="zh-CN" altLang="en-US" sz="2000" dirty="0" smtClean="0">
                 <a:latin typeface="Times New Roman" pitchFamily="18" charset="0"/>
                 <a:cs typeface="Times New Roman" pitchFamily="18" charset="0"/>
               </a:rPr>
@@ -16803,13 +16900,34 @@
               <a:buNone/>
             </a:pPr>
             <a:r>
-              <a:rPr lang="en-US" altLang="zh-CN" sz="2000" smtClean="0">
+              <a:rPr lang="en-US" altLang="zh-CN" sz="2000" dirty="0" err="1" smtClean="0">
                 <a:latin typeface="Times New Roman" pitchFamily="18" charset="0"/>
                 <a:cs typeface="Times New Roman" pitchFamily="18" charset="0"/>
               </a:rPr>
-              <a:t>boolean isEnd;</a:t>
+              <a:t>boolean</a:t>
             </a:r>
-            <a:endParaRPr lang="zh-CN" altLang="en-US" sz="2000" smtClean="0">
+            <a:r>
+              <a:rPr lang="en-US" altLang="zh-CN" sz="2000" dirty="0" smtClean="0">
+                <a:latin typeface="Times New Roman" pitchFamily="18" charset="0"/>
+                <a:cs typeface="Times New Roman" pitchFamily="18" charset="0"/>
+              </a:rPr>
+              <a:t> </a:t>
+            </a:r>
+            <a:r>
+              <a:rPr lang="en-US" altLang="zh-CN" sz="2000" dirty="0" err="1" smtClean="0">
+                <a:latin typeface="Times New Roman" pitchFamily="18" charset="0"/>
+                <a:cs typeface="Times New Roman" pitchFamily="18" charset="0"/>
+              </a:rPr>
+              <a:t>isEnd</a:t>
+            </a:r>
+            <a:r>
+              <a:rPr lang="en-US" altLang="zh-CN" sz="2000" dirty="0" smtClean="0">
+                <a:latin typeface="Times New Roman" pitchFamily="18" charset="0"/>
+                <a:cs typeface="Times New Roman" pitchFamily="18" charset="0"/>
+              </a:rPr>
+              <a:t>;</a:t>
+            </a:r>
+            <a:endParaRPr lang="zh-CN" altLang="en-US" sz="2000" dirty="0" smtClean="0">
               <a:latin typeface="Times New Roman" pitchFamily="18" charset="0"/>
               <a:cs typeface="Times New Roman" pitchFamily="18" charset="0"/>
             </a:endParaRPr>
@@ -16820,13 +16938,41 @@
               <a:buNone/>
             </a:pPr>
             <a:r>
-              <a:rPr lang="en-US" altLang="zh-CN" sz="2000" smtClean="0">
+              <a:rPr lang="en-US" altLang="zh-CN" sz="2000" dirty="0">
                 <a:latin typeface="Times New Roman" pitchFamily="18" charset="0"/>
                 <a:cs typeface="Times New Roman" pitchFamily="18" charset="0"/>
               </a:rPr>
-              <a:t>String value;</a:t>
+              <a:t>c</a:t>
             </a:r>
-            <a:endParaRPr lang="zh-CN" altLang="en-US" sz="2000" smtClean="0">
+            <a:r>
+              <a:rPr lang="en-US" altLang="zh-CN" sz="2000" dirty="0" smtClean="0">
+                <a:latin typeface="Times New Roman" pitchFamily="18" charset="0"/>
+                <a:cs typeface="Times New Roman" pitchFamily="18" charset="0"/>
+              </a:rPr>
+              <a:t>har</a:t>
+            </a:r>
+            <a:r>
+              <a:rPr lang="zh-CN" altLang="en-US" sz="2000" dirty="0" smtClean="0">
+                <a:latin typeface="Times New Roman" pitchFamily="18" charset="0"/>
+                <a:cs typeface="Times New Roman" pitchFamily="18" charset="0"/>
+              </a:rPr>
+              <a:t> </a:t>
+            </a:r>
+            <a:r>
+              <a:rPr lang="en-US" altLang="zh-CN" sz="2000" dirty="0" smtClean="0">
+                <a:latin typeface="Times New Roman" pitchFamily="18" charset="0"/>
+                <a:cs typeface="Times New Roman" pitchFamily="18" charset="0"/>
+              </a:rPr>
+              <a:t>value</a:t>
+            </a:r>
+            <a:r>
+              <a:rPr lang="en-US" altLang="zh-CN" sz="2000" dirty="0" smtClean="0">
+                <a:latin typeface="Times New Roman" pitchFamily="18" charset="0"/>
+                <a:cs typeface="Times New Roman" pitchFamily="18" charset="0"/>
+              </a:rPr>
+              <a:t>;</a:t>
+            </a:r>
+            <a:endParaRPr lang="zh-CN" altLang="en-US" sz="2000" dirty="0" smtClean="0">
               <a:latin typeface="Times New Roman" pitchFamily="18" charset="0"/>
               <a:cs typeface="Times New Roman" pitchFamily="18" charset="0"/>
             </a:endParaRPr>
@@ -16837,13 +16983,13 @@
               <a:buNone/>
             </a:pPr>
             <a:r>
-              <a:rPr lang="en-US" altLang="zh-CN" sz="2000" smtClean="0">
+              <a:rPr lang="en-US" altLang="zh-CN" sz="2000" dirty="0" smtClean="0">
                 <a:latin typeface="Times New Roman" pitchFamily="18" charset="0"/>
                 <a:cs typeface="Times New Roman" pitchFamily="18" charset="0"/>
               </a:rPr>
               <a:t>public Node() {</a:t>
             </a:r>
-            <a:endParaRPr lang="zh-CN" altLang="en-US" sz="2000" smtClean="0">
+            <a:endParaRPr lang="zh-CN" altLang="en-US" sz="2000" dirty="0" smtClean="0">
               <a:latin typeface="Times New Roman" pitchFamily="18" charset="0"/>
               <a:cs typeface="Times New Roman" pitchFamily="18" charset="0"/>
             </a:endParaRPr>
@@ -16854,13 +17000,13 @@
               <a:buNone/>
             </a:pPr>
             <a:r>
-              <a:rPr lang="en-US" altLang="zh-CN" sz="2000" smtClean="0">
+              <a:rPr lang="en-US" altLang="zh-CN" sz="2000" dirty="0" smtClean="0">
                 <a:latin typeface="Times New Roman" pitchFamily="18" charset="0"/>
                 <a:cs typeface="Times New Roman" pitchFamily="18" charset="0"/>
               </a:rPr>
               <a:t>    super();</a:t>
             </a:r>
-            <a:endParaRPr lang="zh-CN" altLang="en-US" sz="2000" smtClean="0">
+            <a:endParaRPr lang="zh-CN" altLang="en-US" sz="2000" dirty="0" smtClean="0">
               <a:latin typeface="Times New Roman" pitchFamily="18" charset="0"/>
               <a:cs typeface="Times New Roman" pitchFamily="18" charset="0"/>
             </a:endParaRPr>
@@ -16871,13 +17017,34 @@
               <a:buNone/>
             </a:pPr>
             <a:r>
-              <a:rPr lang="en-US" altLang="zh-CN" sz="2000" smtClean="0">
+              <a:rPr lang="en-US" altLang="zh-CN" sz="2000" dirty="0" smtClean="0">
                 <a:latin typeface="Times New Roman" pitchFamily="18" charset="0"/>
                 <a:cs typeface="Times New Roman" pitchFamily="18" charset="0"/>
               </a:rPr>
-              <a:t>    son=new HashMap&lt;String, Node&gt;();</a:t>
+              <a:t>    son=new </a:t>
             </a:r>
-            <a:endParaRPr lang="zh-CN" altLang="en-US" sz="2000" smtClean="0">
+            <a:r>
+              <a:rPr lang="en-US" altLang="zh-CN" sz="2000" dirty="0" err="1" smtClean="0">
+                <a:latin typeface="Times New Roman" pitchFamily="18" charset="0"/>
+                <a:cs typeface="Times New Roman" pitchFamily="18" charset="0"/>
+              </a:rPr>
+              <a:t>HashMap</a:t>
+            </a:r>
+            <a:r>
+              <a:rPr lang="en-US" altLang="zh-CN" sz="2000" dirty="0" smtClean="0">
+                <a:latin typeface="Times New Roman" pitchFamily="18" charset="0"/>
+                <a:cs typeface="Times New Roman" pitchFamily="18" charset="0"/>
+              </a:rPr>
+              <a:t>&lt;Character, </a:t>
+            </a:r>
+            <a:r>
+              <a:rPr lang="en-US" altLang="zh-CN" sz="2000" dirty="0" smtClean="0">
+                <a:latin typeface="Times New Roman" pitchFamily="18" charset="0"/>
+                <a:cs typeface="Times New Roman" pitchFamily="18" charset="0"/>
+              </a:rPr>
+              <a:t>Node&gt;();</a:t>
+            </a:r>
+            <a:endParaRPr lang="zh-CN" altLang="en-US" sz="2000" dirty="0" smtClean="0">
               <a:latin typeface="Times New Roman" pitchFamily="18" charset="0"/>
               <a:cs typeface="Times New Roman" pitchFamily="18" charset="0"/>
             </a:endParaRPr>
@@ -16888,13 +17055,13 @@
               <a:buNone/>
             </a:pPr>
             <a:r>
-              <a:rPr lang="en-US" altLang="zh-CN" sz="2000" smtClean="0">
+              <a:rPr lang="en-US" altLang="zh-CN" sz="2000" dirty="0" smtClean="0">
                 <a:latin typeface="Times New Roman" pitchFamily="18" charset="0"/>
                 <a:cs typeface="Times New Roman" pitchFamily="18" charset="0"/>
               </a:rPr>
               <a:t>}</a:t>
             </a:r>
-            <a:endParaRPr lang="zh-CN" altLang="en-US" sz="2000" smtClean="0">
+            <a:endParaRPr lang="zh-CN" altLang="en-US" sz="2000" dirty="0" smtClean="0">
               <a:latin typeface="Times New Roman" pitchFamily="18" charset="0"/>
               <a:cs typeface="Times New Roman" pitchFamily="18" charset="0"/>
             </a:endParaRPr>
@@ -16905,20 +17072,20 @@
               <a:buNone/>
             </a:pPr>
             <a:r>
-              <a:rPr lang="en-US" altLang="zh-CN" sz="2000" smtClean="0">
+              <a:rPr lang="en-US" altLang="zh-CN" sz="2000" dirty="0" smtClean="0">
                 <a:latin typeface="Times New Roman" pitchFamily="18" charset="0"/>
                 <a:cs typeface="Times New Roman" pitchFamily="18" charset="0"/>
               </a:rPr>
               <a:t>}</a:t>
             </a:r>
-            <a:endParaRPr lang="zh-CN" altLang="en-US" sz="2000" smtClean="0">
+            <a:endParaRPr lang="zh-CN" altLang="en-US" sz="2000" dirty="0" smtClean="0">
               <a:latin typeface="Times New Roman" pitchFamily="18" charset="0"/>
               <a:cs typeface="Times New Roman" pitchFamily="18" charset="0"/>
             </a:endParaRPr>
           </a:p>
           <a:p>
             <a:pPr marL="400050" lvl="1" indent="0" eaLnBrk="1" hangingPunct="1"/>
-            <a:endParaRPr lang="en-US" altLang="zh-CN" sz="2000" smtClean="0">
+            <a:endParaRPr lang="en-US" altLang="zh-CN" sz="2000" dirty="0" smtClean="0">
               <a:sym typeface="+mn-lt"/>
             </a:endParaRPr>
           </a:p>
@@ -16927,13 +17094,13 @@
               <a:buFont typeface="Wingdings" pitchFamily="2" charset="2"/>
               <a:buNone/>
             </a:pPr>
-            <a:endParaRPr lang="en-US" altLang="zh-CN" sz="2000" smtClean="0">
+            <a:endParaRPr lang="en-US" altLang="zh-CN" sz="2000" dirty="0" smtClean="0">
               <a:sym typeface="+mn-lt"/>
             </a:endParaRPr>
           </a:p>
           <a:p>
             <a:pPr marL="400050" lvl="1" indent="0" eaLnBrk="1" hangingPunct="1"/>
-            <a:endParaRPr lang="en-US" altLang="zh-CN" sz="2000" smtClean="0">
+            <a:endParaRPr lang="en-US" altLang="zh-CN" sz="2000" dirty="0" smtClean="0">
               <a:sym typeface="+mn-lt"/>
             </a:endParaRPr>
           </a:p>
@@ -16966,14 +17133,14 @@
           </a:ln>
           <a:effectLst/>
           <a:extLst>
-            <a:ext uri="{909E8E84-426E-40DD-AFC4-6F175D3DCCD1}">
+            <a:ext uri="{909E8E84-426E-40dd-AFC4-6F175D3DCCD1}">
               <a14:hiddenFill xmlns:a14="http://schemas.microsoft.com/office/drawing/2010/main">
                 <a:solidFill>
                   <a:srgbClr val="FFFFFF"/>
                 </a:solidFill>
               </a14:hiddenFill>
             </a:ext>
-            <a:ext uri="{AF507438-7753-43E0-B8FC-AC1667EBCBE1}">
+            <a:ext uri="{AF507438-7753-43e0-B8FC-AC1667EBCBE1}">
               <a14:hiddenEffects xmlns:a14="http://schemas.microsoft.com/office/drawing/2010/main">
                 <a:effectLst>
                   <a:outerShdw dist="35921" dir="2700000" algn="ctr" rotWithShape="0">
@@ -17032,14 +17199,14 @@
           </a:ln>
           <a:effectLst/>
           <a:extLst>
-            <a:ext uri="{909E8E84-426E-40DD-AFC4-6F175D3DCCD1}">
+            <a:ext uri="{909E8E84-426E-40dd-AFC4-6F175D3DCCD1}">
               <a14:hiddenFill xmlns:a14="http://schemas.microsoft.com/office/drawing/2010/main">
                 <a:solidFill>
                   <a:srgbClr val="FFFFFF"/>
                 </a:solidFill>
               </a14:hiddenFill>
             </a:ext>
-            <a:ext uri="{AF507438-7753-43E0-B8FC-AC1667EBCBE1}">
+            <a:ext uri="{AF507438-7753-43e0-B8FC-AC1667EBCBE1}">
               <a14:hiddenEffects xmlns:a14="http://schemas.microsoft.com/office/drawing/2010/main">
                 <a:effectLst>
                   <a:outerShdw dist="35921" dir="2700000" algn="ctr" rotWithShape="0">
@@ -17098,14 +17265,14 @@
           </a:ln>
           <a:effectLst/>
           <a:extLst>
-            <a:ext uri="{909E8E84-426E-40DD-AFC4-6F175D3DCCD1}">
+            <a:ext uri="{909E8E84-426E-40dd-AFC4-6F175D3DCCD1}">
               <a14:hiddenFill xmlns:a14="http://schemas.microsoft.com/office/drawing/2010/main">
                 <a:solidFill>
                   <a:srgbClr val="FFFFFF"/>
                 </a:solidFill>
               </a14:hiddenFill>
             </a:ext>
-            <a:ext uri="{AF507438-7753-43E0-B8FC-AC1667EBCBE1}">
+            <a:ext uri="{AF507438-7753-43e0-B8FC-AC1667EBCBE1}">
               <a14:hiddenEffects xmlns:a14="http://schemas.microsoft.com/office/drawing/2010/main">
                 <a:effectLst>
                   <a:outerShdw dist="35921" dir="2700000" algn="ctr" rotWithShape="0">
@@ -17158,14 +17325,14 @@
             <a:noFill/>
           </a:ln>
           <a:extLst>
-            <a:ext uri="{909E8E84-426E-40DD-AFC4-6F175D3DCCD1}">
+            <a:ext uri="{909E8E84-426E-40dd-AFC4-6F175D3DCCD1}">
               <a14:hiddenFill xmlns:a14="http://schemas.microsoft.com/office/drawing/2010/main">
                 <a:solidFill>
                   <a:srgbClr val="FFFFFF"/>
                 </a:solidFill>
               </a14:hiddenFill>
             </a:ext>
-            <a:ext uri="{91240B29-F687-4F45-9708-019B960494DF}">
+            <a:ext uri="{91240B29-F687-4f45-9708-019B960494DF}">
               <a14:hiddenLine xmlns:a14="http://schemas.microsoft.com/office/drawing/2010/main" w="9525">
                 <a:solidFill>
                   <a:srgbClr val="000000"/>
@@ -17325,14 +17492,14 @@
             <a:noFill/>
           </a:ln>
           <a:extLst>
-            <a:ext uri="{909E8E84-426E-40DD-AFC4-6F175D3DCCD1}">
+            <a:ext uri="{909E8E84-426E-40dd-AFC4-6F175D3DCCD1}">
               <a14:hiddenFill xmlns:a14="http://schemas.microsoft.com/office/drawing/2010/main">
                 <a:solidFill>
                   <a:srgbClr val="FFFFFF"/>
                 </a:solidFill>
               </a14:hiddenFill>
             </a:ext>
-            <a:ext uri="{91240B29-F687-4F45-9708-019B960494DF}">
+            <a:ext uri="{91240B29-F687-4f45-9708-019B960494DF}">
               <a14:hiddenLine xmlns:a14="http://schemas.microsoft.com/office/drawing/2010/main" w="9525">
                 <a:solidFill>
                   <a:srgbClr val="000000"/>
@@ -17497,14 +17664,14 @@
             <a:noFill/>
           </a:ln>
           <a:extLst>
-            <a:ext uri="{909E8E84-426E-40DD-AFC4-6F175D3DCCD1}">
+            <a:ext uri="{909E8E84-426E-40dd-AFC4-6F175D3DCCD1}">
               <a14:hiddenFill xmlns:a14="http://schemas.microsoft.com/office/drawing/2010/main">
                 <a:solidFill>
                   <a:srgbClr val="FFFFFF"/>
                 </a:solidFill>
               </a14:hiddenFill>
             </a:ext>
-            <a:ext uri="{91240B29-F687-4F45-9708-019B960494DF}">
+            <a:ext uri="{91240B29-F687-4f45-9708-019B960494DF}">
               <a14:hiddenLine xmlns:a14="http://schemas.microsoft.com/office/drawing/2010/main" w="9525">
                 <a:solidFill>
                   <a:srgbClr val="000000"/>
@@ -17651,7 +17818,7 @@
   <p:timing>
     <p:tnLst>
       <p:par>
-        <p:cTn id="1" dur="indefinite" restart="never" nodeType="tmRoot">
+        <p:cTn xmlns:p14="http://schemas.microsoft.com/office/powerpoint/2010/main" id="1" dur="indefinite" restart="never" nodeType="tmRoot">
           <p:childTnLst>
             <p:seq concurrent="1" nextAc="seek">
               <p:cTn id="2" dur="indefinite" nodeType="mainSeq">
@@ -18076,14 +18243,14 @@
               <a:noFill/>
             </a:ln>
             <a:extLst>
-              <a:ext uri="{909E8E84-426E-40DD-AFC4-6F175D3DCCD1}">
+              <a:ext uri="{909E8E84-426E-40dd-AFC4-6F175D3DCCD1}">
                 <a14:hiddenFill xmlns:a14="http://schemas.microsoft.com/office/drawing/2010/main">
                   <a:solidFill>
                     <a:srgbClr val="FFFFFF"/>
                   </a:solidFill>
                 </a14:hiddenFill>
               </a:ext>
-              <a:ext uri="{91240B29-F687-4F45-9708-019B960494DF}">
+              <a:ext uri="{91240B29-F687-4f45-9708-019B960494DF}">
                 <a14:hiddenLine xmlns:a14="http://schemas.microsoft.com/office/drawing/2010/main" w="9525">
                   <a:solidFill>
                     <a:srgbClr val="000000"/>
@@ -18306,14 +18473,14 @@
               <a:noFill/>
             </a:ln>
             <a:extLst>
-              <a:ext uri="{909E8E84-426E-40DD-AFC4-6F175D3DCCD1}">
+              <a:ext uri="{909E8E84-426E-40dd-AFC4-6F175D3DCCD1}">
                 <a14:hiddenFill xmlns:a14="http://schemas.microsoft.com/office/drawing/2010/main">
                   <a:solidFill>
                     <a:srgbClr val="FFFFFF"/>
                   </a:solidFill>
                 </a14:hiddenFill>
               </a:ext>
-              <a:ext uri="{91240B29-F687-4F45-9708-019B960494DF}">
+              <a:ext uri="{91240B29-F687-4f45-9708-019B960494DF}">
                 <a14:hiddenLine xmlns:a14="http://schemas.microsoft.com/office/drawing/2010/main" w="9525">
                   <a:solidFill>
                     <a:srgbClr val="000000"/>
@@ -18478,14 +18645,14 @@
             <a:noFill/>
           </a:ln>
           <a:extLst>
-            <a:ext uri="{909E8E84-426E-40DD-AFC4-6F175D3DCCD1}">
+            <a:ext uri="{909E8E84-426E-40dd-AFC4-6F175D3DCCD1}">
               <a14:hiddenFill xmlns:a14="http://schemas.microsoft.com/office/drawing/2010/main">
                 <a:solidFill>
                   <a:srgbClr val="FFFFFF"/>
                 </a:solidFill>
               </a14:hiddenFill>
             </a:ext>
-            <a:ext uri="{91240B29-F687-4F45-9708-019B960494DF}">
+            <a:ext uri="{91240B29-F687-4f45-9708-019B960494DF}">
               <a14:hiddenLine xmlns:a14="http://schemas.microsoft.com/office/drawing/2010/main" w="9525">
                 <a:solidFill>
                   <a:srgbClr val="000000"/>
@@ -18650,14 +18817,14 @@
             <a:noFill/>
           </a:ln>
           <a:extLst>
-            <a:ext uri="{909E8E84-426E-40DD-AFC4-6F175D3DCCD1}">
+            <a:ext uri="{909E8E84-426E-40dd-AFC4-6F175D3DCCD1}">
               <a14:hiddenFill xmlns:a14="http://schemas.microsoft.com/office/drawing/2010/main">
                 <a:solidFill>
                   <a:srgbClr val="FFFFFF"/>
                 </a:solidFill>
               </a14:hiddenFill>
             </a:ext>
-            <a:ext uri="{91240B29-F687-4F45-9708-019B960494DF}">
+            <a:ext uri="{91240B29-F687-4f45-9708-019B960494DF}">
               <a14:hiddenLine xmlns:a14="http://schemas.microsoft.com/office/drawing/2010/main" w="9525">
                 <a:solidFill>
                   <a:srgbClr val="000000"/>
@@ -18843,7 +19010,7 @@
             <a:noFill/>
           </a:ln>
           <a:extLst>
-            <a:ext uri="{91240B29-F687-4F45-9708-019B960494DF}">
+            <a:ext uri="{91240B29-F687-4f45-9708-019B960494DF}">
               <a14:hiddenLine xmlns:a14="http://schemas.microsoft.com/office/drawing/2010/main" w="9525">
                 <a:solidFill>
                   <a:srgbClr val="000000"/>
@@ -18886,14 +19053,14 @@
             <a:noFill/>
           </a:ln>
           <a:extLst>
-            <a:ext uri="{909E8E84-426E-40DD-AFC4-6F175D3DCCD1}">
+            <a:ext uri="{909E8E84-426E-40dd-AFC4-6F175D3DCCD1}">
               <a14:hiddenFill xmlns:a14="http://schemas.microsoft.com/office/drawing/2010/main">
                 <a:solidFill>
                   <a:srgbClr val="FFFFFF"/>
                 </a:solidFill>
               </a14:hiddenFill>
             </a:ext>
-            <a:ext uri="{91240B29-F687-4F45-9708-019B960494DF}">
+            <a:ext uri="{91240B29-F687-4f45-9708-019B960494DF}">
               <a14:hiddenLine xmlns:a14="http://schemas.microsoft.com/office/drawing/2010/main" w="9525">
                 <a:solidFill>
                   <a:srgbClr val="000000"/>
@@ -19072,14 +19239,14 @@
               <a:noFill/>
             </a:ln>
             <a:extLst>
-              <a:ext uri="{909E8E84-426E-40DD-AFC4-6F175D3DCCD1}">
+              <a:ext uri="{909E8E84-426E-40dd-AFC4-6F175D3DCCD1}">
                 <a14:hiddenFill xmlns:a14="http://schemas.microsoft.com/office/drawing/2010/main">
                   <a:solidFill>
                     <a:srgbClr val="FFFFFF"/>
                   </a:solidFill>
                 </a14:hiddenFill>
               </a:ext>
-              <a:ext uri="{91240B29-F687-4F45-9708-019B960494DF}">
+              <a:ext uri="{91240B29-F687-4f45-9708-019B960494DF}">
                 <a14:hiddenLine xmlns:a14="http://schemas.microsoft.com/office/drawing/2010/main" w="9525">
                   <a:solidFill>
                     <a:srgbClr val="000000"/>
@@ -19302,14 +19469,14 @@
               <a:noFill/>
             </a:ln>
             <a:extLst>
-              <a:ext uri="{909E8E84-426E-40DD-AFC4-6F175D3DCCD1}">
+              <a:ext uri="{909E8E84-426E-40dd-AFC4-6F175D3DCCD1}">
                 <a14:hiddenFill xmlns:a14="http://schemas.microsoft.com/office/drawing/2010/main">
                   <a:solidFill>
                     <a:srgbClr val="FFFFFF"/>
                   </a:solidFill>
                 </a14:hiddenFill>
               </a:ext>
-              <a:ext uri="{91240B29-F687-4F45-9708-019B960494DF}">
+              <a:ext uri="{91240B29-F687-4f45-9708-019B960494DF}">
                 <a14:hiddenLine xmlns:a14="http://schemas.microsoft.com/office/drawing/2010/main" w="9525">
                   <a:solidFill>
                     <a:srgbClr val="000000"/>
@@ -19532,14 +19699,14 @@
               <a:noFill/>
             </a:ln>
             <a:extLst>
-              <a:ext uri="{909E8E84-426E-40DD-AFC4-6F175D3DCCD1}">
+              <a:ext uri="{909E8E84-426E-40dd-AFC4-6F175D3DCCD1}">
                 <a14:hiddenFill xmlns:a14="http://schemas.microsoft.com/office/drawing/2010/main">
                   <a:solidFill>
                     <a:srgbClr val="FFFFFF"/>
                   </a:solidFill>
                 </a14:hiddenFill>
               </a:ext>
-              <a:ext uri="{91240B29-F687-4F45-9708-019B960494DF}">
+              <a:ext uri="{91240B29-F687-4f45-9708-019B960494DF}">
                 <a14:hiddenLine xmlns:a14="http://schemas.microsoft.com/office/drawing/2010/main" w="9525">
                   <a:solidFill>
                     <a:srgbClr val="000000"/>
@@ -19762,14 +19929,14 @@
               <a:noFill/>
             </a:ln>
             <a:extLst>
-              <a:ext uri="{909E8E84-426E-40DD-AFC4-6F175D3DCCD1}">
+              <a:ext uri="{909E8E84-426E-40dd-AFC4-6F175D3DCCD1}">
                 <a14:hiddenFill xmlns:a14="http://schemas.microsoft.com/office/drawing/2010/main">
                   <a:solidFill>
                     <a:srgbClr val="FFFFFF"/>
                   </a:solidFill>
                 </a14:hiddenFill>
               </a:ext>
-              <a:ext uri="{91240B29-F687-4F45-9708-019B960494DF}">
+              <a:ext uri="{91240B29-F687-4f45-9708-019B960494DF}">
                 <a14:hiddenLine xmlns:a14="http://schemas.microsoft.com/office/drawing/2010/main" w="9525">
                   <a:solidFill>
                     <a:srgbClr val="000000"/>
@@ -19992,14 +20159,14 @@
               <a:noFill/>
             </a:ln>
             <a:extLst>
-              <a:ext uri="{909E8E84-426E-40DD-AFC4-6F175D3DCCD1}">
+              <a:ext uri="{909E8E84-426E-40dd-AFC4-6F175D3DCCD1}">
                 <a14:hiddenFill xmlns:a14="http://schemas.microsoft.com/office/drawing/2010/main">
                   <a:solidFill>
                     <a:srgbClr val="FFFFFF"/>
                   </a:solidFill>
                 </a14:hiddenFill>
               </a:ext>
-              <a:ext uri="{91240B29-F687-4F45-9708-019B960494DF}">
+              <a:ext uri="{91240B29-F687-4f45-9708-019B960494DF}">
                 <a14:hiddenLine xmlns:a14="http://schemas.microsoft.com/office/drawing/2010/main" w="9525">
                   <a:solidFill>
                     <a:srgbClr val="000000"/>
@@ -20222,14 +20389,14 @@
               <a:noFill/>
             </a:ln>
             <a:extLst>
-              <a:ext uri="{909E8E84-426E-40DD-AFC4-6F175D3DCCD1}">
+              <a:ext uri="{909E8E84-426E-40dd-AFC4-6F175D3DCCD1}">
                 <a14:hiddenFill xmlns:a14="http://schemas.microsoft.com/office/drawing/2010/main">
                   <a:solidFill>
                     <a:srgbClr val="FFFFFF"/>
                   </a:solidFill>
                 </a14:hiddenFill>
               </a:ext>
-              <a:ext uri="{91240B29-F687-4F45-9708-019B960494DF}">
+              <a:ext uri="{91240B29-F687-4f45-9708-019B960494DF}">
                 <a14:hiddenLine xmlns:a14="http://schemas.microsoft.com/office/drawing/2010/main" w="9525">
                   <a:solidFill>
                     <a:srgbClr val="000000"/>
@@ -20452,14 +20619,14 @@
               <a:noFill/>
             </a:ln>
             <a:extLst>
-              <a:ext uri="{909E8E84-426E-40DD-AFC4-6F175D3DCCD1}">
+              <a:ext uri="{909E8E84-426E-40dd-AFC4-6F175D3DCCD1}">
                 <a14:hiddenFill xmlns:a14="http://schemas.microsoft.com/office/drawing/2010/main">
                   <a:solidFill>
                     <a:srgbClr val="FFFFFF"/>
                   </a:solidFill>
                 </a14:hiddenFill>
               </a:ext>
-              <a:ext uri="{91240B29-F687-4F45-9708-019B960494DF}">
+              <a:ext uri="{91240B29-F687-4f45-9708-019B960494DF}">
                 <a14:hiddenLine xmlns:a14="http://schemas.microsoft.com/office/drawing/2010/main" w="9525">
                   <a:solidFill>
                     <a:srgbClr val="000000"/>
@@ -20682,14 +20849,14 @@
               <a:noFill/>
             </a:ln>
             <a:extLst>
-              <a:ext uri="{909E8E84-426E-40DD-AFC4-6F175D3DCCD1}">
+              <a:ext uri="{909E8E84-426E-40dd-AFC4-6F175D3DCCD1}">
                 <a14:hiddenFill xmlns:a14="http://schemas.microsoft.com/office/drawing/2010/main">
                   <a:solidFill>
                     <a:srgbClr val="FFFFFF"/>
                   </a:solidFill>
                 </a14:hiddenFill>
               </a:ext>
-              <a:ext uri="{91240B29-F687-4F45-9708-019B960494DF}">
+              <a:ext uri="{91240B29-F687-4f45-9708-019B960494DF}">
                 <a14:hiddenLine xmlns:a14="http://schemas.microsoft.com/office/drawing/2010/main" w="9525">
                   <a:solidFill>
                     <a:srgbClr val="000000"/>
@@ -20912,14 +21079,14 @@
               <a:noFill/>
             </a:ln>
             <a:extLst>
-              <a:ext uri="{909E8E84-426E-40DD-AFC4-6F175D3DCCD1}">
+              <a:ext uri="{909E8E84-426E-40dd-AFC4-6F175D3DCCD1}">
                 <a14:hiddenFill xmlns:a14="http://schemas.microsoft.com/office/drawing/2010/main">
                   <a:solidFill>
                     <a:srgbClr val="FFFFFF"/>
                   </a:solidFill>
                 </a14:hiddenFill>
               </a:ext>
-              <a:ext uri="{91240B29-F687-4F45-9708-019B960494DF}">
+              <a:ext uri="{91240B29-F687-4f45-9708-019B960494DF}">
                 <a14:hiddenLine xmlns:a14="http://schemas.microsoft.com/office/drawing/2010/main" w="9525">
                   <a:solidFill>
                     <a:srgbClr val="000000"/>
@@ -21097,7 +21264,7 @@
             </a:outerShdw>
           </a:effectLst>
           <a:extLst>
-            <a:ext uri="{909E8E84-426E-40DD-AFC4-6F175D3DCCD1}">
+            <a:ext uri="{909E8E84-426E-40dd-AFC4-6F175D3DCCD1}">
               <a14:hiddenFill xmlns:a14="http://schemas.microsoft.com/office/drawing/2010/main">
                 <a:noFill/>
               </a14:hiddenFill>
@@ -21139,7 +21306,7 @@
             </a:outerShdw>
           </a:effectLst>
           <a:extLst>
-            <a:ext uri="{909E8E84-426E-40DD-AFC4-6F175D3DCCD1}">
+            <a:ext uri="{909E8E84-426E-40dd-AFC4-6F175D3DCCD1}">
               <a14:hiddenFill xmlns:a14="http://schemas.microsoft.com/office/drawing/2010/main">
                 <a:noFill/>
               </a14:hiddenFill>
@@ -21180,7 +21347,7 @@
             </a:outerShdw>
           </a:effectLst>
           <a:extLst>
-            <a:ext uri="{909E8E84-426E-40DD-AFC4-6F175D3DCCD1}">
+            <a:ext uri="{909E8E84-426E-40dd-AFC4-6F175D3DCCD1}">
               <a14:hiddenFill xmlns:a14="http://schemas.microsoft.com/office/drawing/2010/main">
                 <a:noFill/>
               </a14:hiddenFill>
@@ -21222,7 +21389,7 @@
             </a:outerShdw>
           </a:effectLst>
           <a:extLst>
-            <a:ext uri="{909E8E84-426E-40DD-AFC4-6F175D3DCCD1}">
+            <a:ext uri="{909E8E84-426E-40dd-AFC4-6F175D3DCCD1}">
               <a14:hiddenFill xmlns:a14="http://schemas.microsoft.com/office/drawing/2010/main">
                 <a:noFill/>
               </a14:hiddenFill>
@@ -21264,7 +21431,7 @@
             </a:outerShdw>
           </a:effectLst>
           <a:extLst>
-            <a:ext uri="{909E8E84-426E-40DD-AFC4-6F175D3DCCD1}">
+            <a:ext uri="{909E8E84-426E-40dd-AFC4-6F175D3DCCD1}">
               <a14:hiddenFill xmlns:a14="http://schemas.microsoft.com/office/drawing/2010/main">
                 <a:noFill/>
               </a14:hiddenFill>
@@ -21305,7 +21472,7 @@
             </a:outerShdw>
           </a:effectLst>
           <a:extLst>
-            <a:ext uri="{909E8E84-426E-40DD-AFC4-6F175D3DCCD1}">
+            <a:ext uri="{909E8E84-426E-40dd-AFC4-6F175D3DCCD1}">
               <a14:hiddenFill xmlns:a14="http://schemas.microsoft.com/office/drawing/2010/main">
                 <a:noFill/>
               </a14:hiddenFill>
@@ -21346,7 +21513,7 @@
             </a:outerShdw>
           </a:effectLst>
           <a:extLst>
-            <a:ext uri="{909E8E84-426E-40DD-AFC4-6F175D3DCCD1}">
+            <a:ext uri="{909E8E84-426E-40dd-AFC4-6F175D3DCCD1}">
               <a14:hiddenFill xmlns:a14="http://schemas.microsoft.com/office/drawing/2010/main">
                 <a:noFill/>
               </a14:hiddenFill>
@@ -21389,7 +21556,7 @@
             </a:outerShdw>
           </a:effectLst>
           <a:extLst>
-            <a:ext uri="{909E8E84-426E-40DD-AFC4-6F175D3DCCD1}">
+            <a:ext uri="{909E8E84-426E-40dd-AFC4-6F175D3DCCD1}">
               <a14:hiddenFill xmlns:a14="http://schemas.microsoft.com/office/drawing/2010/main">
                 <a:noFill/>
               </a14:hiddenFill>
@@ -21432,7 +21599,7 @@
             </a:outerShdw>
           </a:effectLst>
           <a:extLst>
-            <a:ext uri="{909E8E84-426E-40DD-AFC4-6F175D3DCCD1}">
+            <a:ext uri="{909E8E84-426E-40dd-AFC4-6F175D3DCCD1}">
               <a14:hiddenFill xmlns:a14="http://schemas.microsoft.com/office/drawing/2010/main">
                 <a:noFill/>
               </a14:hiddenFill>
@@ -21495,7 +21662,7 @@
   <p:timing>
     <p:tnLst>
       <p:par>
-        <p:cTn id="1" dur="indefinite" restart="never" nodeType="tmRoot">
+        <p:cTn xmlns:p14="http://schemas.microsoft.com/office/powerpoint/2010/main" id="1" dur="indefinite" restart="never" nodeType="tmRoot">
           <p:childTnLst>
             <p:seq concurrent="1" nextAc="seek">
               <p:cTn id="2" dur="indefinite" nodeType="mainSeq">
@@ -22690,14 +22857,14 @@
               <a:noFill/>
             </a:ln>
             <a:extLst>
-              <a:ext uri="{909E8E84-426E-40DD-AFC4-6F175D3DCCD1}">
+              <a:ext uri="{909E8E84-426E-40dd-AFC4-6F175D3DCCD1}">
                 <a14:hiddenFill xmlns:a14="http://schemas.microsoft.com/office/drawing/2010/main">
                   <a:solidFill>
                     <a:srgbClr val="FFFFFF"/>
                   </a:solidFill>
                 </a14:hiddenFill>
               </a:ext>
-              <a:ext uri="{91240B29-F687-4F45-9708-019B960494DF}">
+              <a:ext uri="{91240B29-F687-4f45-9708-019B960494DF}">
                 <a14:hiddenLine xmlns:a14="http://schemas.microsoft.com/office/drawing/2010/main" w="9525">
                   <a:solidFill>
                     <a:srgbClr val="000000"/>
@@ -22920,14 +23087,14 @@
               <a:noFill/>
             </a:ln>
             <a:extLst>
-              <a:ext uri="{909E8E84-426E-40DD-AFC4-6F175D3DCCD1}">
+              <a:ext uri="{909E8E84-426E-40dd-AFC4-6F175D3DCCD1}">
                 <a14:hiddenFill xmlns:a14="http://schemas.microsoft.com/office/drawing/2010/main">
                   <a:solidFill>
                     <a:srgbClr val="FFFFFF"/>
                   </a:solidFill>
                 </a14:hiddenFill>
               </a:ext>
-              <a:ext uri="{91240B29-F687-4F45-9708-019B960494DF}">
+              <a:ext uri="{91240B29-F687-4f45-9708-019B960494DF}">
                 <a14:hiddenLine xmlns:a14="http://schemas.microsoft.com/office/drawing/2010/main" w="9525">
                   <a:solidFill>
                     <a:srgbClr val="000000"/>
@@ -23092,14 +23259,14 @@
             <a:noFill/>
           </a:ln>
           <a:extLst>
-            <a:ext uri="{909E8E84-426E-40DD-AFC4-6F175D3DCCD1}">
+            <a:ext uri="{909E8E84-426E-40dd-AFC4-6F175D3DCCD1}">
               <a14:hiddenFill xmlns:a14="http://schemas.microsoft.com/office/drawing/2010/main">
                 <a:solidFill>
                   <a:srgbClr val="FFFFFF"/>
                 </a:solidFill>
               </a14:hiddenFill>
             </a:ext>
-            <a:ext uri="{91240B29-F687-4F45-9708-019B960494DF}">
+            <a:ext uri="{91240B29-F687-4f45-9708-019B960494DF}">
               <a14:hiddenLine xmlns:a14="http://schemas.microsoft.com/office/drawing/2010/main" w="9525">
                 <a:solidFill>
                   <a:srgbClr val="000000"/>
@@ -23264,14 +23431,14 @@
             <a:noFill/>
           </a:ln>
           <a:extLst>
-            <a:ext uri="{909E8E84-426E-40DD-AFC4-6F175D3DCCD1}">
+            <a:ext uri="{909E8E84-426E-40dd-AFC4-6F175D3DCCD1}">
               <a14:hiddenFill xmlns:a14="http://schemas.microsoft.com/office/drawing/2010/main">
                 <a:solidFill>
                   <a:srgbClr val="FFFFFF"/>
                 </a:solidFill>
               </a14:hiddenFill>
             </a:ext>
-            <a:ext uri="{91240B29-F687-4F45-9708-019B960494DF}">
+            <a:ext uri="{91240B29-F687-4f45-9708-019B960494DF}">
               <a14:hiddenLine xmlns:a14="http://schemas.microsoft.com/office/drawing/2010/main" w="9525">
                 <a:solidFill>
                   <a:srgbClr val="000000"/>
@@ -23457,7 +23624,7 @@
             <a:noFill/>
           </a:ln>
           <a:extLst>
-            <a:ext uri="{91240B29-F687-4F45-9708-019B960494DF}">
+            <a:ext uri="{91240B29-F687-4f45-9708-019B960494DF}">
               <a14:hiddenLine xmlns:a14="http://schemas.microsoft.com/office/drawing/2010/main" w="9525">
                 <a:solidFill>
                   <a:srgbClr val="000000"/>
@@ -23500,14 +23667,14 @@
             <a:noFill/>
           </a:ln>
           <a:extLst>
-            <a:ext uri="{909E8E84-426E-40DD-AFC4-6F175D3DCCD1}">
+            <a:ext uri="{909E8E84-426E-40dd-AFC4-6F175D3DCCD1}">
               <a14:hiddenFill xmlns:a14="http://schemas.microsoft.com/office/drawing/2010/main">
                 <a:solidFill>
                   <a:srgbClr val="FFFFFF"/>
                 </a:solidFill>
               </a14:hiddenFill>
             </a:ext>
-            <a:ext uri="{91240B29-F687-4F45-9708-019B960494DF}">
+            <a:ext uri="{91240B29-F687-4f45-9708-019B960494DF}">
               <a14:hiddenLine xmlns:a14="http://schemas.microsoft.com/office/drawing/2010/main" w="9525">
                 <a:solidFill>
                   <a:srgbClr val="000000"/>
@@ -23686,14 +23853,14 @@
               <a:noFill/>
             </a:ln>
             <a:extLst>
-              <a:ext uri="{909E8E84-426E-40DD-AFC4-6F175D3DCCD1}">
+              <a:ext uri="{909E8E84-426E-40dd-AFC4-6F175D3DCCD1}">
                 <a14:hiddenFill xmlns:a14="http://schemas.microsoft.com/office/drawing/2010/main">
                   <a:solidFill>
                     <a:srgbClr val="FFFFFF"/>
                   </a:solidFill>
                 </a14:hiddenFill>
               </a:ext>
-              <a:ext uri="{91240B29-F687-4F45-9708-019B960494DF}">
+              <a:ext uri="{91240B29-F687-4f45-9708-019B960494DF}">
                 <a14:hiddenLine xmlns:a14="http://schemas.microsoft.com/office/drawing/2010/main" w="9525">
                   <a:solidFill>
                     <a:srgbClr val="000000"/>
@@ -23916,14 +24083,14 @@
               <a:noFill/>
             </a:ln>
             <a:extLst>
-              <a:ext uri="{909E8E84-426E-40DD-AFC4-6F175D3DCCD1}">
+              <a:ext uri="{909E8E84-426E-40dd-AFC4-6F175D3DCCD1}">
                 <a14:hiddenFill xmlns:a14="http://schemas.microsoft.com/office/drawing/2010/main">
                   <a:solidFill>
                     <a:srgbClr val="FFFFFF"/>
                   </a:solidFill>
                 </a14:hiddenFill>
               </a:ext>
-              <a:ext uri="{91240B29-F687-4F45-9708-019B960494DF}">
+              <a:ext uri="{91240B29-F687-4f45-9708-019B960494DF}">
                 <a14:hiddenLine xmlns:a14="http://schemas.microsoft.com/office/drawing/2010/main" w="9525">
                   <a:solidFill>
                     <a:srgbClr val="000000"/>
@@ -24146,14 +24313,14 @@
               <a:noFill/>
             </a:ln>
             <a:extLst>
-              <a:ext uri="{909E8E84-426E-40DD-AFC4-6F175D3DCCD1}">
+              <a:ext uri="{909E8E84-426E-40dd-AFC4-6F175D3DCCD1}">
                 <a14:hiddenFill xmlns:a14="http://schemas.microsoft.com/office/drawing/2010/main">
                   <a:solidFill>
                     <a:srgbClr val="FFFFFF"/>
                   </a:solidFill>
                 </a14:hiddenFill>
               </a:ext>
-              <a:ext uri="{91240B29-F687-4F45-9708-019B960494DF}">
+              <a:ext uri="{91240B29-F687-4f45-9708-019B960494DF}">
                 <a14:hiddenLine xmlns:a14="http://schemas.microsoft.com/office/drawing/2010/main" w="9525">
                   <a:solidFill>
                     <a:srgbClr val="000000"/>
@@ -24376,14 +24543,14 @@
               <a:noFill/>
             </a:ln>
             <a:extLst>
-              <a:ext uri="{909E8E84-426E-40DD-AFC4-6F175D3DCCD1}">
+              <a:ext uri="{909E8E84-426E-40dd-AFC4-6F175D3DCCD1}">
                 <a14:hiddenFill xmlns:a14="http://schemas.microsoft.com/office/drawing/2010/main">
                   <a:solidFill>
                     <a:srgbClr val="FFFFFF"/>
                   </a:solidFill>
                 </a14:hiddenFill>
               </a:ext>
-              <a:ext uri="{91240B29-F687-4F45-9708-019B960494DF}">
+              <a:ext uri="{91240B29-F687-4f45-9708-019B960494DF}">
                 <a14:hiddenLine xmlns:a14="http://schemas.microsoft.com/office/drawing/2010/main" w="9525">
                   <a:solidFill>
                     <a:srgbClr val="000000"/>
@@ -24606,14 +24773,14 @@
               <a:noFill/>
             </a:ln>
             <a:extLst>
-              <a:ext uri="{909E8E84-426E-40DD-AFC4-6F175D3DCCD1}">
+              <a:ext uri="{909E8E84-426E-40dd-AFC4-6F175D3DCCD1}">
                 <a14:hiddenFill xmlns:a14="http://schemas.microsoft.com/office/drawing/2010/main">
                   <a:solidFill>
                     <a:srgbClr val="FFFFFF"/>
                   </a:solidFill>
                 </a14:hiddenFill>
               </a:ext>
-              <a:ext uri="{91240B29-F687-4F45-9708-019B960494DF}">
+              <a:ext uri="{91240B29-F687-4f45-9708-019B960494DF}">
                 <a14:hiddenLine xmlns:a14="http://schemas.microsoft.com/office/drawing/2010/main" w="9525">
                   <a:solidFill>
                     <a:srgbClr val="000000"/>
@@ -24836,14 +25003,14 @@
               <a:noFill/>
             </a:ln>
             <a:extLst>
-              <a:ext uri="{909E8E84-426E-40DD-AFC4-6F175D3DCCD1}">
+              <a:ext uri="{909E8E84-426E-40dd-AFC4-6F175D3DCCD1}">
                 <a14:hiddenFill xmlns:a14="http://schemas.microsoft.com/office/drawing/2010/main">
                   <a:solidFill>
                     <a:srgbClr val="FFFFFF"/>
                   </a:solidFill>
                 </a14:hiddenFill>
               </a:ext>
-              <a:ext uri="{91240B29-F687-4F45-9708-019B960494DF}">
+              <a:ext uri="{91240B29-F687-4f45-9708-019B960494DF}">
                 <a14:hiddenLine xmlns:a14="http://schemas.microsoft.com/office/drawing/2010/main" w="9525">
                   <a:solidFill>
                     <a:srgbClr val="000000"/>
@@ -25066,14 +25233,14 @@
               <a:noFill/>
             </a:ln>
             <a:extLst>
-              <a:ext uri="{909E8E84-426E-40DD-AFC4-6F175D3DCCD1}">
+              <a:ext uri="{909E8E84-426E-40dd-AFC4-6F175D3DCCD1}">
                 <a14:hiddenFill xmlns:a14="http://schemas.microsoft.com/office/drawing/2010/main">
                   <a:solidFill>
                     <a:srgbClr val="FFFFFF"/>
                   </a:solidFill>
                 </a14:hiddenFill>
               </a:ext>
-              <a:ext uri="{91240B29-F687-4F45-9708-019B960494DF}">
+              <a:ext uri="{91240B29-F687-4f45-9708-019B960494DF}">
                 <a14:hiddenLine xmlns:a14="http://schemas.microsoft.com/office/drawing/2010/main" w="9525">
                   <a:solidFill>
                     <a:srgbClr val="000000"/>
@@ -25296,14 +25463,14 @@
               <a:noFill/>
             </a:ln>
             <a:extLst>
-              <a:ext uri="{909E8E84-426E-40DD-AFC4-6F175D3DCCD1}">
+              <a:ext uri="{909E8E84-426E-40dd-AFC4-6F175D3DCCD1}">
                 <a14:hiddenFill xmlns:a14="http://schemas.microsoft.com/office/drawing/2010/main">
                   <a:solidFill>
                     <a:srgbClr val="FFFFFF"/>
                   </a:solidFill>
                 </a14:hiddenFill>
               </a:ext>
-              <a:ext uri="{91240B29-F687-4F45-9708-019B960494DF}">
+              <a:ext uri="{91240B29-F687-4f45-9708-019B960494DF}">
                 <a14:hiddenLine xmlns:a14="http://schemas.microsoft.com/office/drawing/2010/main" w="9525">
                   <a:solidFill>
                     <a:srgbClr val="000000"/>
@@ -25526,14 +25693,14 @@
               <a:noFill/>
             </a:ln>
             <a:extLst>
-              <a:ext uri="{909E8E84-426E-40DD-AFC4-6F175D3DCCD1}">
+              <a:ext uri="{909E8E84-426E-40dd-AFC4-6F175D3DCCD1}">
                 <a14:hiddenFill xmlns:a14="http://schemas.microsoft.com/office/drawing/2010/main">
                   <a:solidFill>
                     <a:srgbClr val="FFFFFF"/>
                   </a:solidFill>
                 </a14:hiddenFill>
               </a:ext>
-              <a:ext uri="{91240B29-F687-4F45-9708-019B960494DF}">
+              <a:ext uri="{91240B29-F687-4f45-9708-019B960494DF}">
                 <a14:hiddenLine xmlns:a14="http://schemas.microsoft.com/office/drawing/2010/main" w="9525">
                   <a:solidFill>
                     <a:srgbClr val="000000"/>
@@ -25711,7 +25878,7 @@
             </a:outerShdw>
           </a:effectLst>
           <a:extLst>
-            <a:ext uri="{909E8E84-426E-40DD-AFC4-6F175D3DCCD1}">
+            <a:ext uri="{909E8E84-426E-40dd-AFC4-6F175D3DCCD1}">
               <a14:hiddenFill xmlns:a14="http://schemas.microsoft.com/office/drawing/2010/main">
                 <a:noFill/>
               </a14:hiddenFill>
@@ -25753,7 +25920,7 @@
             </a:outerShdw>
           </a:effectLst>
           <a:extLst>
-            <a:ext uri="{909E8E84-426E-40DD-AFC4-6F175D3DCCD1}">
+            <a:ext uri="{909E8E84-426E-40dd-AFC4-6F175D3DCCD1}">
               <a14:hiddenFill xmlns:a14="http://schemas.microsoft.com/office/drawing/2010/main">
                 <a:noFill/>
               </a14:hiddenFill>
@@ -25794,7 +25961,7 @@
             </a:outerShdw>
           </a:effectLst>
           <a:extLst>
-            <a:ext uri="{909E8E84-426E-40DD-AFC4-6F175D3DCCD1}">
+            <a:ext uri="{909E8E84-426E-40dd-AFC4-6F175D3DCCD1}">
               <a14:hiddenFill xmlns:a14="http://schemas.microsoft.com/office/drawing/2010/main">
                 <a:noFill/>
               </a14:hiddenFill>
@@ -25836,7 +26003,7 @@
             </a:outerShdw>
           </a:effectLst>
           <a:extLst>
-            <a:ext uri="{909E8E84-426E-40DD-AFC4-6F175D3DCCD1}">
+            <a:ext uri="{909E8E84-426E-40dd-AFC4-6F175D3DCCD1}">
               <a14:hiddenFill xmlns:a14="http://schemas.microsoft.com/office/drawing/2010/main">
                 <a:noFill/>
               </a14:hiddenFill>
@@ -25878,7 +26045,7 @@
             </a:outerShdw>
           </a:effectLst>
           <a:extLst>
-            <a:ext uri="{909E8E84-426E-40DD-AFC4-6F175D3DCCD1}">
+            <a:ext uri="{909E8E84-426E-40dd-AFC4-6F175D3DCCD1}">
               <a14:hiddenFill xmlns:a14="http://schemas.microsoft.com/office/drawing/2010/main">
                 <a:noFill/>
               </a14:hiddenFill>
@@ -25919,7 +26086,7 @@
             </a:outerShdw>
           </a:effectLst>
           <a:extLst>
-            <a:ext uri="{909E8E84-426E-40DD-AFC4-6F175D3DCCD1}">
+            <a:ext uri="{909E8E84-426E-40dd-AFC4-6F175D3DCCD1}">
               <a14:hiddenFill xmlns:a14="http://schemas.microsoft.com/office/drawing/2010/main">
                 <a:noFill/>
               </a14:hiddenFill>
@@ -25960,7 +26127,7 @@
             </a:outerShdw>
           </a:effectLst>
           <a:extLst>
-            <a:ext uri="{909E8E84-426E-40DD-AFC4-6F175D3DCCD1}">
+            <a:ext uri="{909E8E84-426E-40dd-AFC4-6F175D3DCCD1}">
               <a14:hiddenFill xmlns:a14="http://schemas.microsoft.com/office/drawing/2010/main">
                 <a:noFill/>
               </a14:hiddenFill>
@@ -26003,7 +26170,7 @@
             </a:outerShdw>
           </a:effectLst>
           <a:extLst>
-            <a:ext uri="{909E8E84-426E-40DD-AFC4-6F175D3DCCD1}">
+            <a:ext uri="{909E8E84-426E-40dd-AFC4-6F175D3DCCD1}">
               <a14:hiddenFill xmlns:a14="http://schemas.microsoft.com/office/drawing/2010/main">
                 <a:noFill/>
               </a14:hiddenFill>
@@ -26046,7 +26213,7 @@
             </a:outerShdw>
           </a:effectLst>
           <a:extLst>
-            <a:ext uri="{909E8E84-426E-40DD-AFC4-6F175D3DCCD1}">
+            <a:ext uri="{909E8E84-426E-40dd-AFC4-6F175D3DCCD1}">
               <a14:hiddenFill xmlns:a14="http://schemas.microsoft.com/office/drawing/2010/main">
                 <a:noFill/>
               </a14:hiddenFill>
@@ -26114,14 +26281,14 @@
             <a:noFill/>
           </a:ln>
           <a:extLst>
-            <a:ext uri="{909E8E84-426E-40DD-AFC4-6F175D3DCCD1}">
+            <a:ext uri="{909E8E84-426E-40dd-AFC4-6F175D3DCCD1}">
               <a14:hiddenFill xmlns:a14="http://schemas.microsoft.com/office/drawing/2010/main">
                 <a:solidFill>
                   <a:srgbClr val="FFFFFF"/>
                 </a:solidFill>
               </a14:hiddenFill>
             </a:ext>
-            <a:ext uri="{91240B29-F687-4F45-9708-019B960494DF}">
+            <a:ext uri="{91240B29-F687-4f45-9708-019B960494DF}">
               <a14:hiddenLine xmlns:a14="http://schemas.microsoft.com/office/drawing/2010/main" w="9525">
                 <a:solidFill>
                   <a:srgbClr val="000000"/>
@@ -26365,14 +26532,14 @@
               <a:noFill/>
             </a:ln>
             <a:extLst>
-              <a:ext uri="{909E8E84-426E-40DD-AFC4-6F175D3DCCD1}">
+              <a:ext uri="{909E8E84-426E-40dd-AFC4-6F175D3DCCD1}">
                 <a14:hiddenFill xmlns:a14="http://schemas.microsoft.com/office/drawing/2010/main">
                   <a:solidFill>
                     <a:srgbClr val="FFFFFF"/>
                   </a:solidFill>
                 </a14:hiddenFill>
               </a:ext>
-              <a:ext uri="{91240B29-F687-4F45-9708-019B960494DF}">
+              <a:ext uri="{91240B29-F687-4f45-9708-019B960494DF}">
                 <a14:hiddenLine xmlns:a14="http://schemas.microsoft.com/office/drawing/2010/main" w="9525">
                   <a:solidFill>
                     <a:srgbClr val="000000"/>
@@ -26406,14 +26573,14 @@
               <a:noFill/>
             </a:ln>
             <a:extLst>
-              <a:ext uri="{909E8E84-426E-40DD-AFC4-6F175D3DCCD1}">
+              <a:ext uri="{909E8E84-426E-40dd-AFC4-6F175D3DCCD1}">
                 <a14:hiddenFill xmlns:a14="http://schemas.microsoft.com/office/drawing/2010/main">
                   <a:solidFill>
                     <a:srgbClr val="FFFFFF"/>
                   </a:solidFill>
                 </a14:hiddenFill>
               </a:ext>
-              <a:ext uri="{91240B29-F687-4F45-9708-019B960494DF}">
+              <a:ext uri="{91240B29-F687-4f45-9708-019B960494DF}">
                 <a14:hiddenLine xmlns:a14="http://schemas.microsoft.com/office/drawing/2010/main" w="9525">
                   <a:solidFill>
                     <a:srgbClr val="000000"/>
@@ -26608,14 +26775,14 @@
               <a:noFill/>
             </a:ln>
             <a:extLst>
-              <a:ext uri="{909E8E84-426E-40DD-AFC4-6F175D3DCCD1}">
+              <a:ext uri="{909E8E84-426E-40dd-AFC4-6F175D3DCCD1}">
                 <a14:hiddenFill xmlns:a14="http://schemas.microsoft.com/office/drawing/2010/main">
                   <a:solidFill>
                     <a:srgbClr val="FFFFFF"/>
                   </a:solidFill>
                 </a14:hiddenFill>
               </a:ext>
-              <a:ext uri="{91240B29-F687-4F45-9708-019B960494DF}">
+              <a:ext uri="{91240B29-F687-4f45-9708-019B960494DF}">
                 <a14:hiddenLine xmlns:a14="http://schemas.microsoft.com/office/drawing/2010/main" w="9525">
                   <a:solidFill>
                     <a:srgbClr val="000000"/>
@@ -26649,14 +26816,14 @@
               <a:noFill/>
             </a:ln>
             <a:extLst>
-              <a:ext uri="{909E8E84-426E-40DD-AFC4-6F175D3DCCD1}">
+              <a:ext uri="{909E8E84-426E-40dd-AFC4-6F175D3DCCD1}">
                 <a14:hiddenFill xmlns:a14="http://schemas.microsoft.com/office/drawing/2010/main">
                   <a:solidFill>
                     <a:srgbClr val="FFFFFF"/>
                   </a:solidFill>
                 </a14:hiddenFill>
               </a:ext>
-              <a:ext uri="{91240B29-F687-4F45-9708-019B960494DF}">
+              <a:ext uri="{91240B29-F687-4f45-9708-019B960494DF}">
                 <a14:hiddenLine xmlns:a14="http://schemas.microsoft.com/office/drawing/2010/main" w="9525">
                   <a:solidFill>
                     <a:srgbClr val="000000"/>
@@ -26851,14 +27018,14 @@
               <a:noFill/>
             </a:ln>
             <a:extLst>
-              <a:ext uri="{909E8E84-426E-40DD-AFC4-6F175D3DCCD1}">
+              <a:ext uri="{909E8E84-426E-40dd-AFC4-6F175D3DCCD1}">
                 <a14:hiddenFill xmlns:a14="http://schemas.microsoft.com/office/drawing/2010/main">
                   <a:solidFill>
                     <a:srgbClr val="FFFFFF"/>
                   </a:solidFill>
                 </a14:hiddenFill>
               </a:ext>
-              <a:ext uri="{91240B29-F687-4F45-9708-019B960494DF}">
+              <a:ext uri="{91240B29-F687-4f45-9708-019B960494DF}">
                 <a14:hiddenLine xmlns:a14="http://schemas.microsoft.com/office/drawing/2010/main" w="9525">
                   <a:solidFill>
                     <a:srgbClr val="000000"/>
@@ -26892,14 +27059,14 @@
               <a:noFill/>
             </a:ln>
             <a:extLst>
-              <a:ext uri="{909E8E84-426E-40DD-AFC4-6F175D3DCCD1}">
+              <a:ext uri="{909E8E84-426E-40dd-AFC4-6F175D3DCCD1}">
                 <a14:hiddenFill xmlns:a14="http://schemas.microsoft.com/office/drawing/2010/main">
                   <a:solidFill>
                     <a:srgbClr val="FFFFFF"/>
                   </a:solidFill>
                 </a14:hiddenFill>
               </a:ext>
-              <a:ext uri="{91240B29-F687-4F45-9708-019B960494DF}">
+              <a:ext uri="{91240B29-F687-4f45-9708-019B960494DF}">
                 <a14:hiddenLine xmlns:a14="http://schemas.microsoft.com/office/drawing/2010/main" w="9525">
                   <a:solidFill>
                     <a:srgbClr val="000000"/>
@@ -27065,14 +27232,14 @@
             <a:noFill/>
           </a:ln>
           <a:extLst>
-            <a:ext uri="{909E8E84-426E-40DD-AFC4-6F175D3DCCD1}">
+            <a:ext uri="{909E8E84-426E-40dd-AFC4-6F175D3DCCD1}">
               <a14:hiddenFill xmlns:a14="http://schemas.microsoft.com/office/drawing/2010/main">
                 <a:solidFill>
                   <a:srgbClr val="FFFFFF"/>
                 </a:solidFill>
               </a14:hiddenFill>
             </a:ext>
-            <a:ext uri="{91240B29-F687-4F45-9708-019B960494DF}">
+            <a:ext uri="{91240B29-F687-4f45-9708-019B960494DF}">
               <a14:hiddenLine xmlns:a14="http://schemas.microsoft.com/office/drawing/2010/main" w="9525">
                 <a:solidFill>
                   <a:srgbClr val="000000"/>
@@ -27237,14 +27404,14 @@
             <a:noFill/>
           </a:ln>
           <a:extLst>
-            <a:ext uri="{909E8E84-426E-40DD-AFC4-6F175D3DCCD1}">
+            <a:ext uri="{909E8E84-426E-40dd-AFC4-6F175D3DCCD1}">
               <a14:hiddenFill xmlns:a14="http://schemas.microsoft.com/office/drawing/2010/main">
                 <a:solidFill>
                   <a:srgbClr val="FFFFFF"/>
                 </a:solidFill>
               </a14:hiddenFill>
             </a:ext>
-            <a:ext uri="{91240B29-F687-4F45-9708-019B960494DF}">
+            <a:ext uri="{91240B29-F687-4f45-9708-019B960494DF}">
               <a14:hiddenLine xmlns:a14="http://schemas.microsoft.com/office/drawing/2010/main" w="9525">
                 <a:solidFill>
                   <a:srgbClr val="000000"/>
@@ -27401,7 +27568,7 @@
   <p:timing>
     <p:tnLst>
       <p:par>
-        <p:cTn id="1" dur="indefinite" restart="never" nodeType="tmRoot">
+        <p:cTn xmlns:p14="http://schemas.microsoft.com/office/powerpoint/2010/main" id="1" dur="indefinite" restart="never" nodeType="tmRoot">
           <p:childTnLst>
             <p:seq concurrent="1" nextAc="seek">
               <p:cTn id="2" dur="indefinite" nodeType="mainSeq">
@@ -28408,14 +28575,14 @@
           </a:ln>
           <a:effectLst/>
           <a:extLst>
-            <a:ext uri="{909E8E84-426E-40DD-AFC4-6F175D3DCCD1}">
+            <a:ext uri="{909E8E84-426E-40dd-AFC4-6F175D3DCCD1}">
               <a14:hiddenFill xmlns:a14="http://schemas.microsoft.com/office/drawing/2010/main">
                 <a:solidFill>
                   <a:srgbClr val="FFFFFF"/>
                 </a:solidFill>
               </a14:hiddenFill>
             </a:ext>
-            <a:ext uri="{91240B29-F687-4F45-9708-019B960494DF}">
+            <a:ext uri="{91240B29-F687-4f45-9708-019B960494DF}">
               <a14:hiddenLine xmlns:a14="http://schemas.microsoft.com/office/drawing/2010/main" w="9525">
                 <a:solidFill>
                   <a:srgbClr val="000000"/>
@@ -28425,7 +28592,7 @@
                 <a:tailEnd/>
               </a14:hiddenLine>
             </a:ext>
-            <a:ext uri="{AF507438-7753-43E0-B8FC-AC1667EBCBE1}">
+            <a:ext uri="{AF507438-7753-43e0-B8FC-AC1667EBCBE1}">
               <a14:hiddenEffects xmlns:a14="http://schemas.microsoft.com/office/drawing/2010/main">
                 <a:effectLst>
                   <a:outerShdw dist="35921" dir="2700000" algn="ctr" rotWithShape="0">
@@ -28510,14 +28677,14 @@
             <a:noFill/>
           </a:ln>
           <a:extLst>
-            <a:ext uri="{909E8E84-426E-40DD-AFC4-6F175D3DCCD1}">
+            <a:ext uri="{909E8E84-426E-40dd-AFC4-6F175D3DCCD1}">
               <a14:hiddenFill xmlns:a14="http://schemas.microsoft.com/office/drawing/2010/main">
                 <a:solidFill>
                   <a:srgbClr val="FFFFFF"/>
                 </a:solidFill>
               </a14:hiddenFill>
             </a:ext>
-            <a:ext uri="{91240B29-F687-4F45-9708-019B960494DF}">
+            <a:ext uri="{91240B29-F687-4f45-9708-019B960494DF}">
               <a14:hiddenLine xmlns:a14="http://schemas.microsoft.com/office/drawing/2010/main" w="9525">
                 <a:solidFill>
                   <a:srgbClr val="000000"/>
@@ -28682,14 +28849,14 @@
             <a:noFill/>
           </a:ln>
           <a:extLst>
-            <a:ext uri="{909E8E84-426E-40DD-AFC4-6F175D3DCCD1}">
+            <a:ext uri="{909E8E84-426E-40dd-AFC4-6F175D3DCCD1}">
               <a14:hiddenFill xmlns:a14="http://schemas.microsoft.com/office/drawing/2010/main">
                 <a:solidFill>
                   <a:srgbClr val="FFFFFF"/>
                 </a:solidFill>
               </a14:hiddenFill>
             </a:ext>
-            <a:ext uri="{91240B29-F687-4F45-9708-019B960494DF}">
+            <a:ext uri="{91240B29-F687-4f45-9708-019B960494DF}">
               <a14:hiddenLine xmlns:a14="http://schemas.microsoft.com/office/drawing/2010/main" w="9525">
                 <a:solidFill>
                   <a:srgbClr val="000000"/>
@@ -28875,7 +29042,7 @@
             <a:noFill/>
           </a:ln>
           <a:extLst>
-            <a:ext uri="{91240B29-F687-4F45-9708-019B960494DF}">
+            <a:ext uri="{91240B29-F687-4f45-9708-019B960494DF}">
               <a14:hiddenLine xmlns:a14="http://schemas.microsoft.com/office/drawing/2010/main" w="9525">
                 <a:solidFill>
                   <a:srgbClr val="000000"/>
@@ -28918,14 +29085,14 @@
             <a:noFill/>
           </a:ln>
           <a:extLst>
-            <a:ext uri="{909E8E84-426E-40DD-AFC4-6F175D3DCCD1}">
+            <a:ext uri="{909E8E84-426E-40dd-AFC4-6F175D3DCCD1}">
               <a14:hiddenFill xmlns:a14="http://schemas.microsoft.com/office/drawing/2010/main">
                 <a:solidFill>
                   <a:srgbClr val="FFFFFF"/>
                 </a:solidFill>
               </a14:hiddenFill>
             </a:ext>
-            <a:ext uri="{91240B29-F687-4F45-9708-019B960494DF}">
+            <a:ext uri="{91240B29-F687-4f45-9708-019B960494DF}">
               <a14:hiddenLine xmlns:a14="http://schemas.microsoft.com/office/drawing/2010/main" w="9525">
                 <a:solidFill>
                   <a:srgbClr val="000000"/>
@@ -29104,14 +29271,14 @@
               <a:noFill/>
             </a:ln>
             <a:extLst>
-              <a:ext uri="{909E8E84-426E-40DD-AFC4-6F175D3DCCD1}">
+              <a:ext uri="{909E8E84-426E-40dd-AFC4-6F175D3DCCD1}">
                 <a14:hiddenFill xmlns:a14="http://schemas.microsoft.com/office/drawing/2010/main">
                   <a:solidFill>
                     <a:srgbClr val="FFFFFF"/>
                   </a:solidFill>
                 </a14:hiddenFill>
               </a:ext>
-              <a:ext uri="{91240B29-F687-4F45-9708-019B960494DF}">
+              <a:ext uri="{91240B29-F687-4f45-9708-019B960494DF}">
                 <a14:hiddenLine xmlns:a14="http://schemas.microsoft.com/office/drawing/2010/main" w="9525">
                   <a:solidFill>
                     <a:srgbClr val="000000"/>
@@ -29334,14 +29501,14 @@
               <a:noFill/>
             </a:ln>
             <a:extLst>
-              <a:ext uri="{909E8E84-426E-40DD-AFC4-6F175D3DCCD1}">
+              <a:ext uri="{909E8E84-426E-40dd-AFC4-6F175D3DCCD1}">
                 <a14:hiddenFill xmlns:a14="http://schemas.microsoft.com/office/drawing/2010/main">
                   <a:solidFill>
                     <a:srgbClr val="FFFFFF"/>
                   </a:solidFill>
                 </a14:hiddenFill>
               </a:ext>
-              <a:ext uri="{91240B29-F687-4F45-9708-019B960494DF}">
+              <a:ext uri="{91240B29-F687-4f45-9708-019B960494DF}">
                 <a14:hiddenLine xmlns:a14="http://schemas.microsoft.com/office/drawing/2010/main" w="9525">
                   <a:solidFill>
                     <a:srgbClr val="000000"/>
@@ -29564,14 +29731,14 @@
               <a:noFill/>
             </a:ln>
             <a:extLst>
-              <a:ext uri="{909E8E84-426E-40DD-AFC4-6F175D3DCCD1}">
+              <a:ext uri="{909E8E84-426E-40dd-AFC4-6F175D3DCCD1}">
                 <a14:hiddenFill xmlns:a14="http://schemas.microsoft.com/office/drawing/2010/main">
                   <a:solidFill>
                     <a:srgbClr val="FFFFFF"/>
                   </a:solidFill>
                 </a14:hiddenFill>
               </a:ext>
-              <a:ext uri="{91240B29-F687-4F45-9708-019B960494DF}">
+              <a:ext uri="{91240B29-F687-4f45-9708-019B960494DF}">
                 <a14:hiddenLine xmlns:a14="http://schemas.microsoft.com/office/drawing/2010/main" w="9525">
                   <a:solidFill>
                     <a:srgbClr val="000000"/>
@@ -29794,14 +29961,14 @@
               <a:noFill/>
             </a:ln>
             <a:extLst>
-              <a:ext uri="{909E8E84-426E-40DD-AFC4-6F175D3DCCD1}">
+              <a:ext uri="{909E8E84-426E-40dd-AFC4-6F175D3DCCD1}">
                 <a14:hiddenFill xmlns:a14="http://schemas.microsoft.com/office/drawing/2010/main">
                   <a:solidFill>
                     <a:srgbClr val="FFFFFF"/>
                   </a:solidFill>
                 </a14:hiddenFill>
               </a:ext>
-              <a:ext uri="{91240B29-F687-4F45-9708-019B960494DF}">
+              <a:ext uri="{91240B29-F687-4f45-9708-019B960494DF}">
                 <a14:hiddenLine xmlns:a14="http://schemas.microsoft.com/office/drawing/2010/main" w="9525">
                   <a:solidFill>
                     <a:srgbClr val="000000"/>
@@ -30024,14 +30191,14 @@
               <a:noFill/>
             </a:ln>
             <a:extLst>
-              <a:ext uri="{909E8E84-426E-40DD-AFC4-6F175D3DCCD1}">
+              <a:ext uri="{909E8E84-426E-40dd-AFC4-6F175D3DCCD1}">
                 <a14:hiddenFill xmlns:a14="http://schemas.microsoft.com/office/drawing/2010/main">
                   <a:solidFill>
                     <a:srgbClr val="FFFFFF"/>
                   </a:solidFill>
                 </a14:hiddenFill>
               </a:ext>
-              <a:ext uri="{91240B29-F687-4F45-9708-019B960494DF}">
+              <a:ext uri="{91240B29-F687-4f45-9708-019B960494DF}">
                 <a14:hiddenLine xmlns:a14="http://schemas.microsoft.com/office/drawing/2010/main" w="9525">
                   <a:solidFill>
                     <a:srgbClr val="000000"/>
@@ -30254,14 +30421,14 @@
               <a:noFill/>
             </a:ln>
             <a:extLst>
-              <a:ext uri="{909E8E84-426E-40DD-AFC4-6F175D3DCCD1}">
+              <a:ext uri="{909E8E84-426E-40dd-AFC4-6F175D3DCCD1}">
                 <a14:hiddenFill xmlns:a14="http://schemas.microsoft.com/office/drawing/2010/main">
                   <a:solidFill>
                     <a:srgbClr val="FFFFFF"/>
                   </a:solidFill>
                 </a14:hiddenFill>
               </a:ext>
-              <a:ext uri="{91240B29-F687-4F45-9708-019B960494DF}">
+              <a:ext uri="{91240B29-F687-4f45-9708-019B960494DF}">
                 <a14:hiddenLine xmlns:a14="http://schemas.microsoft.com/office/drawing/2010/main" w="9525">
                   <a:solidFill>
                     <a:srgbClr val="000000"/>
@@ -30484,14 +30651,14 @@
               <a:noFill/>
             </a:ln>
             <a:extLst>
-              <a:ext uri="{909E8E84-426E-40DD-AFC4-6F175D3DCCD1}">
+              <a:ext uri="{909E8E84-426E-40dd-AFC4-6F175D3DCCD1}">
                 <a14:hiddenFill xmlns:a14="http://schemas.microsoft.com/office/drawing/2010/main">
                   <a:solidFill>
                     <a:srgbClr val="FFFFFF"/>
                   </a:solidFill>
                 </a14:hiddenFill>
               </a:ext>
-              <a:ext uri="{91240B29-F687-4F45-9708-019B960494DF}">
+              <a:ext uri="{91240B29-F687-4f45-9708-019B960494DF}">
                 <a14:hiddenLine xmlns:a14="http://schemas.microsoft.com/office/drawing/2010/main" w="9525">
                   <a:solidFill>
                     <a:srgbClr val="000000"/>
@@ -30714,14 +30881,14 @@
               <a:noFill/>
             </a:ln>
             <a:extLst>
-              <a:ext uri="{909E8E84-426E-40DD-AFC4-6F175D3DCCD1}">
+              <a:ext uri="{909E8E84-426E-40dd-AFC4-6F175D3DCCD1}">
                 <a14:hiddenFill xmlns:a14="http://schemas.microsoft.com/office/drawing/2010/main">
                   <a:solidFill>
                     <a:srgbClr val="FFFFFF"/>
                   </a:solidFill>
                 </a14:hiddenFill>
               </a:ext>
-              <a:ext uri="{91240B29-F687-4F45-9708-019B960494DF}">
+              <a:ext uri="{91240B29-F687-4f45-9708-019B960494DF}">
                 <a14:hiddenLine xmlns:a14="http://schemas.microsoft.com/office/drawing/2010/main" w="9525">
                   <a:solidFill>
                     <a:srgbClr val="000000"/>
@@ -30944,14 +31111,14 @@
               <a:noFill/>
             </a:ln>
             <a:extLst>
-              <a:ext uri="{909E8E84-426E-40DD-AFC4-6F175D3DCCD1}">
+              <a:ext uri="{909E8E84-426E-40dd-AFC4-6F175D3DCCD1}">
                 <a14:hiddenFill xmlns:a14="http://schemas.microsoft.com/office/drawing/2010/main">
                   <a:solidFill>
                     <a:srgbClr val="FFFFFF"/>
                   </a:solidFill>
                 </a14:hiddenFill>
               </a:ext>
-              <a:ext uri="{91240B29-F687-4F45-9708-019B960494DF}">
+              <a:ext uri="{91240B29-F687-4f45-9708-019B960494DF}">
                 <a14:hiddenLine xmlns:a14="http://schemas.microsoft.com/office/drawing/2010/main" w="9525">
                   <a:solidFill>
                     <a:srgbClr val="000000"/>
@@ -31129,7 +31296,7 @@
             </a:outerShdw>
           </a:effectLst>
           <a:extLst>
-            <a:ext uri="{909E8E84-426E-40DD-AFC4-6F175D3DCCD1}">
+            <a:ext uri="{909E8E84-426E-40dd-AFC4-6F175D3DCCD1}">
               <a14:hiddenFill xmlns:a14="http://schemas.microsoft.com/office/drawing/2010/main">
                 <a:noFill/>
               </a14:hiddenFill>
@@ -31171,7 +31338,7 @@
             </a:outerShdw>
           </a:effectLst>
           <a:extLst>
-            <a:ext uri="{909E8E84-426E-40DD-AFC4-6F175D3DCCD1}">
+            <a:ext uri="{909E8E84-426E-40dd-AFC4-6F175D3DCCD1}">
               <a14:hiddenFill xmlns:a14="http://schemas.microsoft.com/office/drawing/2010/main">
                 <a:noFill/>
               </a14:hiddenFill>
@@ -31212,7 +31379,7 @@
             </a:outerShdw>
           </a:effectLst>
           <a:extLst>
-            <a:ext uri="{909E8E84-426E-40DD-AFC4-6F175D3DCCD1}">
+            <a:ext uri="{909E8E84-426E-40dd-AFC4-6F175D3DCCD1}">
               <a14:hiddenFill xmlns:a14="http://schemas.microsoft.com/office/drawing/2010/main">
                 <a:noFill/>
               </a14:hiddenFill>
@@ -31254,7 +31421,7 @@
             </a:outerShdw>
           </a:effectLst>
           <a:extLst>
-            <a:ext uri="{909E8E84-426E-40DD-AFC4-6F175D3DCCD1}">
+            <a:ext uri="{909E8E84-426E-40dd-AFC4-6F175D3DCCD1}">
               <a14:hiddenFill xmlns:a14="http://schemas.microsoft.com/office/drawing/2010/main">
                 <a:noFill/>
               </a14:hiddenFill>
@@ -31296,7 +31463,7 @@
             </a:outerShdw>
           </a:effectLst>
           <a:extLst>
-            <a:ext uri="{909E8E84-426E-40DD-AFC4-6F175D3DCCD1}">
+            <a:ext uri="{909E8E84-426E-40dd-AFC4-6F175D3DCCD1}">
               <a14:hiddenFill xmlns:a14="http://schemas.microsoft.com/office/drawing/2010/main">
                 <a:noFill/>
               </a14:hiddenFill>
@@ -31337,7 +31504,7 @@
             </a:outerShdw>
           </a:effectLst>
           <a:extLst>
-            <a:ext uri="{909E8E84-426E-40DD-AFC4-6F175D3DCCD1}">
+            <a:ext uri="{909E8E84-426E-40dd-AFC4-6F175D3DCCD1}">
               <a14:hiddenFill xmlns:a14="http://schemas.microsoft.com/office/drawing/2010/main">
                 <a:noFill/>
               </a14:hiddenFill>
@@ -31378,7 +31545,7 @@
             </a:outerShdw>
           </a:effectLst>
           <a:extLst>
-            <a:ext uri="{909E8E84-426E-40DD-AFC4-6F175D3DCCD1}">
+            <a:ext uri="{909E8E84-426E-40dd-AFC4-6F175D3DCCD1}">
               <a14:hiddenFill xmlns:a14="http://schemas.microsoft.com/office/drawing/2010/main">
                 <a:noFill/>
               </a14:hiddenFill>
@@ -31421,7 +31588,7 @@
             </a:outerShdw>
           </a:effectLst>
           <a:extLst>
-            <a:ext uri="{909E8E84-426E-40DD-AFC4-6F175D3DCCD1}">
+            <a:ext uri="{909E8E84-426E-40dd-AFC4-6F175D3DCCD1}">
               <a14:hiddenFill xmlns:a14="http://schemas.microsoft.com/office/drawing/2010/main">
                 <a:noFill/>
               </a14:hiddenFill>
@@ -31464,7 +31631,7 @@
             </a:outerShdw>
           </a:effectLst>
           <a:extLst>
-            <a:ext uri="{909E8E84-426E-40DD-AFC4-6F175D3DCCD1}">
+            <a:ext uri="{909E8E84-426E-40dd-AFC4-6F175D3DCCD1}">
               <a14:hiddenFill xmlns:a14="http://schemas.microsoft.com/office/drawing/2010/main">
                 <a:noFill/>
               </a14:hiddenFill>
@@ -31493,14 +31660,14 @@
             <a:noFill/>
           </a:ln>
           <a:extLst>
-            <a:ext uri="{909E8E84-426E-40DD-AFC4-6F175D3DCCD1}">
+            <a:ext uri="{909E8E84-426E-40dd-AFC4-6F175D3DCCD1}">
               <a14:hiddenFill xmlns:a14="http://schemas.microsoft.com/office/drawing/2010/main">
                 <a:solidFill>
                   <a:srgbClr val="FFFFFF"/>
                 </a:solidFill>
               </a14:hiddenFill>
             </a:ext>
-            <a:ext uri="{91240B29-F687-4F45-9708-019B960494DF}">
+            <a:ext uri="{91240B29-F687-4f45-9708-019B960494DF}">
               <a14:hiddenLine xmlns:a14="http://schemas.microsoft.com/office/drawing/2010/main" w="9525">
                 <a:solidFill>
                   <a:srgbClr val="000000"/>
@@ -31702,14 +31869,14 @@
               <a:noFill/>
             </a:ln>
             <a:extLst>
-              <a:ext uri="{909E8E84-426E-40DD-AFC4-6F175D3DCCD1}">
+              <a:ext uri="{909E8E84-426E-40dd-AFC4-6F175D3DCCD1}">
                 <a14:hiddenFill xmlns:a14="http://schemas.microsoft.com/office/drawing/2010/main">
                   <a:solidFill>
                     <a:srgbClr val="FFFFFF"/>
                   </a:solidFill>
                 </a14:hiddenFill>
               </a:ext>
-              <a:ext uri="{91240B29-F687-4F45-9708-019B960494DF}">
+              <a:ext uri="{91240B29-F687-4f45-9708-019B960494DF}">
                 <a14:hiddenLine xmlns:a14="http://schemas.microsoft.com/office/drawing/2010/main" w="9525">
                   <a:solidFill>
                     <a:srgbClr val="000000"/>
@@ -31743,14 +31910,14 @@
               <a:noFill/>
             </a:ln>
             <a:extLst>
-              <a:ext uri="{909E8E84-426E-40DD-AFC4-6F175D3DCCD1}">
+              <a:ext uri="{909E8E84-426E-40dd-AFC4-6F175D3DCCD1}">
                 <a14:hiddenFill xmlns:a14="http://schemas.microsoft.com/office/drawing/2010/main">
                   <a:solidFill>
                     <a:srgbClr val="FFFFFF"/>
                   </a:solidFill>
                 </a14:hiddenFill>
               </a:ext>
-              <a:ext uri="{91240B29-F687-4F45-9708-019B960494DF}">
+              <a:ext uri="{91240B29-F687-4f45-9708-019B960494DF}">
                 <a14:hiddenLine xmlns:a14="http://schemas.microsoft.com/office/drawing/2010/main" w="9525">
                   <a:solidFill>
                     <a:srgbClr val="000000"/>
@@ -31917,14 +32084,14 @@
           </a:ln>
           <a:effectLst/>
           <a:extLst>
-            <a:ext uri="{909E8E84-426E-40DD-AFC4-6F175D3DCCD1}">
+            <a:ext uri="{909E8E84-426E-40dd-AFC4-6F175D3DCCD1}">
               <a14:hiddenFill xmlns:a14="http://schemas.microsoft.com/office/drawing/2010/main">
                 <a:solidFill>
                   <a:srgbClr val="FFFFFF"/>
                 </a:solidFill>
               </a14:hiddenFill>
             </a:ext>
-            <a:ext uri="{91240B29-F687-4F45-9708-019B960494DF}">
+            <a:ext uri="{91240B29-F687-4f45-9708-019B960494DF}">
               <a14:hiddenLine xmlns:a14="http://schemas.microsoft.com/office/drawing/2010/main" w="9525">
                 <a:solidFill>
                   <a:srgbClr val="000000"/>
@@ -31934,7 +32101,7 @@
                 <a:tailEnd/>
               </a14:hiddenLine>
             </a:ext>
-            <a:ext uri="{AF507438-7753-43E0-B8FC-AC1667EBCBE1}">
+            <a:ext uri="{AF507438-7753-43e0-B8FC-AC1667EBCBE1}">
               <a14:hiddenEffects xmlns:a14="http://schemas.microsoft.com/office/drawing/2010/main">
                 <a:effectLst>
                   <a:outerShdw dist="35921" dir="2700000" algn="ctr" rotWithShape="0">
@@ -31983,7 +32150,7 @@
   <p:timing>
     <p:tnLst>
       <p:par>
-        <p:cTn id="1" dur="indefinite" restart="never" nodeType="tmRoot">
+        <p:cTn xmlns:p14="http://schemas.microsoft.com/office/powerpoint/2010/main" id="1" dur="indefinite" restart="never" nodeType="tmRoot">
           <p:childTnLst>
             <p:seq concurrent="1" nextAc="seek">
               <p:cTn id="2" dur="indefinite" nodeType="mainSeq">
@@ -32541,14 +32708,14 @@
             <a:noFill/>
           </a:ln>
           <a:extLst>
-            <a:ext uri="{909E8E84-426E-40DD-AFC4-6F175D3DCCD1}">
+            <a:ext uri="{909E8E84-426E-40dd-AFC4-6F175D3DCCD1}">
               <a14:hiddenFill xmlns:a14="http://schemas.microsoft.com/office/drawing/2010/main">
                 <a:solidFill>
                   <a:srgbClr val="FFFFFF"/>
                 </a:solidFill>
               </a14:hiddenFill>
             </a:ext>
-            <a:ext uri="{91240B29-F687-4F45-9708-019B960494DF}">
+            <a:ext uri="{91240B29-F687-4f45-9708-019B960494DF}">
               <a14:hiddenLine xmlns:a14="http://schemas.microsoft.com/office/drawing/2010/main" w="9525">
                 <a:solidFill>
                   <a:srgbClr val="000000"/>
@@ -32713,14 +32880,14 @@
             <a:noFill/>
           </a:ln>
           <a:extLst>
-            <a:ext uri="{909E8E84-426E-40DD-AFC4-6F175D3DCCD1}">
+            <a:ext uri="{909E8E84-426E-40dd-AFC4-6F175D3DCCD1}">
               <a14:hiddenFill xmlns:a14="http://schemas.microsoft.com/office/drawing/2010/main">
                 <a:solidFill>
                   <a:srgbClr val="FFFFFF"/>
                 </a:solidFill>
               </a14:hiddenFill>
             </a:ext>
-            <a:ext uri="{91240B29-F687-4F45-9708-019B960494DF}">
+            <a:ext uri="{91240B29-F687-4f45-9708-019B960494DF}">
               <a14:hiddenLine xmlns:a14="http://schemas.microsoft.com/office/drawing/2010/main" w="9525">
                 <a:solidFill>
                   <a:srgbClr val="000000"/>
@@ -32906,7 +33073,7 @@
             <a:noFill/>
           </a:ln>
           <a:extLst>
-            <a:ext uri="{91240B29-F687-4F45-9708-019B960494DF}">
+            <a:ext uri="{91240B29-F687-4f45-9708-019B960494DF}">
               <a14:hiddenLine xmlns:a14="http://schemas.microsoft.com/office/drawing/2010/main" w="9525">
                 <a:solidFill>
                   <a:srgbClr val="000000"/>
@@ -32949,14 +33116,14 @@
             <a:noFill/>
           </a:ln>
           <a:extLst>
-            <a:ext uri="{909E8E84-426E-40DD-AFC4-6F175D3DCCD1}">
+            <a:ext uri="{909E8E84-426E-40dd-AFC4-6F175D3DCCD1}">
               <a14:hiddenFill xmlns:a14="http://schemas.microsoft.com/office/drawing/2010/main">
                 <a:solidFill>
                   <a:srgbClr val="FFFFFF"/>
                 </a:solidFill>
               </a14:hiddenFill>
             </a:ext>
-            <a:ext uri="{91240B29-F687-4F45-9708-019B960494DF}">
+            <a:ext uri="{91240B29-F687-4f45-9708-019B960494DF}">
               <a14:hiddenLine xmlns:a14="http://schemas.microsoft.com/office/drawing/2010/main" w="9525">
                 <a:solidFill>
                   <a:srgbClr val="000000"/>
@@ -33387,6 +33554,34 @@
                 <a:latin typeface="Calibri" pitchFamily="34" charset="0"/>
               </a:rPr>
               <a:t>；</a:t>
+            </a:r>
+            <a:endParaRPr lang="en-US" altLang="zh-CN" sz="2000" b="0" dirty="0" smtClean="0">
+              <a:solidFill>
+                <a:schemeClr val="tx2"/>
+              </a:solidFill>
+              <a:latin typeface="Calibri" pitchFamily="34" charset="0"/>
+            </a:endParaRPr>
+          </a:p>
+          <a:p>
+            <a:pPr>
+              <a:spcBef>
+                <a:spcPts val="1200"/>
+              </a:spcBef>
+              <a:buClr>
+                <a:srgbClr val="C00000"/>
+              </a:buClr>
+              <a:buSzPct val="80000"/>
+              <a:buFont typeface="Wingdings" pitchFamily="2" charset="2"/>
+              <a:buChar char=""/>
+            </a:pPr>
+            <a:r>
+              <a:rPr lang="zh-CN" altLang="en-US" sz="2000" b="0" dirty="0" smtClean="0">
+                <a:solidFill>
+                  <a:schemeClr val="tx2"/>
+                </a:solidFill>
+                <a:latin typeface="Calibri" pitchFamily="34" charset="0"/>
+              </a:rPr>
+              <a:t>一键部署</a:t>
             </a:r>
             <a:endParaRPr lang="zh-CN" altLang="en-US" sz="2000" b="0" dirty="0">
               <a:solidFill>
@@ -33424,7 +33619,7 @@
   <p:timing>
     <p:tnLst>
       <p:par>
-        <p:cTn id="1" dur="indefinite" restart="never" nodeType="tmRoot">
+        <p:cTn xmlns:p14="http://schemas.microsoft.com/office/powerpoint/2010/main" id="1" dur="indefinite" restart="never" nodeType="tmRoot">
           <p:childTnLst>
             <p:seq concurrent="1" nextAc="seek">
               <p:cTn id="2" dur="indefinite" nodeType="mainSeq">
@@ -33597,14 +33792,14 @@
             <a:noFill/>
           </a:ln>
           <a:extLst>
-            <a:ext uri="{909E8E84-426E-40DD-AFC4-6F175D3DCCD1}">
+            <a:ext uri="{909E8E84-426E-40dd-AFC4-6F175D3DCCD1}">
               <a14:hiddenFill xmlns:a14="http://schemas.microsoft.com/office/drawing/2010/main">
                 <a:solidFill>
                   <a:srgbClr val="FFFFFF"/>
                 </a:solidFill>
               </a14:hiddenFill>
             </a:ext>
-            <a:ext uri="{91240B29-F687-4F45-9708-019B960494DF}">
+            <a:ext uri="{91240B29-F687-4f45-9708-019B960494DF}">
               <a14:hiddenLine xmlns:a14="http://schemas.microsoft.com/office/drawing/2010/main" w="9525">
                 <a:solidFill>
                   <a:srgbClr val="000000"/>
@@ -33769,14 +33964,14 @@
             <a:noFill/>
           </a:ln>
           <a:extLst>
-            <a:ext uri="{909E8E84-426E-40DD-AFC4-6F175D3DCCD1}">
+            <a:ext uri="{909E8E84-426E-40dd-AFC4-6F175D3DCCD1}">
               <a14:hiddenFill xmlns:a14="http://schemas.microsoft.com/office/drawing/2010/main">
                 <a:solidFill>
                   <a:srgbClr val="FFFFFF"/>
                 </a:solidFill>
               </a14:hiddenFill>
             </a:ext>
-            <a:ext uri="{91240B29-F687-4F45-9708-019B960494DF}">
+            <a:ext uri="{91240B29-F687-4f45-9708-019B960494DF}">
               <a14:hiddenLine xmlns:a14="http://schemas.microsoft.com/office/drawing/2010/main" w="9525">
                 <a:solidFill>
                   <a:srgbClr val="000000"/>
@@ -33962,7 +34157,7 @@
             <a:noFill/>
           </a:ln>
           <a:extLst>
-            <a:ext uri="{91240B29-F687-4F45-9708-019B960494DF}">
+            <a:ext uri="{91240B29-F687-4f45-9708-019B960494DF}">
               <a14:hiddenLine xmlns:a14="http://schemas.microsoft.com/office/drawing/2010/main" w="9525">
                 <a:solidFill>
                   <a:srgbClr val="000000"/>
@@ -34005,14 +34200,14 @@
             <a:noFill/>
           </a:ln>
           <a:extLst>
-            <a:ext uri="{909E8E84-426E-40DD-AFC4-6F175D3DCCD1}">
+            <a:ext uri="{909E8E84-426E-40dd-AFC4-6F175D3DCCD1}">
               <a14:hiddenFill xmlns:a14="http://schemas.microsoft.com/office/drawing/2010/main">
                 <a:solidFill>
                   <a:srgbClr val="FFFFFF"/>
                 </a:solidFill>
               </a14:hiddenFill>
             </a:ext>
-            <a:ext uri="{91240B29-F687-4F45-9708-019B960494DF}">
+            <a:ext uri="{91240B29-F687-4f45-9708-019B960494DF}">
               <a14:hiddenLine xmlns:a14="http://schemas.microsoft.com/office/drawing/2010/main" w="9525">
                 <a:solidFill>
                   <a:srgbClr val="000000"/>
@@ -34495,7 +34690,7 @@
   <p:timing>
     <p:tnLst>
       <p:par>
-        <p:cTn id="1" dur="indefinite" restart="never" nodeType="tmRoot">
+        <p:cTn xmlns:p14="http://schemas.microsoft.com/office/powerpoint/2010/main" id="1" dur="indefinite" restart="never" nodeType="tmRoot">
           <p:childTnLst>
             <p:seq concurrent="1" nextAc="seek">
               <p:cTn id="2" dur="indefinite" nodeType="mainSeq">
@@ -34622,14 +34817,14 @@
             <a:noFill/>
           </a:ln>
           <a:extLst>
-            <a:ext uri="{909E8E84-426E-40DD-AFC4-6F175D3DCCD1}">
+            <a:ext uri="{909E8E84-426E-40dd-AFC4-6F175D3DCCD1}">
               <a14:hiddenFill xmlns:a14="http://schemas.microsoft.com/office/drawing/2010/main">
                 <a:solidFill>
                   <a:srgbClr val="FFFFFF"/>
                 </a:solidFill>
               </a14:hiddenFill>
             </a:ext>
-            <a:ext uri="{91240B29-F687-4F45-9708-019B960494DF}">
+            <a:ext uri="{91240B29-F687-4f45-9708-019B960494DF}">
               <a14:hiddenLine xmlns:a14="http://schemas.microsoft.com/office/drawing/2010/main" w="9525">
                 <a:solidFill>
                   <a:srgbClr val="000000"/>
@@ -34786,7 +34981,7 @@
   <p:timing>
     <p:tnLst>
       <p:par>
-        <p:cTn id="1" dur="indefinite" restart="never" nodeType="tmRoot"/>
+        <p:cTn xmlns:p14="http://schemas.microsoft.com/office/powerpoint/2010/main" id="1" dur="indefinite" restart="never" nodeType="tmRoot"/>
       </p:par>
     </p:tnLst>
   </p:timing>
@@ -34831,14 +35026,14 @@
             <a:noFill/>
           </a:ln>
           <a:extLst>
-            <a:ext uri="{909E8E84-426E-40DD-AFC4-6F175D3DCCD1}">
+            <a:ext uri="{909E8E84-426E-40dd-AFC4-6F175D3DCCD1}">
               <a14:hiddenFill xmlns:a14="http://schemas.microsoft.com/office/drawing/2010/main">
                 <a:solidFill>
                   <a:srgbClr val="FFFFFF"/>
                 </a:solidFill>
               </a14:hiddenFill>
             </a:ext>
-            <a:ext uri="{91240B29-F687-4F45-9708-019B960494DF}">
+            <a:ext uri="{91240B29-F687-4f45-9708-019B960494DF}">
               <a14:hiddenLine xmlns:a14="http://schemas.microsoft.com/office/drawing/2010/main" w="9525">
                 <a:solidFill>
                   <a:srgbClr val="000000"/>
@@ -35625,14 +35820,14 @@
             <a:noFill/>
           </a:ln>
           <a:extLst>
-            <a:ext uri="{909E8E84-426E-40DD-AFC4-6F175D3DCCD1}">
+            <a:ext uri="{909E8E84-426E-40dd-AFC4-6F175D3DCCD1}">
               <a14:hiddenFill xmlns:a14="http://schemas.microsoft.com/office/drawing/2010/main">
                 <a:solidFill>
                   <a:srgbClr val="FFFFFF"/>
                 </a:solidFill>
               </a14:hiddenFill>
             </a:ext>
-            <a:ext uri="{91240B29-F687-4F45-9708-019B960494DF}">
+            <a:ext uri="{91240B29-F687-4f45-9708-019B960494DF}">
               <a14:hiddenLine xmlns:a14="http://schemas.microsoft.com/office/drawing/2010/main" w="9525">
                 <a:solidFill>
                   <a:srgbClr val="000000"/>
@@ -35692,14 +35887,14 @@
             <a:noFill/>
           </a:ln>
           <a:extLst>
-            <a:ext uri="{909E8E84-426E-40DD-AFC4-6F175D3DCCD1}">
+            <a:ext uri="{909E8E84-426E-40dd-AFC4-6F175D3DCCD1}">
               <a14:hiddenFill xmlns:a14="http://schemas.microsoft.com/office/drawing/2010/main">
                 <a:solidFill>
                   <a:srgbClr val="FFFFFF"/>
                 </a:solidFill>
               </a14:hiddenFill>
             </a:ext>
-            <a:ext uri="{91240B29-F687-4F45-9708-019B960494DF}">
+            <a:ext uri="{91240B29-F687-4f45-9708-019B960494DF}">
               <a14:hiddenLine xmlns:a14="http://schemas.microsoft.com/office/drawing/2010/main" w="9525">
                 <a:solidFill>
                   <a:srgbClr val="000000"/>
@@ -35759,14 +35954,14 @@
             <a:noFill/>
           </a:ln>
           <a:extLst>
-            <a:ext uri="{909E8E84-426E-40DD-AFC4-6F175D3DCCD1}">
+            <a:ext uri="{909E8E84-426E-40dd-AFC4-6F175D3DCCD1}">
               <a14:hiddenFill xmlns:a14="http://schemas.microsoft.com/office/drawing/2010/main">
                 <a:solidFill>
                   <a:srgbClr val="FFFFFF"/>
                 </a:solidFill>
               </a14:hiddenFill>
             </a:ext>
-            <a:ext uri="{91240B29-F687-4F45-9708-019B960494DF}">
+            <a:ext uri="{91240B29-F687-4f45-9708-019B960494DF}">
               <a14:hiddenLine xmlns:a14="http://schemas.microsoft.com/office/drawing/2010/main" w="9525">
                 <a:solidFill>
                   <a:srgbClr val="000000"/>
@@ -35826,14 +36021,14 @@
             <a:noFill/>
           </a:ln>
           <a:extLst>
-            <a:ext uri="{909E8E84-426E-40DD-AFC4-6F175D3DCCD1}">
+            <a:ext uri="{909E8E84-426E-40dd-AFC4-6F175D3DCCD1}">
               <a14:hiddenFill xmlns:a14="http://schemas.microsoft.com/office/drawing/2010/main">
                 <a:solidFill>
                   <a:srgbClr val="FFFFFF"/>
                 </a:solidFill>
               </a14:hiddenFill>
             </a:ext>
-            <a:ext uri="{91240B29-F687-4F45-9708-019B960494DF}">
+            <a:ext uri="{91240B29-F687-4f45-9708-019B960494DF}">
               <a14:hiddenLine xmlns:a14="http://schemas.microsoft.com/office/drawing/2010/main" w="9525">
                 <a:solidFill>
                   <a:srgbClr val="000000"/>
@@ -35877,11 +36072,11 @@
   <p:clrMapOvr>
     <a:masterClrMapping/>
   </p:clrMapOvr>
-  <p:transition spd="slow"/>
+  <p:transition xmlns:p14="http://schemas.microsoft.com/office/powerpoint/2010/main" spd="slow"/>
   <p:timing>
     <p:tnLst>
       <p:par>
-        <p:cTn id="1" dur="indefinite" restart="never" nodeType="tmRoot"/>
+        <p:cTn xmlns:p14="http://schemas.microsoft.com/office/powerpoint/2010/main" id="1" dur="indefinite" restart="never" nodeType="tmRoot"/>
       </p:par>
     </p:tnLst>
   </p:timing>
@@ -35926,14 +36121,14 @@
             <a:noFill/>
           </a:ln>
           <a:extLst>
-            <a:ext uri="{909E8E84-426E-40DD-AFC4-6F175D3DCCD1}">
+            <a:ext uri="{909E8E84-426E-40dd-AFC4-6F175D3DCCD1}">
               <a14:hiddenFill xmlns:a14="http://schemas.microsoft.com/office/drawing/2010/main">
                 <a:solidFill>
                   <a:srgbClr val="FFFFFF"/>
                 </a:solidFill>
               </a14:hiddenFill>
             </a:ext>
-            <a:ext uri="{91240B29-F687-4F45-9708-019B960494DF}">
+            <a:ext uri="{91240B29-F687-4f45-9708-019B960494DF}">
               <a14:hiddenLine xmlns:a14="http://schemas.microsoft.com/office/drawing/2010/main" w="9525">
                 <a:solidFill>
                   <a:srgbClr val="000000"/>
@@ -36724,14 +36919,14 @@
             <a:noFill/>
           </a:ln>
           <a:extLst>
-            <a:ext uri="{909E8E84-426E-40DD-AFC4-6F175D3DCCD1}">
+            <a:ext uri="{909E8E84-426E-40dd-AFC4-6F175D3DCCD1}">
               <a14:hiddenFill xmlns:a14="http://schemas.microsoft.com/office/drawing/2010/main">
                 <a:solidFill>
                   <a:srgbClr val="FFFFFF"/>
                 </a:solidFill>
               </a14:hiddenFill>
             </a:ext>
-            <a:ext uri="{91240B29-F687-4F45-9708-019B960494DF}">
+            <a:ext uri="{91240B29-F687-4f45-9708-019B960494DF}">
               <a14:hiddenLine xmlns:a14="http://schemas.microsoft.com/office/drawing/2010/main" w="9525">
                 <a:solidFill>
                   <a:srgbClr val="000000"/>
@@ -36791,14 +36986,14 @@
             <a:noFill/>
           </a:ln>
           <a:extLst>
-            <a:ext uri="{909E8E84-426E-40DD-AFC4-6F175D3DCCD1}">
+            <a:ext uri="{909E8E84-426E-40dd-AFC4-6F175D3DCCD1}">
               <a14:hiddenFill xmlns:a14="http://schemas.microsoft.com/office/drawing/2010/main">
                 <a:solidFill>
                   <a:srgbClr val="FFFFFF"/>
                 </a:solidFill>
               </a14:hiddenFill>
             </a:ext>
-            <a:ext uri="{91240B29-F687-4F45-9708-019B960494DF}">
+            <a:ext uri="{91240B29-F687-4f45-9708-019B960494DF}">
               <a14:hiddenLine xmlns:a14="http://schemas.microsoft.com/office/drawing/2010/main" w="9525">
                 <a:solidFill>
                   <a:srgbClr val="000000"/>
@@ -36858,14 +37053,14 @@
             <a:noFill/>
           </a:ln>
           <a:extLst>
-            <a:ext uri="{909E8E84-426E-40DD-AFC4-6F175D3DCCD1}">
+            <a:ext uri="{909E8E84-426E-40dd-AFC4-6F175D3DCCD1}">
               <a14:hiddenFill xmlns:a14="http://schemas.microsoft.com/office/drawing/2010/main">
                 <a:solidFill>
                   <a:srgbClr val="FFFFFF"/>
                 </a:solidFill>
               </a14:hiddenFill>
             </a:ext>
-            <a:ext uri="{91240B29-F687-4F45-9708-019B960494DF}">
+            <a:ext uri="{91240B29-F687-4f45-9708-019B960494DF}">
               <a14:hiddenLine xmlns:a14="http://schemas.microsoft.com/office/drawing/2010/main" w="9525">
                 <a:solidFill>
                   <a:srgbClr val="000000"/>
@@ -36925,14 +37120,14 @@
             <a:noFill/>
           </a:ln>
           <a:extLst>
-            <a:ext uri="{909E8E84-426E-40DD-AFC4-6F175D3DCCD1}">
+            <a:ext uri="{909E8E84-426E-40dd-AFC4-6F175D3DCCD1}">
               <a14:hiddenFill xmlns:a14="http://schemas.microsoft.com/office/drawing/2010/main">
                 <a:solidFill>
                   <a:srgbClr val="FFFFFF"/>
                 </a:solidFill>
               </a14:hiddenFill>
             </a:ext>
-            <a:ext uri="{91240B29-F687-4F45-9708-019B960494DF}">
+            <a:ext uri="{91240B29-F687-4f45-9708-019B960494DF}">
               <a14:hiddenLine xmlns:a14="http://schemas.microsoft.com/office/drawing/2010/main" w="9525">
                 <a:solidFill>
                   <a:srgbClr val="000000"/>
@@ -36976,11 +37171,11 @@
   <p:clrMapOvr>
     <a:masterClrMapping/>
   </p:clrMapOvr>
-  <p:transition spd="slow"/>
+  <p:transition xmlns:p14="http://schemas.microsoft.com/office/powerpoint/2010/main" spd="slow"/>
   <p:timing>
     <p:tnLst>
       <p:par>
-        <p:cTn id="1" dur="indefinite" restart="never" nodeType="tmRoot">
+        <p:cTn xmlns:p14="http://schemas.microsoft.com/office/powerpoint/2010/main" id="1" dur="indefinite" restart="never" nodeType="tmRoot">
           <p:childTnLst>
             <p:seq concurrent="1" nextAc="seek">
               <p:cTn id="2" dur="indefinite" nodeType="mainSeq">
@@ -37095,14 +37290,14 @@
             <a:noFill/>
           </a:ln>
           <a:extLst>
-            <a:ext uri="{909E8E84-426E-40DD-AFC4-6F175D3DCCD1}">
+            <a:ext uri="{909E8E84-426E-40dd-AFC4-6F175D3DCCD1}">
               <a14:hiddenFill xmlns:a14="http://schemas.microsoft.com/office/drawing/2010/main">
                 <a:solidFill>
                   <a:srgbClr val="FFFFFF"/>
                 </a:solidFill>
               </a14:hiddenFill>
             </a:ext>
-            <a:ext uri="{91240B29-F687-4F45-9708-019B960494DF}">
+            <a:ext uri="{91240B29-F687-4f45-9708-019B960494DF}">
               <a14:hiddenLine xmlns:a14="http://schemas.microsoft.com/office/drawing/2010/main" w="9525">
                 <a:solidFill>
                   <a:srgbClr val="000000"/>
@@ -37267,14 +37462,14 @@
             <a:noFill/>
           </a:ln>
           <a:extLst>
-            <a:ext uri="{909E8E84-426E-40DD-AFC4-6F175D3DCCD1}">
+            <a:ext uri="{909E8E84-426E-40dd-AFC4-6F175D3DCCD1}">
               <a14:hiddenFill xmlns:a14="http://schemas.microsoft.com/office/drawing/2010/main">
                 <a:solidFill>
                   <a:srgbClr val="FFFFFF"/>
                 </a:solidFill>
               </a14:hiddenFill>
             </a:ext>
-            <a:ext uri="{91240B29-F687-4F45-9708-019B960494DF}">
+            <a:ext uri="{91240B29-F687-4f45-9708-019B960494DF}">
               <a14:hiddenLine xmlns:a14="http://schemas.microsoft.com/office/drawing/2010/main" w="9525">
                 <a:solidFill>
                   <a:srgbClr val="000000"/>
@@ -37460,7 +37655,7 @@
             <a:noFill/>
           </a:ln>
           <a:extLst>
-            <a:ext uri="{91240B29-F687-4F45-9708-019B960494DF}">
+            <a:ext uri="{91240B29-F687-4f45-9708-019B960494DF}">
               <a14:hiddenLine xmlns:a14="http://schemas.microsoft.com/office/drawing/2010/main" w="9525">
                 <a:solidFill>
                   <a:srgbClr val="000000"/>
@@ -37678,7 +37873,7 @@
   <p:timing>
     <p:tnLst>
       <p:par>
-        <p:cTn id="1" dur="indefinite" restart="never" nodeType="tmRoot"/>
+        <p:cTn xmlns:p14="http://schemas.microsoft.com/office/powerpoint/2010/main" id="1" dur="indefinite" restart="never" nodeType="tmRoot"/>
       </p:par>
     </p:tnLst>
   </p:timing>
@@ -37723,14 +37918,14 @@
             <a:noFill/>
           </a:ln>
           <a:extLst>
-            <a:ext uri="{909E8E84-426E-40DD-AFC4-6F175D3DCCD1}">
+            <a:ext uri="{909E8E84-426E-40dd-AFC4-6F175D3DCCD1}">
               <a14:hiddenFill xmlns:a14="http://schemas.microsoft.com/office/drawing/2010/main">
                 <a:solidFill>
                   <a:srgbClr val="FFFFFF"/>
                 </a:solidFill>
               </a14:hiddenFill>
             </a:ext>
-            <a:ext uri="{91240B29-F687-4F45-9708-019B960494DF}">
+            <a:ext uri="{91240B29-F687-4f45-9708-019B960494DF}">
               <a14:hiddenLine xmlns:a14="http://schemas.microsoft.com/office/drawing/2010/main" w="9525">
                 <a:solidFill>
                   <a:srgbClr val="000000"/>
@@ -38521,14 +38716,14 @@
             <a:noFill/>
           </a:ln>
           <a:extLst>
-            <a:ext uri="{909E8E84-426E-40DD-AFC4-6F175D3DCCD1}">
+            <a:ext uri="{909E8E84-426E-40dd-AFC4-6F175D3DCCD1}">
               <a14:hiddenFill xmlns:a14="http://schemas.microsoft.com/office/drawing/2010/main">
                 <a:solidFill>
                   <a:srgbClr val="FFFFFF"/>
                 </a:solidFill>
               </a14:hiddenFill>
             </a:ext>
-            <a:ext uri="{91240B29-F687-4F45-9708-019B960494DF}">
+            <a:ext uri="{91240B29-F687-4f45-9708-019B960494DF}">
               <a14:hiddenLine xmlns:a14="http://schemas.microsoft.com/office/drawing/2010/main" w="9525">
                 <a:solidFill>
                   <a:srgbClr val="000000"/>
@@ -38588,14 +38783,14 @@
             <a:noFill/>
           </a:ln>
           <a:extLst>
-            <a:ext uri="{909E8E84-426E-40DD-AFC4-6F175D3DCCD1}">
+            <a:ext uri="{909E8E84-426E-40dd-AFC4-6F175D3DCCD1}">
               <a14:hiddenFill xmlns:a14="http://schemas.microsoft.com/office/drawing/2010/main">
                 <a:solidFill>
                   <a:srgbClr val="FFFFFF"/>
                 </a:solidFill>
               </a14:hiddenFill>
             </a:ext>
-            <a:ext uri="{91240B29-F687-4F45-9708-019B960494DF}">
+            <a:ext uri="{91240B29-F687-4f45-9708-019B960494DF}">
               <a14:hiddenLine xmlns:a14="http://schemas.microsoft.com/office/drawing/2010/main" w="9525">
                 <a:solidFill>
                   <a:srgbClr val="000000"/>
@@ -38655,14 +38850,14 @@
             <a:noFill/>
           </a:ln>
           <a:extLst>
-            <a:ext uri="{909E8E84-426E-40DD-AFC4-6F175D3DCCD1}">
+            <a:ext uri="{909E8E84-426E-40dd-AFC4-6F175D3DCCD1}">
               <a14:hiddenFill xmlns:a14="http://schemas.microsoft.com/office/drawing/2010/main">
                 <a:solidFill>
                   <a:srgbClr val="FFFFFF"/>
                 </a:solidFill>
               </a14:hiddenFill>
             </a:ext>
-            <a:ext uri="{91240B29-F687-4F45-9708-019B960494DF}">
+            <a:ext uri="{91240B29-F687-4f45-9708-019B960494DF}">
               <a14:hiddenLine xmlns:a14="http://schemas.microsoft.com/office/drawing/2010/main" w="9525">
                 <a:solidFill>
                   <a:srgbClr val="000000"/>
@@ -38722,14 +38917,14 @@
             <a:noFill/>
           </a:ln>
           <a:extLst>
-            <a:ext uri="{909E8E84-426E-40DD-AFC4-6F175D3DCCD1}">
+            <a:ext uri="{909E8E84-426E-40dd-AFC4-6F175D3DCCD1}">
               <a14:hiddenFill xmlns:a14="http://schemas.microsoft.com/office/drawing/2010/main">
                 <a:solidFill>
                   <a:srgbClr val="FFFFFF"/>
                 </a:solidFill>
               </a14:hiddenFill>
             </a:ext>
-            <a:ext uri="{91240B29-F687-4F45-9708-019B960494DF}">
+            <a:ext uri="{91240B29-F687-4f45-9708-019B960494DF}">
               <a14:hiddenLine xmlns:a14="http://schemas.microsoft.com/office/drawing/2010/main" w="9525">
                 <a:solidFill>
                   <a:srgbClr val="000000"/>
@@ -38773,11 +38968,11 @@
   <p:clrMapOvr>
     <a:masterClrMapping/>
   </p:clrMapOvr>
-  <p:transition spd="slow"/>
+  <p:transition xmlns:p14="http://schemas.microsoft.com/office/powerpoint/2010/main" spd="slow"/>
   <p:timing>
     <p:tnLst>
       <p:par>
-        <p:cTn id="1" dur="indefinite" restart="never" nodeType="tmRoot">
+        <p:cTn xmlns:p14="http://schemas.microsoft.com/office/powerpoint/2010/main" id="1" dur="indefinite" restart="never" nodeType="tmRoot">
           <p:childTnLst>
             <p:seq concurrent="1" nextAc="seek">
               <p:cTn id="2" dur="indefinite" nodeType="mainSeq">
@@ -38892,14 +39087,14 @@
             <a:noFill/>
           </a:ln>
           <a:extLst>
-            <a:ext uri="{909E8E84-426E-40DD-AFC4-6F175D3DCCD1}">
+            <a:ext uri="{909E8E84-426E-40dd-AFC4-6F175D3DCCD1}">
               <a14:hiddenFill xmlns:a14="http://schemas.microsoft.com/office/drawing/2010/main">
                 <a:solidFill>
                   <a:srgbClr val="FFFFFF"/>
                 </a:solidFill>
               </a14:hiddenFill>
             </a:ext>
-            <a:ext uri="{91240B29-F687-4F45-9708-019B960494DF}">
+            <a:ext uri="{91240B29-F687-4f45-9708-019B960494DF}">
               <a14:hiddenLine xmlns:a14="http://schemas.microsoft.com/office/drawing/2010/main" w="9525">
                 <a:solidFill>
                   <a:srgbClr val="000000"/>
@@ -39064,14 +39259,14 @@
             <a:noFill/>
           </a:ln>
           <a:extLst>
-            <a:ext uri="{909E8E84-426E-40DD-AFC4-6F175D3DCCD1}">
+            <a:ext uri="{909E8E84-426E-40dd-AFC4-6F175D3DCCD1}">
               <a14:hiddenFill xmlns:a14="http://schemas.microsoft.com/office/drawing/2010/main">
                 <a:solidFill>
                   <a:srgbClr val="FFFFFF"/>
                 </a:solidFill>
               </a14:hiddenFill>
             </a:ext>
-            <a:ext uri="{91240B29-F687-4F45-9708-019B960494DF}">
+            <a:ext uri="{91240B29-F687-4f45-9708-019B960494DF}">
               <a14:hiddenLine xmlns:a14="http://schemas.microsoft.com/office/drawing/2010/main" w="9525">
                 <a:solidFill>
                   <a:srgbClr val="000000"/>
@@ -39293,7 +39488,7 @@
               <a:noFill/>
             </a:ln>
             <a:extLst>
-              <a:ext uri="{91240B29-F687-4F45-9708-019B960494DF}">
+              <a:ext uri="{91240B29-F687-4f45-9708-019B960494DF}">
                 <a14:hiddenLine xmlns:a14="http://schemas.microsoft.com/office/drawing/2010/main" w="9525">
                   <a:solidFill>
                     <a:srgbClr val="000000"/>
@@ -39408,14 +39603,14 @@
               <a:noFill/>
             </a:ln>
             <a:extLst>
-              <a:ext uri="{909E8E84-426E-40DD-AFC4-6F175D3DCCD1}">
+              <a:ext uri="{909E8E84-426E-40dd-AFC4-6F175D3DCCD1}">
                 <a14:hiddenFill xmlns:a14="http://schemas.microsoft.com/office/drawing/2010/main">
                   <a:solidFill>
                     <a:srgbClr val="FFFFFF"/>
                   </a:solidFill>
                 </a14:hiddenFill>
               </a:ext>
-              <a:ext uri="{91240B29-F687-4F45-9708-019B960494DF}">
+              <a:ext uri="{91240B29-F687-4f45-9708-019B960494DF}">
                 <a14:hiddenLine xmlns:a14="http://schemas.microsoft.com/office/drawing/2010/main" w="9525">
                   <a:solidFill>
                     <a:srgbClr val="000000"/>
@@ -39462,14 +39657,14 @@
               <a:noFill/>
             </a:ln>
             <a:extLst>
-              <a:ext uri="{909E8E84-426E-40DD-AFC4-6F175D3DCCD1}">
+              <a:ext uri="{909E8E84-426E-40dd-AFC4-6F175D3DCCD1}">
                 <a14:hiddenFill xmlns:a14="http://schemas.microsoft.com/office/drawing/2010/main">
                   <a:solidFill>
                     <a:srgbClr val="FFFFFF"/>
                   </a:solidFill>
                 </a14:hiddenFill>
               </a:ext>
-              <a:ext uri="{91240B29-F687-4F45-9708-019B960494DF}">
+              <a:ext uri="{91240B29-F687-4f45-9708-019B960494DF}">
                 <a14:hiddenLine xmlns:a14="http://schemas.microsoft.com/office/drawing/2010/main" w="9525">
                   <a:solidFill>
                     <a:srgbClr val="000000"/>
@@ -39516,14 +39711,14 @@
               <a:noFill/>
             </a:ln>
             <a:extLst>
-              <a:ext uri="{909E8E84-426E-40DD-AFC4-6F175D3DCCD1}">
+              <a:ext uri="{909E8E84-426E-40dd-AFC4-6F175D3DCCD1}">
                 <a14:hiddenFill xmlns:a14="http://schemas.microsoft.com/office/drawing/2010/main">
                   <a:solidFill>
                     <a:srgbClr val="FFFFFF"/>
                   </a:solidFill>
                 </a14:hiddenFill>
               </a:ext>
-              <a:ext uri="{91240B29-F687-4F45-9708-019B960494DF}">
+              <a:ext uri="{91240B29-F687-4f45-9708-019B960494DF}">
                 <a14:hiddenLine xmlns:a14="http://schemas.microsoft.com/office/drawing/2010/main" w="9525">
                   <a:solidFill>
                     <a:srgbClr val="000000"/>
@@ -39570,14 +39765,14 @@
               <a:noFill/>
             </a:ln>
             <a:extLst>
-              <a:ext uri="{909E8E84-426E-40DD-AFC4-6F175D3DCCD1}">
+              <a:ext uri="{909E8E84-426E-40dd-AFC4-6F175D3DCCD1}">
                 <a14:hiddenFill xmlns:a14="http://schemas.microsoft.com/office/drawing/2010/main">
                   <a:solidFill>
                     <a:srgbClr val="FFFFFF"/>
                   </a:solidFill>
                 </a14:hiddenFill>
               </a:ext>
-              <a:ext uri="{91240B29-F687-4F45-9708-019B960494DF}">
+              <a:ext uri="{91240B29-F687-4f45-9708-019B960494DF}">
                 <a14:hiddenLine xmlns:a14="http://schemas.microsoft.com/office/drawing/2010/main" w="9525">
                   <a:solidFill>
                     <a:srgbClr val="000000"/>
@@ -39611,14 +39806,14 @@
               <a:noFill/>
             </a:ln>
             <a:extLst>
-              <a:ext uri="{909E8E84-426E-40DD-AFC4-6F175D3DCCD1}">
+              <a:ext uri="{909E8E84-426E-40dd-AFC4-6F175D3DCCD1}">
                 <a14:hiddenFill xmlns:a14="http://schemas.microsoft.com/office/drawing/2010/main">
                   <a:solidFill>
                     <a:srgbClr val="FFFFFF"/>
                   </a:solidFill>
                 </a14:hiddenFill>
               </a:ext>
-              <a:ext uri="{91240B29-F687-4F45-9708-019B960494DF}">
+              <a:ext uri="{91240B29-F687-4f45-9708-019B960494DF}">
                 <a14:hiddenLine xmlns:a14="http://schemas.microsoft.com/office/drawing/2010/main" w="9525">
                   <a:solidFill>
                     <a:srgbClr val="000000"/>
@@ -39950,7 +40145,7 @@
               </a:outerShdw>
             </a:effectLst>
             <a:extLst>
-              <a:ext uri="{909E8E84-426E-40DD-AFC4-6F175D3DCCD1}">
+              <a:ext uri="{909E8E84-426E-40dd-AFC4-6F175D3DCCD1}">
                 <a14:hiddenFill xmlns:a14="http://schemas.microsoft.com/office/drawing/2010/main">
                   <a:noFill/>
                 </a14:hiddenFill>
@@ -39993,7 +40188,7 @@
               </a:outerShdw>
             </a:effectLst>
             <a:extLst>
-              <a:ext uri="{909E8E84-426E-40DD-AFC4-6F175D3DCCD1}">
+              <a:ext uri="{909E8E84-426E-40dd-AFC4-6F175D3DCCD1}">
                 <a14:hiddenFill xmlns:a14="http://schemas.microsoft.com/office/drawing/2010/main">
                   <a:noFill/>
                 </a14:hiddenFill>
@@ -40022,14 +40217,14 @@
               <a:noFill/>
             </a:ln>
             <a:extLst>
-              <a:ext uri="{909E8E84-426E-40DD-AFC4-6F175D3DCCD1}">
+              <a:ext uri="{909E8E84-426E-40dd-AFC4-6F175D3DCCD1}">
                 <a14:hiddenFill xmlns:a14="http://schemas.microsoft.com/office/drawing/2010/main">
                   <a:solidFill>
                     <a:srgbClr val="FFFFFF"/>
                   </a:solidFill>
                 </a14:hiddenFill>
               </a:ext>
-              <a:ext uri="{91240B29-F687-4F45-9708-019B960494DF}">
+              <a:ext uri="{91240B29-F687-4f45-9708-019B960494DF}">
                 <a14:hiddenLine xmlns:a14="http://schemas.microsoft.com/office/drawing/2010/main" w="9525">
                   <a:solidFill>
                     <a:srgbClr val="000000"/>
@@ -40186,14 +40381,14 @@
               <a:noFill/>
             </a:ln>
             <a:extLst>
-              <a:ext uri="{909E8E84-426E-40DD-AFC4-6F175D3DCCD1}">
+              <a:ext uri="{909E8E84-426E-40dd-AFC4-6F175D3DCCD1}">
                 <a14:hiddenFill xmlns:a14="http://schemas.microsoft.com/office/drawing/2010/main">
                   <a:solidFill>
                     <a:srgbClr val="FFFFFF"/>
                   </a:solidFill>
                 </a14:hiddenFill>
               </a:ext>
-              <a:ext uri="{91240B29-F687-4F45-9708-019B960494DF}">
+              <a:ext uri="{91240B29-F687-4f45-9708-019B960494DF}">
                 <a14:hiddenLine xmlns:a14="http://schemas.microsoft.com/office/drawing/2010/main" w="9525">
                   <a:solidFill>
                     <a:srgbClr val="000000"/>
@@ -40530,7 +40725,7 @@
               </a:outerShdw>
             </a:effectLst>
             <a:extLst>
-              <a:ext uri="{909E8E84-426E-40DD-AFC4-6F175D3DCCD1}">
+              <a:ext uri="{909E8E84-426E-40dd-AFC4-6F175D3DCCD1}">
                 <a14:hiddenFill xmlns:a14="http://schemas.microsoft.com/office/drawing/2010/main">
                   <a:noFill/>
                 </a14:hiddenFill>
@@ -40559,14 +40754,14 @@
               <a:noFill/>
             </a:ln>
             <a:extLst>
-              <a:ext uri="{909E8E84-426E-40DD-AFC4-6F175D3DCCD1}">
+              <a:ext uri="{909E8E84-426E-40dd-AFC4-6F175D3DCCD1}">
                 <a14:hiddenFill xmlns:a14="http://schemas.microsoft.com/office/drawing/2010/main">
                   <a:solidFill>
                     <a:srgbClr val="FFFFFF"/>
                   </a:solidFill>
                 </a14:hiddenFill>
               </a:ext>
-              <a:ext uri="{91240B29-F687-4F45-9708-019B960494DF}">
+              <a:ext uri="{91240B29-F687-4f45-9708-019B960494DF}">
                 <a14:hiddenLine xmlns:a14="http://schemas.microsoft.com/office/drawing/2010/main" w="9525">
                   <a:solidFill>
                     <a:srgbClr val="000000"/>
@@ -40904,7 +41099,7 @@
               </a:outerShdw>
             </a:effectLst>
             <a:extLst>
-              <a:ext uri="{909E8E84-426E-40DD-AFC4-6F175D3DCCD1}">
+              <a:ext uri="{909E8E84-426E-40dd-AFC4-6F175D3DCCD1}">
                 <a14:hiddenFill xmlns:a14="http://schemas.microsoft.com/office/drawing/2010/main">
                   <a:noFill/>
                 </a14:hiddenFill>
@@ -40933,14 +41128,14 @@
               <a:noFill/>
             </a:ln>
             <a:extLst>
-              <a:ext uri="{909E8E84-426E-40DD-AFC4-6F175D3DCCD1}">
+              <a:ext uri="{909E8E84-426E-40dd-AFC4-6F175D3DCCD1}">
                 <a14:hiddenFill xmlns:a14="http://schemas.microsoft.com/office/drawing/2010/main">
                   <a:solidFill>
                     <a:srgbClr val="FFFFFF"/>
                   </a:solidFill>
                 </a14:hiddenFill>
               </a:ext>
-              <a:ext uri="{91240B29-F687-4F45-9708-019B960494DF}">
+              <a:ext uri="{91240B29-F687-4f45-9708-019B960494DF}">
                 <a14:hiddenLine xmlns:a14="http://schemas.microsoft.com/office/drawing/2010/main" w="9525">
                   <a:solidFill>
                     <a:srgbClr val="000000"/>
@@ -41097,14 +41292,14 @@
               <a:noFill/>
             </a:ln>
             <a:extLst>
-              <a:ext uri="{909E8E84-426E-40DD-AFC4-6F175D3DCCD1}">
+              <a:ext uri="{909E8E84-426E-40dd-AFC4-6F175D3DCCD1}">
                 <a14:hiddenFill xmlns:a14="http://schemas.microsoft.com/office/drawing/2010/main">
                   <a:solidFill>
                     <a:srgbClr val="FFFFFF"/>
                   </a:solidFill>
                 </a14:hiddenFill>
               </a:ext>
-              <a:ext uri="{91240B29-F687-4F45-9708-019B960494DF}">
+              <a:ext uri="{91240B29-F687-4f45-9708-019B960494DF}">
                 <a14:hiddenLine xmlns:a14="http://schemas.microsoft.com/office/drawing/2010/main" w="9525">
                   <a:solidFill>
                     <a:srgbClr val="000000"/>
@@ -41274,7 +41469,7 @@
               </a:outerShdw>
             </a:effectLst>
             <a:extLst>
-              <a:ext uri="{909E8E84-426E-40DD-AFC4-6F175D3DCCD1}">
+              <a:ext uri="{909E8E84-426E-40dd-AFC4-6F175D3DCCD1}">
                 <a14:hiddenFill xmlns:a14="http://schemas.microsoft.com/office/drawing/2010/main">
                   <a:noFill/>
                 </a14:hiddenFill>
@@ -41316,7 +41511,7 @@
               </a:outerShdw>
             </a:effectLst>
             <a:extLst>
-              <a:ext uri="{909E8E84-426E-40DD-AFC4-6F175D3DCCD1}">
+              <a:ext uri="{909E8E84-426E-40dd-AFC4-6F175D3DCCD1}">
                 <a14:hiddenFill xmlns:a14="http://schemas.microsoft.com/office/drawing/2010/main">
                   <a:noFill/>
                 </a14:hiddenFill>
@@ -41358,7 +41553,7 @@
               </a:outerShdw>
             </a:effectLst>
             <a:extLst>
-              <a:ext uri="{909E8E84-426E-40DD-AFC4-6F175D3DCCD1}">
+              <a:ext uri="{909E8E84-426E-40dd-AFC4-6F175D3DCCD1}">
                 <a14:hiddenFill xmlns:a14="http://schemas.microsoft.com/office/drawing/2010/main">
                   <a:noFill/>
                 </a14:hiddenFill>
@@ -41400,7 +41595,7 @@
               </a:outerShdw>
             </a:effectLst>
             <a:extLst>
-              <a:ext uri="{909E8E84-426E-40DD-AFC4-6F175D3DCCD1}">
+              <a:ext uri="{909E8E84-426E-40dd-AFC4-6F175D3DCCD1}">
                 <a14:hiddenFill xmlns:a14="http://schemas.microsoft.com/office/drawing/2010/main">
                   <a:noFill/>
                 </a14:hiddenFill>
@@ -41442,7 +41637,7 @@
               </a:outerShdw>
             </a:effectLst>
             <a:extLst>
-              <a:ext uri="{909E8E84-426E-40DD-AFC4-6F175D3DCCD1}">
+              <a:ext uri="{909E8E84-426E-40dd-AFC4-6F175D3DCCD1}">
                 <a14:hiddenFill xmlns:a14="http://schemas.microsoft.com/office/drawing/2010/main">
                   <a:noFill/>
                 </a14:hiddenFill>
@@ -41483,7 +41678,7 @@
               </a:outerShdw>
             </a:effectLst>
             <a:extLst>
-              <a:ext uri="{909E8E84-426E-40DD-AFC4-6F175D3DCCD1}">
+              <a:ext uri="{909E8E84-426E-40dd-AFC4-6F175D3DCCD1}">
                 <a14:hiddenFill xmlns:a14="http://schemas.microsoft.com/office/drawing/2010/main">
                   <a:noFill/>
                 </a14:hiddenFill>
@@ -41512,14 +41707,14 @@
               <a:noFill/>
             </a:ln>
             <a:extLst>
-              <a:ext uri="{909E8E84-426E-40DD-AFC4-6F175D3DCCD1}">
+              <a:ext uri="{909E8E84-426E-40dd-AFC4-6F175D3DCCD1}">
                 <a14:hiddenFill xmlns:a14="http://schemas.microsoft.com/office/drawing/2010/main">
                   <a:solidFill>
                     <a:srgbClr val="FFFFFF"/>
                   </a:solidFill>
                 </a14:hiddenFill>
               </a:ext>
-              <a:ext uri="{91240B29-F687-4F45-9708-019B960494DF}">
+              <a:ext uri="{91240B29-F687-4f45-9708-019B960494DF}">
                 <a14:hiddenLine xmlns:a14="http://schemas.microsoft.com/office/drawing/2010/main" w="9525">
                   <a:solidFill>
                     <a:srgbClr val="000000"/>
@@ -41675,14 +41870,14 @@
               <a:noFill/>
             </a:ln>
             <a:extLst>
-              <a:ext uri="{909E8E84-426E-40DD-AFC4-6F175D3DCCD1}">
+              <a:ext uri="{909E8E84-426E-40dd-AFC4-6F175D3DCCD1}">
                 <a14:hiddenFill xmlns:a14="http://schemas.microsoft.com/office/drawing/2010/main">
                   <a:solidFill>
                     <a:srgbClr val="FFFFFF"/>
                   </a:solidFill>
                 </a14:hiddenFill>
               </a:ext>
-              <a:ext uri="{91240B29-F687-4F45-9708-019B960494DF}">
+              <a:ext uri="{91240B29-F687-4f45-9708-019B960494DF}">
                 <a14:hiddenLine xmlns:a14="http://schemas.microsoft.com/office/drawing/2010/main" w="9525">
                   <a:solidFill>
                     <a:srgbClr val="000000"/>
@@ -41831,7 +42026,7 @@
   <p:timing>
     <p:tnLst>
       <p:par>
-        <p:cTn id="1" dur="indefinite" restart="never" nodeType="tmRoot"/>
+        <p:cTn xmlns:p14="http://schemas.microsoft.com/office/powerpoint/2010/main" id="1" dur="indefinite" restart="never" nodeType="tmRoot"/>
       </p:par>
     </p:tnLst>
   </p:timing>
@@ -41876,14 +42071,14 @@
             <a:noFill/>
           </a:ln>
           <a:extLst>
-            <a:ext uri="{909E8E84-426E-40DD-AFC4-6F175D3DCCD1}">
+            <a:ext uri="{909E8E84-426E-40dd-AFC4-6F175D3DCCD1}">
               <a14:hiddenFill xmlns:a14="http://schemas.microsoft.com/office/drawing/2010/main">
                 <a:solidFill>
                   <a:srgbClr val="FFFFFF"/>
                 </a:solidFill>
               </a14:hiddenFill>
             </a:ext>
-            <a:ext uri="{91240B29-F687-4F45-9708-019B960494DF}">
+            <a:ext uri="{91240B29-F687-4f45-9708-019B960494DF}">
               <a14:hiddenLine xmlns:a14="http://schemas.microsoft.com/office/drawing/2010/main" w="9525">
                 <a:solidFill>
                   <a:srgbClr val="000000"/>
@@ -42048,14 +42243,14 @@
             <a:noFill/>
           </a:ln>
           <a:extLst>
-            <a:ext uri="{909E8E84-426E-40DD-AFC4-6F175D3DCCD1}">
+            <a:ext uri="{909E8E84-426E-40dd-AFC4-6F175D3DCCD1}">
               <a14:hiddenFill xmlns:a14="http://schemas.microsoft.com/office/drawing/2010/main">
                 <a:solidFill>
                   <a:srgbClr val="FFFFFF"/>
                 </a:solidFill>
               </a14:hiddenFill>
             </a:ext>
-            <a:ext uri="{91240B29-F687-4F45-9708-019B960494DF}">
+            <a:ext uri="{91240B29-F687-4f45-9708-019B960494DF}">
               <a14:hiddenLine xmlns:a14="http://schemas.microsoft.com/office/drawing/2010/main" w="9525">
                 <a:solidFill>
                   <a:srgbClr val="000000"/>
@@ -42277,7 +42472,7 @@
               <a:noFill/>
             </a:ln>
             <a:extLst>
-              <a:ext uri="{91240B29-F687-4F45-9708-019B960494DF}">
+              <a:ext uri="{91240B29-F687-4f45-9708-019B960494DF}">
                 <a14:hiddenLine xmlns:a14="http://schemas.microsoft.com/office/drawing/2010/main" w="9525">
                   <a:solidFill>
                     <a:srgbClr val="000000"/>
@@ -42392,14 +42587,14 @@
               <a:noFill/>
             </a:ln>
             <a:extLst>
-              <a:ext uri="{909E8E84-426E-40DD-AFC4-6F175D3DCCD1}">
+              <a:ext uri="{909E8E84-426E-40dd-AFC4-6F175D3DCCD1}">
                 <a14:hiddenFill xmlns:a14="http://schemas.microsoft.com/office/drawing/2010/main">
                   <a:solidFill>
                     <a:srgbClr val="FFFFFF"/>
                   </a:solidFill>
                 </a14:hiddenFill>
               </a:ext>
-              <a:ext uri="{91240B29-F687-4F45-9708-019B960494DF}">
+              <a:ext uri="{91240B29-F687-4f45-9708-019B960494DF}">
                 <a14:hiddenLine xmlns:a14="http://schemas.microsoft.com/office/drawing/2010/main" w="9525">
                   <a:solidFill>
                     <a:srgbClr val="000000"/>
@@ -42446,14 +42641,14 @@
               <a:noFill/>
             </a:ln>
             <a:extLst>
-              <a:ext uri="{909E8E84-426E-40DD-AFC4-6F175D3DCCD1}">
+              <a:ext uri="{909E8E84-426E-40dd-AFC4-6F175D3DCCD1}">
                 <a14:hiddenFill xmlns:a14="http://schemas.microsoft.com/office/drawing/2010/main">
                   <a:solidFill>
                     <a:srgbClr val="FFFFFF"/>
                   </a:solidFill>
                 </a14:hiddenFill>
               </a:ext>
-              <a:ext uri="{91240B29-F687-4F45-9708-019B960494DF}">
+              <a:ext uri="{91240B29-F687-4f45-9708-019B960494DF}">
                 <a14:hiddenLine xmlns:a14="http://schemas.microsoft.com/office/drawing/2010/main" w="9525">
                   <a:solidFill>
                     <a:srgbClr val="000000"/>
@@ -42500,14 +42695,14 @@
               <a:noFill/>
             </a:ln>
             <a:extLst>
-              <a:ext uri="{909E8E84-426E-40DD-AFC4-6F175D3DCCD1}">
+              <a:ext uri="{909E8E84-426E-40dd-AFC4-6F175D3DCCD1}">
                 <a14:hiddenFill xmlns:a14="http://schemas.microsoft.com/office/drawing/2010/main">
                   <a:solidFill>
                     <a:srgbClr val="FFFFFF"/>
                   </a:solidFill>
                 </a14:hiddenFill>
               </a:ext>
-              <a:ext uri="{91240B29-F687-4F45-9708-019B960494DF}">
+              <a:ext uri="{91240B29-F687-4f45-9708-019B960494DF}">
                 <a14:hiddenLine xmlns:a14="http://schemas.microsoft.com/office/drawing/2010/main" w="9525">
                   <a:solidFill>
                     <a:srgbClr val="000000"/>
@@ -42554,14 +42749,14 @@
               <a:noFill/>
             </a:ln>
             <a:extLst>
-              <a:ext uri="{909E8E84-426E-40DD-AFC4-6F175D3DCCD1}">
+              <a:ext uri="{909E8E84-426E-40dd-AFC4-6F175D3DCCD1}">
                 <a14:hiddenFill xmlns:a14="http://schemas.microsoft.com/office/drawing/2010/main">
                   <a:solidFill>
                     <a:srgbClr val="FFFFFF"/>
                   </a:solidFill>
                 </a14:hiddenFill>
               </a:ext>
-              <a:ext uri="{91240B29-F687-4F45-9708-019B960494DF}">
+              <a:ext uri="{91240B29-F687-4f45-9708-019B960494DF}">
                 <a14:hiddenLine xmlns:a14="http://schemas.microsoft.com/office/drawing/2010/main" w="9525">
                   <a:solidFill>
                     <a:srgbClr val="000000"/>
@@ -42595,14 +42790,14 @@
               <a:noFill/>
             </a:ln>
             <a:extLst>
-              <a:ext uri="{909E8E84-426E-40DD-AFC4-6F175D3DCCD1}">
+              <a:ext uri="{909E8E84-426E-40dd-AFC4-6F175D3DCCD1}">
                 <a14:hiddenFill xmlns:a14="http://schemas.microsoft.com/office/drawing/2010/main">
                   <a:solidFill>
                     <a:srgbClr val="FFFFFF"/>
                   </a:solidFill>
                 </a14:hiddenFill>
               </a:ext>
-              <a:ext uri="{91240B29-F687-4F45-9708-019B960494DF}">
+              <a:ext uri="{91240B29-F687-4f45-9708-019B960494DF}">
                 <a14:hiddenLine xmlns:a14="http://schemas.microsoft.com/office/drawing/2010/main" w="9525">
                   <a:solidFill>
                     <a:srgbClr val="000000"/>
@@ -42934,7 +43129,7 @@
               </a:outerShdw>
             </a:effectLst>
             <a:extLst>
-              <a:ext uri="{909E8E84-426E-40DD-AFC4-6F175D3DCCD1}">
+              <a:ext uri="{909E8E84-426E-40dd-AFC4-6F175D3DCCD1}">
                 <a14:hiddenFill xmlns:a14="http://schemas.microsoft.com/office/drawing/2010/main">
                   <a:noFill/>
                 </a14:hiddenFill>
@@ -42977,7 +43172,7 @@
               </a:outerShdw>
             </a:effectLst>
             <a:extLst>
-              <a:ext uri="{909E8E84-426E-40DD-AFC4-6F175D3DCCD1}">
+              <a:ext uri="{909E8E84-426E-40dd-AFC4-6F175D3DCCD1}">
                 <a14:hiddenFill xmlns:a14="http://schemas.microsoft.com/office/drawing/2010/main">
                   <a:noFill/>
                 </a14:hiddenFill>
@@ -43006,14 +43201,14 @@
               <a:noFill/>
             </a:ln>
             <a:extLst>
-              <a:ext uri="{909E8E84-426E-40DD-AFC4-6F175D3DCCD1}">
+              <a:ext uri="{909E8E84-426E-40dd-AFC4-6F175D3DCCD1}">
                 <a14:hiddenFill xmlns:a14="http://schemas.microsoft.com/office/drawing/2010/main">
                   <a:solidFill>
                     <a:srgbClr val="FFFFFF"/>
                   </a:solidFill>
                 </a14:hiddenFill>
               </a:ext>
-              <a:ext uri="{91240B29-F687-4F45-9708-019B960494DF}">
+              <a:ext uri="{91240B29-F687-4f45-9708-019B960494DF}">
                 <a14:hiddenLine xmlns:a14="http://schemas.microsoft.com/office/drawing/2010/main" w="9525">
                   <a:solidFill>
                     <a:srgbClr val="000000"/>
@@ -43170,14 +43365,14 @@
               <a:noFill/>
             </a:ln>
             <a:extLst>
-              <a:ext uri="{909E8E84-426E-40DD-AFC4-6F175D3DCCD1}">
+              <a:ext uri="{909E8E84-426E-40dd-AFC4-6F175D3DCCD1}">
                 <a14:hiddenFill xmlns:a14="http://schemas.microsoft.com/office/drawing/2010/main">
                   <a:solidFill>
                     <a:srgbClr val="FFFFFF"/>
                   </a:solidFill>
                 </a14:hiddenFill>
               </a:ext>
-              <a:ext uri="{91240B29-F687-4F45-9708-019B960494DF}">
+              <a:ext uri="{91240B29-F687-4f45-9708-019B960494DF}">
                 <a14:hiddenLine xmlns:a14="http://schemas.microsoft.com/office/drawing/2010/main" w="9525">
                   <a:solidFill>
                     <a:srgbClr val="000000"/>
@@ -43514,7 +43709,7 @@
               </a:outerShdw>
             </a:effectLst>
             <a:extLst>
-              <a:ext uri="{909E8E84-426E-40DD-AFC4-6F175D3DCCD1}">
+              <a:ext uri="{909E8E84-426E-40dd-AFC4-6F175D3DCCD1}">
                 <a14:hiddenFill xmlns:a14="http://schemas.microsoft.com/office/drawing/2010/main">
                   <a:noFill/>
                 </a14:hiddenFill>
@@ -43543,14 +43738,14 @@
               <a:noFill/>
             </a:ln>
             <a:extLst>
-              <a:ext uri="{909E8E84-426E-40DD-AFC4-6F175D3DCCD1}">
+              <a:ext uri="{909E8E84-426E-40dd-AFC4-6F175D3DCCD1}">
                 <a14:hiddenFill xmlns:a14="http://schemas.microsoft.com/office/drawing/2010/main">
                   <a:solidFill>
                     <a:srgbClr val="FFFFFF"/>
                   </a:solidFill>
                 </a14:hiddenFill>
               </a:ext>
-              <a:ext uri="{91240B29-F687-4F45-9708-019B960494DF}">
+              <a:ext uri="{91240B29-F687-4f45-9708-019B960494DF}">
                 <a14:hiddenLine xmlns:a14="http://schemas.microsoft.com/office/drawing/2010/main" w="9525">
                   <a:solidFill>
                     <a:srgbClr val="000000"/>
@@ -43888,7 +44083,7 @@
               </a:outerShdw>
             </a:effectLst>
             <a:extLst>
-              <a:ext uri="{909E8E84-426E-40DD-AFC4-6F175D3DCCD1}">
+              <a:ext uri="{909E8E84-426E-40dd-AFC4-6F175D3DCCD1}">
                 <a14:hiddenFill xmlns:a14="http://schemas.microsoft.com/office/drawing/2010/main">
                   <a:noFill/>
                 </a14:hiddenFill>
@@ -43917,14 +44112,14 @@
               <a:noFill/>
             </a:ln>
             <a:extLst>
-              <a:ext uri="{909E8E84-426E-40DD-AFC4-6F175D3DCCD1}">
+              <a:ext uri="{909E8E84-426E-40dd-AFC4-6F175D3DCCD1}">
                 <a14:hiddenFill xmlns:a14="http://schemas.microsoft.com/office/drawing/2010/main">
                   <a:solidFill>
                     <a:srgbClr val="FFFFFF"/>
                   </a:solidFill>
                 </a14:hiddenFill>
               </a:ext>
-              <a:ext uri="{91240B29-F687-4F45-9708-019B960494DF}">
+              <a:ext uri="{91240B29-F687-4f45-9708-019B960494DF}">
                 <a14:hiddenLine xmlns:a14="http://schemas.microsoft.com/office/drawing/2010/main" w="9525">
                   <a:solidFill>
                     <a:srgbClr val="000000"/>
@@ -44081,14 +44276,14 @@
               <a:noFill/>
             </a:ln>
             <a:extLst>
-              <a:ext uri="{909E8E84-426E-40DD-AFC4-6F175D3DCCD1}">
+              <a:ext uri="{909E8E84-426E-40dd-AFC4-6F175D3DCCD1}">
                 <a14:hiddenFill xmlns:a14="http://schemas.microsoft.com/office/drawing/2010/main">
                   <a:solidFill>
                     <a:srgbClr val="FFFFFF"/>
                   </a:solidFill>
                 </a14:hiddenFill>
               </a:ext>
-              <a:ext uri="{91240B29-F687-4F45-9708-019B960494DF}">
+              <a:ext uri="{91240B29-F687-4f45-9708-019B960494DF}">
                 <a14:hiddenLine xmlns:a14="http://schemas.microsoft.com/office/drawing/2010/main" w="9525">
                   <a:solidFill>
                     <a:srgbClr val="000000"/>
@@ -44258,7 +44453,7 @@
               </a:outerShdw>
             </a:effectLst>
             <a:extLst>
-              <a:ext uri="{909E8E84-426E-40DD-AFC4-6F175D3DCCD1}">
+              <a:ext uri="{909E8E84-426E-40dd-AFC4-6F175D3DCCD1}">
                 <a14:hiddenFill xmlns:a14="http://schemas.microsoft.com/office/drawing/2010/main">
                   <a:noFill/>
                 </a14:hiddenFill>
@@ -44300,7 +44495,7 @@
               </a:outerShdw>
             </a:effectLst>
             <a:extLst>
-              <a:ext uri="{909E8E84-426E-40DD-AFC4-6F175D3DCCD1}">
+              <a:ext uri="{909E8E84-426E-40dd-AFC4-6F175D3DCCD1}">
                 <a14:hiddenFill xmlns:a14="http://schemas.microsoft.com/office/drawing/2010/main">
                   <a:noFill/>
                 </a14:hiddenFill>
@@ -44342,7 +44537,7 @@
               </a:outerShdw>
             </a:effectLst>
             <a:extLst>
-              <a:ext uri="{909E8E84-426E-40DD-AFC4-6F175D3DCCD1}">
+              <a:ext uri="{909E8E84-426E-40dd-AFC4-6F175D3DCCD1}">
                 <a14:hiddenFill xmlns:a14="http://schemas.microsoft.com/office/drawing/2010/main">
                   <a:noFill/>
                 </a14:hiddenFill>
@@ -44384,7 +44579,7 @@
               </a:outerShdw>
             </a:effectLst>
             <a:extLst>
-              <a:ext uri="{909E8E84-426E-40DD-AFC4-6F175D3DCCD1}">
+              <a:ext uri="{909E8E84-426E-40dd-AFC4-6F175D3DCCD1}">
                 <a14:hiddenFill xmlns:a14="http://schemas.microsoft.com/office/drawing/2010/main">
                   <a:noFill/>
                 </a14:hiddenFill>
@@ -44426,7 +44621,7 @@
               </a:outerShdw>
             </a:effectLst>
             <a:extLst>
-              <a:ext uri="{909E8E84-426E-40DD-AFC4-6F175D3DCCD1}">
+              <a:ext uri="{909E8E84-426E-40dd-AFC4-6F175D3DCCD1}">
                 <a14:hiddenFill xmlns:a14="http://schemas.microsoft.com/office/drawing/2010/main">
                   <a:noFill/>
                 </a14:hiddenFill>
@@ -44467,7 +44662,7 @@
               </a:outerShdw>
             </a:effectLst>
             <a:extLst>
-              <a:ext uri="{909E8E84-426E-40DD-AFC4-6F175D3DCCD1}">
+              <a:ext uri="{909E8E84-426E-40dd-AFC4-6F175D3DCCD1}">
                 <a14:hiddenFill xmlns:a14="http://schemas.microsoft.com/office/drawing/2010/main">
                   <a:noFill/>
                 </a14:hiddenFill>
@@ -44496,14 +44691,14 @@
               <a:noFill/>
             </a:ln>
             <a:extLst>
-              <a:ext uri="{909E8E84-426E-40DD-AFC4-6F175D3DCCD1}">
+              <a:ext uri="{909E8E84-426E-40dd-AFC4-6F175D3DCCD1}">
                 <a14:hiddenFill xmlns:a14="http://schemas.microsoft.com/office/drawing/2010/main">
                   <a:solidFill>
                     <a:srgbClr val="FFFFFF"/>
                   </a:solidFill>
                 </a14:hiddenFill>
               </a:ext>
-              <a:ext uri="{91240B29-F687-4F45-9708-019B960494DF}">
+              <a:ext uri="{91240B29-F687-4f45-9708-019B960494DF}">
                 <a14:hiddenLine xmlns:a14="http://schemas.microsoft.com/office/drawing/2010/main" w="9525">
                   <a:solidFill>
                     <a:srgbClr val="000000"/>
@@ -44659,14 +44854,14 @@
               <a:noFill/>
             </a:ln>
             <a:extLst>
-              <a:ext uri="{909E8E84-426E-40DD-AFC4-6F175D3DCCD1}">
+              <a:ext uri="{909E8E84-426E-40dd-AFC4-6F175D3DCCD1}">
                 <a14:hiddenFill xmlns:a14="http://schemas.microsoft.com/office/drawing/2010/main">
                   <a:solidFill>
                     <a:srgbClr val="FFFFFF"/>
                   </a:solidFill>
                 </a14:hiddenFill>
               </a:ext>
-              <a:ext uri="{91240B29-F687-4F45-9708-019B960494DF}">
+              <a:ext uri="{91240B29-F687-4f45-9708-019B960494DF}">
                 <a14:hiddenLine xmlns:a14="http://schemas.microsoft.com/office/drawing/2010/main" w="9525">
                   <a:solidFill>
                     <a:srgbClr val="000000"/>
@@ -44956,14 +45151,14 @@
               <a:noFill/>
             </a:ln>
             <a:extLst>
-              <a:ext uri="{909E8E84-426E-40DD-AFC4-6F175D3DCCD1}">
+              <a:ext uri="{909E8E84-426E-40dd-AFC4-6F175D3DCCD1}">
                 <a14:hiddenFill xmlns:a14="http://schemas.microsoft.com/office/drawing/2010/main">
                   <a:solidFill>
                     <a:srgbClr val="FFFFFF"/>
                   </a:solidFill>
                 </a14:hiddenFill>
               </a:ext>
-              <a:ext uri="{91240B29-F687-4F45-9708-019B960494DF}">
+              <a:ext uri="{91240B29-F687-4f45-9708-019B960494DF}">
                 <a14:hiddenLine xmlns:a14="http://schemas.microsoft.com/office/drawing/2010/main" w="9525">
                   <a:solidFill>
                     <a:srgbClr val="000000"/>
@@ -45262,14 +45457,14 @@
               <a:noFill/>
             </a:ln>
             <a:extLst>
-              <a:ext uri="{909E8E84-426E-40DD-AFC4-6F175D3DCCD1}">
+              <a:ext uri="{909E8E84-426E-40dd-AFC4-6F175D3DCCD1}">
                 <a14:hiddenFill xmlns:a14="http://schemas.microsoft.com/office/drawing/2010/main">
                   <a:solidFill>
                     <a:srgbClr val="FFFFFF"/>
                   </a:solidFill>
                 </a14:hiddenFill>
               </a:ext>
-              <a:ext uri="{91240B29-F687-4F45-9708-019B960494DF}">
+              <a:ext uri="{91240B29-F687-4f45-9708-019B960494DF}">
                 <a14:hiddenLine xmlns:a14="http://schemas.microsoft.com/office/drawing/2010/main" w="9525">
                   <a:solidFill>
                     <a:srgbClr val="000000"/>
@@ -45563,14 +45758,14 @@
               <a:noFill/>
             </a:ln>
             <a:extLst>
-              <a:ext uri="{909E8E84-426E-40DD-AFC4-6F175D3DCCD1}">
+              <a:ext uri="{909E8E84-426E-40dd-AFC4-6F175D3DCCD1}">
                 <a14:hiddenFill xmlns:a14="http://schemas.microsoft.com/office/drawing/2010/main">
                   <a:solidFill>
                     <a:srgbClr val="FFFFFF"/>
                   </a:solidFill>
                 </a14:hiddenFill>
               </a:ext>
-              <a:ext uri="{91240B29-F687-4F45-9708-019B960494DF}">
+              <a:ext uri="{91240B29-F687-4f45-9708-019B960494DF}">
                 <a14:hiddenLine xmlns:a14="http://schemas.microsoft.com/office/drawing/2010/main" w="9525">
                   <a:solidFill>
                     <a:srgbClr val="000000"/>
@@ -45723,7 +45918,7 @@
   <p:timing>
     <p:tnLst>
       <p:par>
-        <p:cTn id="1" dur="indefinite" restart="never" nodeType="tmRoot">
+        <p:cTn xmlns:p14="http://schemas.microsoft.com/office/powerpoint/2010/main" id="1" dur="indefinite" restart="never" nodeType="tmRoot">
           <p:childTnLst>
             <p:seq concurrent="1" nextAc="seek">
               <p:cTn id="2" dur="indefinite" nodeType="mainSeq">
@@ -46049,14 +46244,14 @@
             <a:noFill/>
           </a:ln>
           <a:extLst>
-            <a:ext uri="{909E8E84-426E-40DD-AFC4-6F175D3DCCD1}">
+            <a:ext uri="{909E8E84-426E-40dd-AFC4-6F175D3DCCD1}">
               <a14:hiddenFill xmlns:a14="http://schemas.microsoft.com/office/drawing/2010/main">
                 <a:solidFill>
                   <a:srgbClr val="FFFFFF"/>
                 </a:solidFill>
               </a14:hiddenFill>
             </a:ext>
-            <a:ext uri="{91240B29-F687-4F45-9708-019B960494DF}">
+            <a:ext uri="{91240B29-F687-4f45-9708-019B960494DF}">
               <a14:hiddenLine xmlns:a14="http://schemas.microsoft.com/office/drawing/2010/main" w="9525">
                 <a:solidFill>
                   <a:srgbClr val="000000"/>
@@ -46221,14 +46416,14 @@
             <a:noFill/>
           </a:ln>
           <a:extLst>
-            <a:ext uri="{909E8E84-426E-40DD-AFC4-6F175D3DCCD1}">
+            <a:ext uri="{909E8E84-426E-40dd-AFC4-6F175D3DCCD1}">
               <a14:hiddenFill xmlns:a14="http://schemas.microsoft.com/office/drawing/2010/main">
                 <a:solidFill>
                   <a:srgbClr val="FFFFFF"/>
                 </a:solidFill>
               </a14:hiddenFill>
             </a:ext>
-            <a:ext uri="{91240B29-F687-4F45-9708-019B960494DF}">
+            <a:ext uri="{91240B29-F687-4f45-9708-019B960494DF}">
               <a14:hiddenLine xmlns:a14="http://schemas.microsoft.com/office/drawing/2010/main" w="9525">
                 <a:solidFill>
                   <a:srgbClr val="000000"/>
@@ -46414,7 +46609,7 @@
             <a:noFill/>
           </a:ln>
           <a:extLst>
-            <a:ext uri="{91240B29-F687-4F45-9708-019B960494DF}">
+            <a:ext uri="{91240B29-F687-4f45-9708-019B960494DF}">
               <a14:hiddenLine xmlns:a14="http://schemas.microsoft.com/office/drawing/2010/main" w="9525">
                 <a:solidFill>
                   <a:srgbClr val="000000"/>
@@ -46457,14 +46652,14 @@
             <a:noFill/>
           </a:ln>
           <a:extLst>
-            <a:ext uri="{909E8E84-426E-40DD-AFC4-6F175D3DCCD1}">
+            <a:ext uri="{909E8E84-426E-40dd-AFC4-6F175D3DCCD1}">
               <a14:hiddenFill xmlns:a14="http://schemas.microsoft.com/office/drawing/2010/main">
                 <a:solidFill>
                   <a:srgbClr val="FFFFFF"/>
                 </a:solidFill>
               </a14:hiddenFill>
             </a:ext>
-            <a:ext uri="{91240B29-F687-4F45-9708-019B960494DF}">
+            <a:ext uri="{91240B29-F687-4f45-9708-019B960494DF}">
               <a14:hiddenLine xmlns:a14="http://schemas.microsoft.com/office/drawing/2010/main" w="9525">
                 <a:solidFill>
                   <a:srgbClr val="000000"/>
@@ -46786,7 +46981,7 @@
   <p:timing>
     <p:tnLst>
       <p:par>
-        <p:cTn id="1" dur="indefinite" restart="never" nodeType="tmRoot"/>
+        <p:cTn xmlns:p14="http://schemas.microsoft.com/office/powerpoint/2010/main" id="1" dur="indefinite" restart="never" nodeType="tmRoot"/>
       </p:par>
     </p:tnLst>
   </p:timing>
